--- a/pMOR.pptx
+++ b/pMOR.pptx
@@ -10,10 +10,10 @@
     <p:sldMasterId id="2147483697" r:id="rId6"/>
   </p:sldMasterIdLst>
   <p:notesMasterIdLst>
-    <p:notesMasterId r:id="rId19"/>
+    <p:notesMasterId r:id="rId23"/>
   </p:notesMasterIdLst>
   <p:handoutMasterIdLst>
-    <p:handoutMasterId r:id="rId20"/>
+    <p:handoutMasterId r:id="rId24"/>
   </p:handoutMasterIdLst>
   <p:sldIdLst>
     <p:sldId id="355" r:id="rId7"/>
@@ -21,13 +21,17 @@
     <p:sldId id="370" r:id="rId9"/>
     <p:sldId id="392" r:id="rId10"/>
     <p:sldId id="371" r:id="rId11"/>
-    <p:sldId id="396" r:id="rId12"/>
-    <p:sldId id="372" r:id="rId13"/>
-    <p:sldId id="373" r:id="rId14"/>
-    <p:sldId id="395" r:id="rId15"/>
-    <p:sldId id="397" r:id="rId16"/>
-    <p:sldId id="394" r:id="rId17"/>
-    <p:sldId id="393" r:id="rId18"/>
+    <p:sldId id="399" r:id="rId12"/>
+    <p:sldId id="396" r:id="rId13"/>
+    <p:sldId id="372" r:id="rId14"/>
+    <p:sldId id="373" r:id="rId15"/>
+    <p:sldId id="400" r:id="rId16"/>
+    <p:sldId id="397" r:id="rId17"/>
+    <p:sldId id="398" r:id="rId18"/>
+    <p:sldId id="394" r:id="rId19"/>
+    <p:sldId id="395" r:id="rId20"/>
+    <p:sldId id="401" r:id="rId21"/>
+    <p:sldId id="393" r:id="rId22"/>
   </p:sldIdLst>
   <p:sldSz cx="9144000" cy="5143500" type="screen16x9"/>
   <p:notesSz cx="9925050" cy="6665913"/>
@@ -7540,7 +7544,7 @@
           <p:cNvPr id="2" name="Content Placeholder 1">
             <a:extLst>
               <a:ext uri="{FF2B5EF4-FFF2-40B4-BE49-F238E27FC236}">
-                <a16:creationId xmlns:a16="http://schemas.microsoft.com/office/drawing/2014/main" id="{BF459169-0FDA-D40B-A624-86DA45D74114}"/>
+                <a16:creationId xmlns:a16="http://schemas.microsoft.com/office/drawing/2014/main" id="{05370306-4C02-52DD-D709-2A00744B08E4}"/>
               </a:ext>
             </a:extLst>
           </p:cNvPr>
@@ -7556,13 +7560,423 @@
           <a:bodyPr/>
           <a:lstStyle/>
           <a:p>
+            <a:pPr marL="285750" indent="-285750">
+              <a:spcAft>
+                <a:spcPts val="600"/>
+              </a:spcAft>
+              <a:buFont typeface="Arial" panose="020B0604020202020204" pitchFamily="34" charset="0"/>
+              <a:buChar char="•"/>
+            </a:pPr>
             <a:r>
               <a:rPr lang="en-IN" dirty="0"/>
-              <a:t>Offline times</a:t>
-            </a:r>
+              <a:t>Models evaluated at L = 1.5m and 100 elements</a:t>
+            </a:r>
+            <a:endParaRPr lang="en-US" dirty="0"/>
+          </a:p>
+          <a:p>
+            <a:pPr marL="285750" indent="-285750">
+              <a:spcAft>
+                <a:spcPts val="600"/>
+              </a:spcAft>
+              <a:buFont typeface="Arial" panose="020B0604020202020204" pitchFamily="34" charset="0"/>
+              <a:buChar char="•"/>
+            </a:pPr>
+            <a:r>
+              <a:rPr lang="en-US" dirty="0"/>
+              <a:t>Accuracy of all reduced-order models is worse than the interpolation case before</a:t>
+            </a:r>
+          </a:p>
+          <a:p>
+            <a:pPr marL="285750" indent="-285750">
+              <a:spcAft>
+                <a:spcPts val="600"/>
+              </a:spcAft>
+              <a:buFont typeface="Arial" panose="020B0604020202020204" pitchFamily="34" charset="0"/>
+              <a:buChar char="•"/>
+            </a:pPr>
+            <a:r>
+              <a:rPr lang="en-US" dirty="0"/>
+              <a:t>Accuracy of reduced-order models decreases even further at high frequencies (&gt;4000 rad/s)</a:t>
+            </a:r>
+          </a:p>
+          <a:p>
+            <a:pPr marL="285750" indent="-285750">
+              <a:spcAft>
+                <a:spcPts val="600"/>
+              </a:spcAft>
+              <a:buFont typeface="Arial" panose="020B0604020202020204" pitchFamily="34" charset="0"/>
+              <a:buChar char="•"/>
+            </a:pPr>
+            <a:r>
+              <a:rPr lang="en-US" dirty="0"/>
+              <a:t>Accuracy of local </a:t>
+            </a:r>
+            <a:r>
+              <a:rPr lang="en-US" dirty="0" err="1"/>
+              <a:t>pMOR</a:t>
+            </a:r>
+            <a:r>
+              <a:rPr lang="en-US" dirty="0"/>
+              <a:t> is the worst since it is based on interpolation and thus, is unable to extrapolate the results</a:t>
+            </a:r>
+          </a:p>
+          <a:p>
+            <a:endParaRPr lang="en-IN" dirty="0"/>
           </a:p>
         </p:txBody>
       </p:sp>
+      <p:sp>
+        <p:nvSpPr>
+          <p:cNvPr id="4" name="Title 3">
+            <a:extLst>
+              <a:ext uri="{FF2B5EF4-FFF2-40B4-BE49-F238E27FC236}">
+                <a16:creationId xmlns:a16="http://schemas.microsoft.com/office/drawing/2014/main" id="{B05A97A8-62E4-4EDB-6D6B-C75E39F39251}"/>
+              </a:ext>
+            </a:extLst>
+          </p:cNvPr>
+          <p:cNvSpPr>
+            <a:spLocks noGrp="1"/>
+          </p:cNvSpPr>
+          <p:nvPr>
+            <p:ph type="title"/>
+          </p:nvPr>
+        </p:nvSpPr>
+        <p:spPr>
+          <a:xfrm>
+            <a:off x="319090" y="972000"/>
+            <a:ext cx="8508999" cy="380810"/>
+          </a:xfrm>
+        </p:spPr>
+        <p:txBody>
+          <a:bodyPr/>
+          <a:lstStyle/>
+          <a:p>
+            <a:r>
+              <a:rPr lang="en-IN" dirty="0"/>
+              <a:t>Extrapolation Results</a:t>
+            </a:r>
+          </a:p>
+        </p:txBody>
+      </p:sp>
+      <p:sp>
+        <p:nvSpPr>
+          <p:cNvPr id="5" name="Slide Number Placeholder 4">
+            <a:extLst>
+              <a:ext uri="{FF2B5EF4-FFF2-40B4-BE49-F238E27FC236}">
+                <a16:creationId xmlns:a16="http://schemas.microsoft.com/office/drawing/2014/main" id="{DAF032C6-C2A9-CA14-97B8-A6C0370EC45F}"/>
+              </a:ext>
+            </a:extLst>
+          </p:cNvPr>
+          <p:cNvSpPr>
+            <a:spLocks noGrp="1"/>
+          </p:cNvSpPr>
+          <p:nvPr>
+            <p:ph type="sldNum" sz="quarter" idx="16"/>
+          </p:nvPr>
+        </p:nvSpPr>
+        <p:spPr/>
+        <p:txBody>
+          <a:bodyPr/>
+          <a:lstStyle/>
+          <a:p>
+            <a:fld id="{CE58CB1E-F828-4F11-99E0-327109AF9DA4}" type="slidenum">
+              <a:rPr lang="de-DE" smtClean="0"/>
+              <a:pPr/>
+              <a:t>10</a:t>
+            </a:fld>
+            <a:endParaRPr lang="de-DE" dirty="0"/>
+          </a:p>
+        </p:txBody>
+      </p:sp>
+      <p:sp>
+        <p:nvSpPr>
+          <p:cNvPr id="6" name="Footer Placeholder 5">
+            <a:extLst>
+              <a:ext uri="{FF2B5EF4-FFF2-40B4-BE49-F238E27FC236}">
+                <a16:creationId xmlns:a16="http://schemas.microsoft.com/office/drawing/2014/main" id="{C9D7C528-86C3-137F-39F2-AD3F4C992ABF}"/>
+              </a:ext>
+            </a:extLst>
+          </p:cNvPr>
+          <p:cNvSpPr>
+            <a:spLocks noGrp="1"/>
+          </p:cNvSpPr>
+          <p:nvPr>
+            <p:ph type="ftr" sz="quarter" idx="17"/>
+          </p:nvPr>
+        </p:nvSpPr>
+        <p:spPr/>
+        <p:txBody>
+          <a:bodyPr/>
+          <a:lstStyle/>
+          <a:p>
+            <a:r>
+              <a:rPr lang="de-DE" dirty="0"/>
+              <a:t>Hritik Singh</a:t>
+            </a:r>
+            <a:endParaRPr lang="en-US" dirty="0"/>
+          </a:p>
+        </p:txBody>
+      </p:sp>
+      <p:pic>
+        <p:nvPicPr>
+          <p:cNvPr id="12" name="Content Placeholder 11">
+            <a:extLst>
+              <a:ext uri="{FF2B5EF4-FFF2-40B4-BE49-F238E27FC236}">
+                <a16:creationId xmlns:a16="http://schemas.microsoft.com/office/drawing/2014/main" id="{24213E29-031F-E6F7-ADBC-26CCA1B4AD7C}"/>
+              </a:ext>
+            </a:extLst>
+          </p:cNvPr>
+          <p:cNvPicPr>
+            <a:picLocks noGrp="1" noChangeAspect="1"/>
+          </p:cNvPicPr>
+          <p:nvPr>
+            <p:ph idx="15"/>
+          </p:nvPr>
+        </p:nvPicPr>
+        <p:blipFill>
+          <a:blip r:embed="rId2"/>
+          <a:stretch>
+            <a:fillRect/>
+          </a:stretch>
+        </p:blipFill>
+        <p:spPr>
+          <a:xfrm>
+            <a:off x="4820523" y="1352810"/>
+            <a:ext cx="4004387" cy="3003290"/>
+          </a:xfrm>
+        </p:spPr>
+      </p:pic>
+    </p:spTree>
+    <p:extLst>
+      <p:ext uri="{BB962C8B-B14F-4D97-AF65-F5344CB8AC3E}">
+        <p14:creationId xmlns:p14="http://schemas.microsoft.com/office/powerpoint/2010/main" val="1164860395"/>
+      </p:ext>
+    </p:extLst>
+  </p:cSld>
+  <p:clrMapOvr>
+    <a:masterClrMapping/>
+  </p:clrMapOvr>
+  <p:transition spd="slow">
+    <p:push dir="u"/>
+  </p:transition>
+</p:sld>
+</file>
+
+<file path=ppt/slides/slide11.xml><?xml version="1.0" encoding="utf-8"?>
+<p:sld xmlns:a="http://schemas.openxmlformats.org/drawingml/2006/main" xmlns:r="http://schemas.openxmlformats.org/officeDocument/2006/relationships" xmlns:p="http://schemas.openxmlformats.org/presentationml/2006/main">
+  <p:cSld>
+    <p:spTree>
+      <p:nvGrpSpPr>
+        <p:cNvPr id="1" name=""/>
+        <p:cNvGrpSpPr/>
+        <p:nvPr/>
+      </p:nvGrpSpPr>
+      <p:grpSpPr>
+        <a:xfrm>
+          <a:off x="0" y="0"/>
+          <a:ext cx="0" cy="0"/>
+          <a:chOff x="0" y="0"/>
+          <a:chExt cx="0" cy="0"/>
+        </a:xfrm>
+      </p:grpSpPr>
+      <mc:AlternateContent xmlns:mc="http://schemas.openxmlformats.org/markup-compatibility/2006">
+        <mc:Choice xmlns:a14="http://schemas.microsoft.com/office/drawing/2010/main" Requires="a14">
+          <p:sp>
+            <p:nvSpPr>
+              <p:cNvPr id="2" name="Content Placeholder 1">
+                <a:extLst>
+                  <a:ext uri="{FF2B5EF4-FFF2-40B4-BE49-F238E27FC236}">
+                    <a16:creationId xmlns:a16="http://schemas.microsoft.com/office/drawing/2014/main" id="{BF459169-0FDA-D40B-A624-86DA45D74114}"/>
+                  </a:ext>
+                </a:extLst>
+              </p:cNvPr>
+              <p:cNvSpPr>
+                <a:spLocks noGrp="1"/>
+              </p:cNvSpPr>
+              <p:nvPr>
+                <p:ph idx="14"/>
+              </p:nvPr>
+            </p:nvSpPr>
+            <p:spPr/>
+            <p:txBody>
+              <a:bodyPr/>
+              <a:lstStyle/>
+              <a:p>
+                <a:r>
+                  <a:rPr lang="en-IN" dirty="0"/>
+                  <a:t>Time taken to assemble the parametric model and reduce it.</a:t>
+                </a:r>
+              </a:p>
+              <a:p>
+                <a:pPr marL="285750" indent="-285750">
+                  <a:buFont typeface="Arial" panose="020B0604020202020204" pitchFamily="34" charset="0"/>
+                  <a:buChar char="•"/>
+                </a:pPr>
+                <a:r>
+                  <a:rPr lang="en-IN" dirty="0"/>
+                  <a:t>Higher for local </a:t>
+                </a:r>
+                <a:r>
+                  <a:rPr lang="en-IN" dirty="0" err="1"/>
+                  <a:t>pMOR</a:t>
+                </a:r>
+                <a:r>
+                  <a:rPr lang="en-IN" dirty="0"/>
+                  <a:t> since it requires further steps like transformation and interpolation as compared to global </a:t>
+                </a:r>
+                <a:r>
+                  <a:rPr lang="en-IN" dirty="0" err="1"/>
+                  <a:t>pMOR</a:t>
+                </a:r>
+                <a:endParaRPr lang="en-IN" dirty="0"/>
+              </a:p>
+              <a:p>
+                <a:pPr marL="285750" indent="-285750">
+                  <a:buFont typeface="Arial" panose="020B0604020202020204" pitchFamily="34" charset="0"/>
+                  <a:buChar char="•"/>
+                </a:pPr>
+                <a:r>
+                  <a:rPr lang="en-IN" dirty="0"/>
+                  <a:t>After </a:t>
+                </a:r>
+                <a:r>
+                  <a:rPr lang="en-IN" dirty="0" err="1"/>
+                  <a:t>pMOR</a:t>
+                </a:r>
+                <a:r>
+                  <a:rPr lang="en-IN" dirty="0"/>
+                  <a:t>, obtained reduced model size:</a:t>
+                </a:r>
+              </a:p>
+              <a:p>
+                <a14:m>
+                  <m:oMathPara xmlns:m="http://schemas.openxmlformats.org/officeDocument/2006/math">
+                    <m:oMathParaPr>
+                      <m:jc m:val="centerGroup"/>
+                    </m:oMathParaPr>
+                    <m:oMath xmlns:m="http://schemas.openxmlformats.org/officeDocument/2006/math">
+                      <m:sSub>
+                        <m:sSubPr>
+                          <m:ctrlPr>
+                            <a:rPr lang="en-IN" i="1" smtClean="0">
+                              <a:latin typeface="Cambria Math" panose="02040503050406030204" pitchFamily="18" charset="0"/>
+                            </a:rPr>
+                          </m:ctrlPr>
+                        </m:sSubPr>
+                        <m:e>
+                          <m:r>
+                            <a:rPr lang="en-IN" b="0" i="1" smtClean="0">
+                              <a:latin typeface="Cambria Math" panose="02040503050406030204" pitchFamily="18" charset="0"/>
+                            </a:rPr>
+                            <m:t>𝑟</m:t>
+                          </m:r>
+                        </m:e>
+                        <m:sub>
+                          <m:r>
+                            <a:rPr lang="en-IN" b="0" i="1" smtClean="0">
+                              <a:latin typeface="Cambria Math" panose="02040503050406030204" pitchFamily="18" charset="0"/>
+                            </a:rPr>
+                            <m:t>𝐺𝑙𝑜𝑏𝑎𝑙</m:t>
+                          </m:r>
+                        </m:sub>
+                      </m:sSub>
+                      <m:r>
+                        <a:rPr lang="en-IN" b="0" i="1" smtClean="0">
+                          <a:latin typeface="Cambria Math" panose="02040503050406030204" pitchFamily="18" charset="0"/>
+                        </a:rPr>
+                        <m:t>=24</m:t>
+                      </m:r>
+                    </m:oMath>
+                  </m:oMathPara>
+                </a14:m>
+                <a:endParaRPr lang="en-IN" b="0" dirty="0"/>
+              </a:p>
+              <a:p>
+                <a14:m>
+                  <m:oMathPara xmlns:m="http://schemas.openxmlformats.org/officeDocument/2006/math">
+                    <m:oMathParaPr>
+                      <m:jc m:val="centerGroup"/>
+                    </m:oMathParaPr>
+                    <m:oMath xmlns:m="http://schemas.openxmlformats.org/officeDocument/2006/math">
+                      <m:sSub>
+                        <m:sSubPr>
+                          <m:ctrlPr>
+                            <a:rPr lang="en-IN" i="1" smtClean="0">
+                              <a:latin typeface="Cambria Math" panose="02040503050406030204" pitchFamily="18" charset="0"/>
+                            </a:rPr>
+                          </m:ctrlPr>
+                        </m:sSubPr>
+                        <m:e>
+                          <m:r>
+                            <a:rPr lang="en-IN" b="0" i="1" smtClean="0">
+                              <a:latin typeface="Cambria Math" panose="02040503050406030204" pitchFamily="18" charset="0"/>
+                            </a:rPr>
+                            <m:t>𝑟</m:t>
+                          </m:r>
+                        </m:e>
+                        <m:sub>
+                          <m:r>
+                            <a:rPr lang="en-IN" b="0" i="1" smtClean="0">
+                              <a:latin typeface="Cambria Math" panose="02040503050406030204" pitchFamily="18" charset="0"/>
+                            </a:rPr>
+                            <m:t>𝐿𝑜𝑐𝑎𝑙</m:t>
+                          </m:r>
+                        </m:sub>
+                      </m:sSub>
+                      <m:r>
+                        <a:rPr lang="en-IN" b="0" i="1" smtClean="0">
+                          <a:latin typeface="Cambria Math" panose="02040503050406030204" pitchFamily="18" charset="0"/>
+                        </a:rPr>
+                        <m:t>=10</m:t>
+                      </m:r>
+                    </m:oMath>
+                  </m:oMathPara>
+                </a14:m>
+                <a:endParaRPr lang="en-IN" dirty="0"/>
+              </a:p>
+            </p:txBody>
+          </p:sp>
+        </mc:Choice>
+        <mc:Fallback>
+          <p:sp>
+            <p:nvSpPr>
+              <p:cNvPr id="2" name="Content Placeholder 1">
+                <a:extLst>
+                  <a:ext uri="{FF2B5EF4-FFF2-40B4-BE49-F238E27FC236}">
+                    <a16:creationId xmlns:a16="http://schemas.microsoft.com/office/drawing/2014/main" id="{BF459169-0FDA-D40B-A624-86DA45D74114}"/>
+                  </a:ext>
+                </a:extLst>
+              </p:cNvPr>
+              <p:cNvSpPr>
+                <a:spLocks noGrp="1" noRot="1" noChangeAspect="1" noMove="1" noResize="1" noEditPoints="1" noAdjustHandles="1" noChangeArrowheads="1" noChangeShapeType="1" noTextEdit="1"/>
+              </p:cNvSpPr>
+              <p:nvPr>
+                <p:ph idx="14"/>
+              </p:nvPr>
+            </p:nvSpPr>
+            <p:spPr>
+              <a:blipFill>
+                <a:blip r:embed="rId2"/>
+                <a:stretch>
+                  <a:fillRect l="-2624" t="-1378"/>
+                </a:stretch>
+              </a:blipFill>
+            </p:spPr>
+            <p:txBody>
+              <a:bodyPr/>
+              <a:lstStyle/>
+              <a:p>
+                <a:r>
+                  <a:rPr lang="en-IN">
+                    <a:noFill/>
+                  </a:rPr>
+                  <a:t> </a:t>
+                </a:r>
+              </a:p>
+            </p:txBody>
+          </p:sp>
+        </mc:Fallback>
+      </mc:AlternateContent>
       <p:pic>
         <p:nvPicPr>
           <p:cNvPr id="8" name="Content Placeholder 7" descr="Chart, line chart&#10;&#10;Description automatically generated">
@@ -7580,7 +7994,7 @@
           </p:nvPr>
         </p:nvPicPr>
         <p:blipFill>
-          <a:blip r:embed="rId2"/>
+          <a:blip r:embed="rId3"/>
           <a:stretch>
             <a:fillRect/>
           </a:stretch>
@@ -7620,7 +8034,7 @@
           <a:p>
             <a:r>
               <a:rPr lang="en-IN" dirty="0"/>
-              <a:t>Performance Study</a:t>
+              <a:t>Performance Study – Offline Computation Time</a:t>
             </a:r>
           </a:p>
         </p:txBody>
@@ -7649,7 +8063,7 @@
             <a:fld id="{CE58CB1E-F828-4F11-99E0-327109AF9DA4}" type="slidenum">
               <a:rPr lang="de-DE" smtClean="0"/>
               <a:pPr/>
-              <a:t>10</a:t>
+              <a:t>11</a:t>
             </a:fld>
             <a:endParaRPr lang="de-DE" dirty="0"/>
           </a:p>
@@ -7677,8 +8091,8 @@
           <a:lstStyle/>
           <a:p>
             <a:r>
-              <a:rPr lang="de-DE"/>
-              <a:t>Dr. rer. nat. Erika Mustermann (TUM) | kann beliebig erweitert werden | Infos mit Strich trennen</a:t>
+              <a:rPr lang="de-DE" dirty="0"/>
+              <a:t>Hritik Singh</a:t>
             </a:r>
             <a:endParaRPr lang="en-US" dirty="0"/>
           </a:p>
@@ -7700,7 +8114,240 @@
 </p:sld>
 </file>
 
-<file path=ppt/slides/slide11.xml><?xml version="1.0" encoding="utf-8"?>
+<file path=ppt/slides/slide12.xml><?xml version="1.0" encoding="utf-8"?>
+<p:sld xmlns:a="http://schemas.openxmlformats.org/drawingml/2006/main" xmlns:r="http://schemas.openxmlformats.org/officeDocument/2006/relationships" xmlns:p="http://schemas.openxmlformats.org/presentationml/2006/main">
+  <p:cSld>
+    <p:spTree>
+      <p:nvGrpSpPr>
+        <p:cNvPr id="1" name=""/>
+        <p:cNvGrpSpPr/>
+        <p:nvPr/>
+      </p:nvGrpSpPr>
+      <p:grpSpPr>
+        <a:xfrm>
+          <a:off x="0" y="0"/>
+          <a:ext cx="0" cy="0"/>
+          <a:chOff x="0" y="0"/>
+          <a:chExt cx="0" cy="0"/>
+        </a:xfrm>
+      </p:grpSpPr>
+      <p:sp>
+        <p:nvSpPr>
+          <p:cNvPr id="2" name="Content Placeholder 1">
+            <a:extLst>
+              <a:ext uri="{FF2B5EF4-FFF2-40B4-BE49-F238E27FC236}">
+                <a16:creationId xmlns:a16="http://schemas.microsoft.com/office/drawing/2014/main" id="{9D936A71-0CB2-7B7D-C618-F280F8E97F8A}"/>
+              </a:ext>
+            </a:extLst>
+          </p:cNvPr>
+          <p:cNvSpPr>
+            <a:spLocks noGrp="1"/>
+          </p:cNvSpPr>
+          <p:nvPr>
+            <p:ph idx="14"/>
+          </p:nvPr>
+        </p:nvSpPr>
+        <p:spPr/>
+        <p:txBody>
+          <a:bodyPr/>
+          <a:lstStyle/>
+          <a:p>
+            <a:r>
+              <a:rPr lang="en-IN" dirty="0"/>
+              <a:t>Time to solve and compute the frequency response of the reduced system.</a:t>
+            </a:r>
+          </a:p>
+          <a:p>
+            <a:pPr marL="285750" indent="-285750">
+              <a:buFont typeface="Arial" panose="020B0604020202020204" pitchFamily="34" charset="0"/>
+              <a:buChar char="•"/>
+            </a:pPr>
+            <a:r>
+              <a:rPr lang="en-IN" dirty="0"/>
+              <a:t>Higher for global </a:t>
+            </a:r>
+            <a:r>
+              <a:rPr lang="en-IN" dirty="0" err="1"/>
+              <a:t>pMOR</a:t>
+            </a:r>
+            <a:r>
+              <a:rPr lang="en-IN" dirty="0"/>
+              <a:t> since the size of reduced system is more as compared to local </a:t>
+            </a:r>
+            <a:r>
+              <a:rPr lang="en-IN" dirty="0" err="1"/>
+              <a:t>pMOR</a:t>
+            </a:r>
+            <a:endParaRPr lang="en-IN" dirty="0"/>
+          </a:p>
+          <a:p>
+            <a:pPr marL="285750" indent="-285750">
+              <a:buFont typeface="Arial" panose="020B0604020202020204" pitchFamily="34" charset="0"/>
+              <a:buChar char="•"/>
+            </a:pPr>
+            <a:r>
+              <a:rPr lang="en-IN" dirty="0"/>
+              <a:t>Number of elements doesn’t affect the size of reduced system and thus, it doesn’t affect online times as well</a:t>
+            </a:r>
+          </a:p>
+          <a:p>
+            <a:pPr marL="285750" indent="-285750">
+              <a:buFont typeface="Arial" panose="020B0604020202020204" pitchFamily="34" charset="0"/>
+              <a:buChar char="•"/>
+            </a:pPr>
+            <a:r>
+              <a:rPr lang="en-IN" dirty="0"/>
+              <a:t>Variations in global </a:t>
+            </a:r>
+            <a:r>
+              <a:rPr lang="en-IN" dirty="0" err="1"/>
+              <a:t>pMOR</a:t>
+            </a:r>
+            <a:r>
+              <a:rPr lang="en-IN" dirty="0"/>
+              <a:t> online time are probably due to processor usage by other processes</a:t>
+            </a:r>
+          </a:p>
+        </p:txBody>
+      </p:sp>
+      <p:pic>
+        <p:nvPicPr>
+          <p:cNvPr id="8" name="Content Placeholder 7" descr="Chart, line chart&#10;&#10;Description automatically generated">
+            <a:extLst>
+              <a:ext uri="{FF2B5EF4-FFF2-40B4-BE49-F238E27FC236}">
+                <a16:creationId xmlns:a16="http://schemas.microsoft.com/office/drawing/2014/main" id="{B9A6B963-6DA6-850A-68EE-E771416E37CB}"/>
+              </a:ext>
+            </a:extLst>
+          </p:cNvPr>
+          <p:cNvPicPr>
+            <a:picLocks noGrp="1" noChangeAspect="1"/>
+          </p:cNvPicPr>
+          <p:nvPr>
+            <p:ph idx="15"/>
+          </p:nvPr>
+        </p:nvPicPr>
+        <p:blipFill>
+          <a:blip r:embed="rId2"/>
+          <a:stretch>
+            <a:fillRect/>
+          </a:stretch>
+        </p:blipFill>
+        <p:spPr>
+          <a:xfrm>
+            <a:off x="4646613" y="1845459"/>
+            <a:ext cx="4181475" cy="2608283"/>
+          </a:xfrm>
+        </p:spPr>
+      </p:pic>
+      <p:sp>
+        <p:nvSpPr>
+          <p:cNvPr id="4" name="Title 3">
+            <a:extLst>
+              <a:ext uri="{FF2B5EF4-FFF2-40B4-BE49-F238E27FC236}">
+                <a16:creationId xmlns:a16="http://schemas.microsoft.com/office/drawing/2014/main" id="{3556B506-9F3C-8014-8789-C17B98FDDC64}"/>
+              </a:ext>
+            </a:extLst>
+          </p:cNvPr>
+          <p:cNvSpPr>
+            <a:spLocks noGrp="1"/>
+          </p:cNvSpPr>
+          <p:nvPr>
+            <p:ph type="title"/>
+          </p:nvPr>
+        </p:nvSpPr>
+        <p:spPr>
+          <a:xfrm>
+            <a:off x="319090" y="972000"/>
+            <a:ext cx="8508999" cy="380810"/>
+          </a:xfrm>
+        </p:spPr>
+        <p:txBody>
+          <a:bodyPr/>
+          <a:lstStyle/>
+          <a:p>
+            <a:r>
+              <a:rPr lang="en-IN" dirty="0"/>
+              <a:t>Performance Study – Online Computation Time</a:t>
+            </a:r>
+          </a:p>
+        </p:txBody>
+      </p:sp>
+      <p:sp>
+        <p:nvSpPr>
+          <p:cNvPr id="5" name="Slide Number Placeholder 4">
+            <a:extLst>
+              <a:ext uri="{FF2B5EF4-FFF2-40B4-BE49-F238E27FC236}">
+                <a16:creationId xmlns:a16="http://schemas.microsoft.com/office/drawing/2014/main" id="{3AC3F0EE-CCF5-23CD-3499-AE066CE4F933}"/>
+              </a:ext>
+            </a:extLst>
+          </p:cNvPr>
+          <p:cNvSpPr>
+            <a:spLocks noGrp="1"/>
+          </p:cNvSpPr>
+          <p:nvPr>
+            <p:ph type="sldNum" sz="quarter" idx="16"/>
+          </p:nvPr>
+        </p:nvSpPr>
+        <p:spPr/>
+        <p:txBody>
+          <a:bodyPr/>
+          <a:lstStyle/>
+          <a:p>
+            <a:fld id="{CE58CB1E-F828-4F11-99E0-327109AF9DA4}" type="slidenum">
+              <a:rPr lang="de-DE" smtClean="0"/>
+              <a:pPr/>
+              <a:t>12</a:t>
+            </a:fld>
+            <a:endParaRPr lang="de-DE" dirty="0"/>
+          </a:p>
+        </p:txBody>
+      </p:sp>
+      <p:sp>
+        <p:nvSpPr>
+          <p:cNvPr id="6" name="Footer Placeholder 5">
+            <a:extLst>
+              <a:ext uri="{FF2B5EF4-FFF2-40B4-BE49-F238E27FC236}">
+                <a16:creationId xmlns:a16="http://schemas.microsoft.com/office/drawing/2014/main" id="{DFB45FAB-C6D8-E306-7C63-E032496215B0}"/>
+              </a:ext>
+            </a:extLst>
+          </p:cNvPr>
+          <p:cNvSpPr>
+            <a:spLocks noGrp="1"/>
+          </p:cNvSpPr>
+          <p:nvPr>
+            <p:ph type="ftr" sz="quarter" idx="17"/>
+          </p:nvPr>
+        </p:nvSpPr>
+        <p:spPr/>
+        <p:txBody>
+          <a:bodyPr/>
+          <a:lstStyle/>
+          <a:p>
+            <a:r>
+              <a:rPr lang="de-DE" dirty="0"/>
+              <a:t>Raúl San Miguel</a:t>
+            </a:r>
+            <a:endParaRPr lang="en-US" dirty="0"/>
+          </a:p>
+        </p:txBody>
+      </p:sp>
+    </p:spTree>
+    <p:extLst>
+      <p:ext uri="{BB962C8B-B14F-4D97-AF65-F5344CB8AC3E}">
+        <p14:creationId xmlns:p14="http://schemas.microsoft.com/office/powerpoint/2010/main" val="1842684417"/>
+      </p:ext>
+    </p:extLst>
+  </p:cSld>
+  <p:clrMapOvr>
+    <a:masterClrMapping/>
+  </p:clrMapOvr>
+  <p:transition spd="slow">
+    <p:push dir="u"/>
+  </p:transition>
+</p:sld>
+</file>
+
+<file path=ppt/slides/slide13.xml><?xml version="1.0" encoding="utf-8"?>
 <p:sld xmlns:a="http://schemas.openxmlformats.org/drawingml/2006/main" xmlns:r="http://schemas.openxmlformats.org/officeDocument/2006/relationships" xmlns:p="http://schemas.openxmlformats.org/presentationml/2006/main">
   <p:cSld>
     <p:spTree>
@@ -7743,15 +8390,15 @@
               <a:buChar char="•"/>
             </a:pPr>
             <a:r>
-              <a:rPr lang="en-IN" sz="1200" dirty="0"/>
+              <a:rPr lang="en-IN" sz="1300" dirty="0"/>
               <a:t>For small-sized systems, solving the full order system takes less time compared to </a:t>
             </a:r>
             <a:r>
-              <a:rPr lang="en-IN" sz="1200" dirty="0" err="1"/>
+              <a:rPr lang="en-IN" sz="1300" dirty="0" err="1"/>
               <a:t>pMOR</a:t>
             </a:r>
             <a:r>
-              <a:rPr lang="en-IN" sz="1200" dirty="0"/>
+              <a:rPr lang="en-IN" sz="1300" dirty="0"/>
               <a:t> techniques due to overhead involved in setting up the MOR </a:t>
             </a:r>
           </a:p>
@@ -7761,16 +8408,16 @@
               <a:buChar char="•"/>
             </a:pPr>
             <a:r>
-              <a:rPr lang="en-IN" sz="1200" dirty="0"/>
+              <a:rPr lang="en-IN" sz="1300" dirty="0"/>
               <a:t>But as the number of elements increase, both local and global </a:t>
             </a:r>
             <a:r>
-              <a:rPr lang="en-IN" sz="1200" dirty="0" err="1"/>
+              <a:rPr lang="en-IN" sz="1300" dirty="0" err="1"/>
               <a:t>pMOR</a:t>
             </a:r>
             <a:r>
-              <a:rPr lang="en-IN" sz="1200" dirty="0"/>
-              <a:t> take considerable less time compared to full order system</a:t>
+              <a:rPr lang="en-IN" sz="1300" dirty="0"/>
+              <a:t> take considerable less time compared to the full order system</a:t>
             </a:r>
           </a:p>
           <a:p>
@@ -7779,24 +8426,40 @@
               <a:buChar char="•"/>
             </a:pPr>
             <a:r>
-              <a:rPr lang="en-IN" sz="1200" dirty="0"/>
+              <a:rPr lang="en-IN" sz="1300" dirty="0"/>
               <a:t>Local </a:t>
             </a:r>
             <a:r>
-              <a:rPr lang="en-IN" sz="1200" dirty="0" err="1"/>
+              <a:rPr lang="en-IN" sz="1300" dirty="0" err="1"/>
               <a:t>pMOR</a:t>
             </a:r>
             <a:r>
-              <a:rPr lang="en-IN" sz="1200" dirty="0"/>
+              <a:rPr lang="en-IN" sz="1300" dirty="0"/>
               <a:t> is taking more time than global </a:t>
             </a:r>
             <a:r>
-              <a:rPr lang="en-IN" sz="1200" dirty="0" err="1"/>
+              <a:rPr lang="en-IN" sz="1300" dirty="0" err="1"/>
               <a:t>pMOR</a:t>
             </a:r>
             <a:r>
-              <a:rPr lang="en-IN" sz="1200" dirty="0"/>
-              <a:t> but with large number of parameters, it would be other way round</a:t>
+              <a:rPr lang="en-IN" sz="1300" dirty="0"/>
+              <a:t> since online computation is done only once in our case but with repeated online phase, global </a:t>
+            </a:r>
+            <a:r>
+              <a:rPr lang="en-IN" sz="1300" dirty="0" err="1"/>
+              <a:t>pMOR</a:t>
+            </a:r>
+            <a:r>
+              <a:rPr lang="en-IN" sz="1300" dirty="0"/>
+              <a:t> will take considerably longer than local </a:t>
+            </a:r>
+            <a:r>
+              <a:rPr lang="en-IN" sz="1300" dirty="0" err="1"/>
+              <a:t>pMOR</a:t>
+            </a:r>
+            <a:r>
+              <a:rPr lang="en-IN" sz="1300" dirty="0"/>
+              <a:t> </a:t>
             </a:r>
           </a:p>
           <a:p>
@@ -7805,7 +8468,7 @@
               <a:buChar char="•"/>
             </a:pPr>
             <a:r>
-              <a:rPr lang="en-IN" sz="1200" dirty="0"/>
+              <a:rPr lang="en-IN" sz="1300" dirty="0"/>
               <a:t>SO-IRKA takes least because it is performing MOR for just a single parameter </a:t>
             </a:r>
           </a:p>
@@ -7835,7 +8498,7 @@
         </p:blipFill>
         <p:spPr>
           <a:xfrm>
-            <a:off x="4643434" y="1462823"/>
+            <a:off x="4643434" y="1742223"/>
             <a:ext cx="4181475" cy="2611554"/>
           </a:xfrm>
         </p:spPr>
@@ -7868,7 +8531,7 @@
           <a:p>
             <a:r>
               <a:rPr lang="en-IN" dirty="0"/>
-              <a:t>Performance Study</a:t>
+              <a:t>Performance Study – Total Computation Times</a:t>
             </a:r>
           </a:p>
         </p:txBody>
@@ -7897,7 +8560,7 @@
             <a:fld id="{CE58CB1E-F828-4F11-99E0-327109AF9DA4}" type="slidenum">
               <a:rPr lang="de-DE" smtClean="0"/>
               <a:pPr/>
-              <a:t>11</a:t>
+              <a:t>13</a:t>
             </a:fld>
             <a:endParaRPr lang="de-DE" dirty="0"/>
           </a:p>
@@ -7925,8 +8588,8 @@
           <a:lstStyle/>
           <a:p>
             <a:r>
-              <a:rPr lang="de-DE"/>
-              <a:t>Dr. rer. nat. Erika Mustermann (TUM) | kann beliebig erweitert werden | Infos mit Strich trennen</a:t>
+              <a:rPr lang="de-DE" dirty="0"/>
+              <a:t>Raúl San Miguel</a:t>
             </a:r>
             <a:endParaRPr lang="en-US" dirty="0"/>
           </a:p>
@@ -7948,7 +8611,422 @@
 </p:sld>
 </file>
 
-<file path=ppt/slides/slide12.xml><?xml version="1.0" encoding="utf-8"?>
+<file path=ppt/slides/slide14.xml><?xml version="1.0" encoding="utf-8"?>
+<p:sld xmlns:a="http://schemas.openxmlformats.org/drawingml/2006/main" xmlns:r="http://schemas.openxmlformats.org/officeDocument/2006/relationships" xmlns:p="http://schemas.openxmlformats.org/presentationml/2006/main">
+  <p:cSld>
+    <p:spTree>
+      <p:nvGrpSpPr>
+        <p:cNvPr id="1" name=""/>
+        <p:cNvGrpSpPr/>
+        <p:nvPr/>
+      </p:nvGrpSpPr>
+      <p:grpSpPr>
+        <a:xfrm>
+          <a:off x="0" y="0"/>
+          <a:ext cx="0" cy="0"/>
+          <a:chOff x="0" y="0"/>
+          <a:chExt cx="0" cy="0"/>
+        </a:xfrm>
+      </p:grpSpPr>
+      <p:sp>
+        <p:nvSpPr>
+          <p:cNvPr id="2" name="Content Placeholder 1">
+            <a:extLst>
+              <a:ext uri="{FF2B5EF4-FFF2-40B4-BE49-F238E27FC236}">
+                <a16:creationId xmlns:a16="http://schemas.microsoft.com/office/drawing/2014/main" id="{B63A183F-E6A5-833B-EBB8-CFC267E91051}"/>
+              </a:ext>
+            </a:extLst>
+          </p:cNvPr>
+          <p:cNvSpPr>
+            <a:spLocks noGrp="1"/>
+          </p:cNvSpPr>
+          <p:nvPr>
+            <p:ph idx="14"/>
+          </p:nvPr>
+        </p:nvSpPr>
+        <p:spPr/>
+        <p:txBody>
+          <a:bodyPr/>
+          <a:lstStyle/>
+          <a:p>
+            <a:r>
+              <a:rPr lang="en-IN" dirty="0"/>
+              <a:t>Parameter – Thickness of the beam</a:t>
+            </a:r>
+          </a:p>
+        </p:txBody>
+      </p:sp>
+      <p:pic>
+        <p:nvPicPr>
+          <p:cNvPr id="8" name="Content Placeholder 7" descr="Chart, line chart&#10;&#10;Description automatically generated">
+            <a:extLst>
+              <a:ext uri="{FF2B5EF4-FFF2-40B4-BE49-F238E27FC236}">
+                <a16:creationId xmlns:a16="http://schemas.microsoft.com/office/drawing/2014/main" id="{239E5CBD-24A9-F468-6CE1-78C2C8D5C1B2}"/>
+              </a:ext>
+            </a:extLst>
+          </p:cNvPr>
+          <p:cNvPicPr>
+            <a:picLocks noGrp="1" noChangeAspect="1"/>
+          </p:cNvPicPr>
+          <p:nvPr>
+            <p:ph idx="15"/>
+          </p:nvPr>
+        </p:nvPicPr>
+        <p:blipFill>
+          <a:blip r:embed="rId2"/>
+          <a:stretch>
+            <a:fillRect/>
+          </a:stretch>
+        </p:blipFill>
+        <p:spPr>
+          <a:xfrm>
+            <a:off x="4673600" y="1601788"/>
+            <a:ext cx="4127500" cy="3095625"/>
+          </a:xfrm>
+        </p:spPr>
+      </p:pic>
+      <p:sp>
+        <p:nvSpPr>
+          <p:cNvPr id="4" name="Title 3">
+            <a:extLst>
+              <a:ext uri="{FF2B5EF4-FFF2-40B4-BE49-F238E27FC236}">
+                <a16:creationId xmlns:a16="http://schemas.microsoft.com/office/drawing/2014/main" id="{A526B97D-09D2-1726-2D94-4E98E082BF2B}"/>
+              </a:ext>
+            </a:extLst>
+          </p:cNvPr>
+          <p:cNvSpPr>
+            <a:spLocks noGrp="1"/>
+          </p:cNvSpPr>
+          <p:nvPr>
+            <p:ph type="title"/>
+          </p:nvPr>
+        </p:nvSpPr>
+        <p:spPr>
+          <a:xfrm>
+            <a:off x="319090" y="972000"/>
+            <a:ext cx="8508999" cy="380810"/>
+          </a:xfrm>
+        </p:spPr>
+        <p:txBody>
+          <a:bodyPr/>
+          <a:lstStyle/>
+          <a:p>
+            <a:r>
+              <a:rPr lang="en-IN" dirty="0"/>
+              <a:t>Parametric Study</a:t>
+            </a:r>
+          </a:p>
+        </p:txBody>
+      </p:sp>
+      <p:sp>
+        <p:nvSpPr>
+          <p:cNvPr id="5" name="Slide Number Placeholder 4">
+            <a:extLst>
+              <a:ext uri="{FF2B5EF4-FFF2-40B4-BE49-F238E27FC236}">
+                <a16:creationId xmlns:a16="http://schemas.microsoft.com/office/drawing/2014/main" id="{49F4E969-08F4-F3C8-1837-4244BFD6FA78}"/>
+              </a:ext>
+            </a:extLst>
+          </p:cNvPr>
+          <p:cNvSpPr>
+            <a:spLocks noGrp="1"/>
+          </p:cNvSpPr>
+          <p:nvPr>
+            <p:ph type="sldNum" sz="quarter" idx="16"/>
+          </p:nvPr>
+        </p:nvSpPr>
+        <p:spPr/>
+        <p:txBody>
+          <a:bodyPr/>
+          <a:lstStyle/>
+          <a:p>
+            <a:fld id="{CE58CB1E-F828-4F11-99E0-327109AF9DA4}" type="slidenum">
+              <a:rPr lang="de-DE" smtClean="0"/>
+              <a:pPr/>
+              <a:t>14</a:t>
+            </a:fld>
+            <a:endParaRPr lang="de-DE" dirty="0"/>
+          </a:p>
+        </p:txBody>
+      </p:sp>
+      <p:sp>
+        <p:nvSpPr>
+          <p:cNvPr id="6" name="Footer Placeholder 5">
+            <a:extLst>
+              <a:ext uri="{FF2B5EF4-FFF2-40B4-BE49-F238E27FC236}">
+                <a16:creationId xmlns:a16="http://schemas.microsoft.com/office/drawing/2014/main" id="{7806C47B-FD52-525B-419C-815B2C06B34B}"/>
+              </a:ext>
+            </a:extLst>
+          </p:cNvPr>
+          <p:cNvSpPr>
+            <a:spLocks noGrp="1"/>
+          </p:cNvSpPr>
+          <p:nvPr>
+            <p:ph type="ftr" sz="quarter" idx="17"/>
+          </p:nvPr>
+        </p:nvSpPr>
+        <p:spPr/>
+        <p:txBody>
+          <a:bodyPr/>
+          <a:lstStyle/>
+          <a:p>
+            <a:r>
+              <a:rPr lang="de-DE" dirty="0"/>
+              <a:t>Raúl San Miguel</a:t>
+            </a:r>
+            <a:endParaRPr lang="en-US" dirty="0"/>
+          </a:p>
+        </p:txBody>
+      </p:sp>
+    </p:spTree>
+    <p:extLst>
+      <p:ext uri="{BB962C8B-B14F-4D97-AF65-F5344CB8AC3E}">
+        <p14:creationId xmlns:p14="http://schemas.microsoft.com/office/powerpoint/2010/main" val="3665651457"/>
+      </p:ext>
+    </p:extLst>
+  </p:cSld>
+  <p:clrMapOvr>
+    <a:masterClrMapping/>
+  </p:clrMapOvr>
+  <p:transition spd="slow">
+    <p:push dir="u"/>
+  </p:transition>
+</p:sld>
+</file>
+
+<file path=ppt/slides/slide15.xml><?xml version="1.0" encoding="utf-8"?>
+<p:sld xmlns:a="http://schemas.openxmlformats.org/drawingml/2006/main" xmlns:r="http://schemas.openxmlformats.org/officeDocument/2006/relationships" xmlns:p="http://schemas.openxmlformats.org/presentationml/2006/main">
+  <p:cSld>
+    <p:spTree>
+      <p:nvGrpSpPr>
+        <p:cNvPr id="1" name=""/>
+        <p:cNvGrpSpPr/>
+        <p:nvPr/>
+      </p:nvGrpSpPr>
+      <p:grpSpPr>
+        <a:xfrm>
+          <a:off x="0" y="0"/>
+          <a:ext cx="0" cy="0"/>
+          <a:chOff x="0" y="0"/>
+          <a:chExt cx="0" cy="0"/>
+        </a:xfrm>
+      </p:grpSpPr>
+      <p:sp>
+        <p:nvSpPr>
+          <p:cNvPr id="2" name="Content Placeholder 1">
+            <a:extLst>
+              <a:ext uri="{FF2B5EF4-FFF2-40B4-BE49-F238E27FC236}">
+                <a16:creationId xmlns:a16="http://schemas.microsoft.com/office/drawing/2014/main" id="{B4F83304-9FCC-FC5C-2576-791300558BA8}"/>
+              </a:ext>
+            </a:extLst>
+          </p:cNvPr>
+          <p:cNvSpPr>
+            <a:spLocks noGrp="1"/>
+          </p:cNvSpPr>
+          <p:nvPr>
+            <p:ph idx="1"/>
+          </p:nvPr>
+        </p:nvSpPr>
+        <p:spPr/>
+        <p:txBody>
+          <a:bodyPr/>
+          <a:lstStyle/>
+          <a:p>
+            <a:pPr marL="285750" indent="-285750">
+              <a:buFont typeface="Arial" panose="020B0604020202020204" pitchFamily="34" charset="0"/>
+              <a:buChar char="•"/>
+            </a:pPr>
+            <a:r>
+              <a:rPr lang="en-IN" dirty="0"/>
+              <a:t>Both </a:t>
+            </a:r>
+            <a:r>
+              <a:rPr lang="en-IN" dirty="0" err="1"/>
+              <a:t>pMOR</a:t>
+            </a:r>
+            <a:r>
+              <a:rPr lang="en-IN" dirty="0"/>
+              <a:t> techniques have been successfully implemented</a:t>
+            </a:r>
+          </a:p>
+          <a:p>
+            <a:pPr marL="285750" indent="-285750">
+              <a:buFont typeface="Arial" panose="020B0604020202020204" pitchFamily="34" charset="0"/>
+              <a:buChar char="•"/>
+            </a:pPr>
+            <a:r>
+              <a:rPr lang="en-IN" dirty="0"/>
+              <a:t>Furthermore, we observe that </a:t>
+            </a:r>
+            <a:r>
+              <a:rPr lang="en-IN" dirty="0" err="1"/>
+              <a:t>pMOR</a:t>
+            </a:r>
+            <a:r>
+              <a:rPr lang="en-IN" dirty="0"/>
+              <a:t> techniques are quite effective and result in considerable resource-saving specially if the parameter range is chosen appropriately </a:t>
+            </a:r>
+          </a:p>
+          <a:p>
+            <a:pPr marL="285750" indent="-285750">
+              <a:buFont typeface="Arial" panose="020B0604020202020204" pitchFamily="34" charset="0"/>
+              <a:buChar char="•"/>
+            </a:pPr>
+            <a:r>
+              <a:rPr lang="en-IN" dirty="0"/>
+              <a:t>Local </a:t>
+            </a:r>
+            <a:r>
+              <a:rPr lang="en-IN" dirty="0" err="1"/>
+              <a:t>pMOR</a:t>
+            </a:r>
+            <a:r>
+              <a:rPr lang="en-IN" dirty="0"/>
+              <a:t> is the best MOR technique for </a:t>
+            </a:r>
+            <a:r>
+              <a:rPr lang="en-US" dirty="0"/>
+              <a:t>applications like optimization, navigation, etc. that require repeated model evaluations in online phase</a:t>
+            </a:r>
+          </a:p>
+          <a:p>
+            <a:pPr marL="285750" indent="-285750">
+              <a:buFont typeface="Arial" panose="020B0604020202020204" pitchFamily="34" charset="0"/>
+              <a:buChar char="•"/>
+            </a:pPr>
+            <a:r>
+              <a:rPr lang="en-IN" dirty="0"/>
+              <a:t>Since online computation time is less compared to global </a:t>
+            </a:r>
+            <a:r>
+              <a:rPr lang="en-IN" dirty="0" err="1"/>
+              <a:t>pMOR</a:t>
+            </a:r>
+            <a:r>
+              <a:rPr lang="en-IN" dirty="0"/>
+              <a:t> and the offline phase can be carried out beforehand</a:t>
+            </a:r>
+          </a:p>
+          <a:p>
+            <a:pPr marL="285750" indent="-285750">
+              <a:buFont typeface="Arial" panose="020B0604020202020204" pitchFamily="34" charset="0"/>
+              <a:buChar char="•"/>
+            </a:pPr>
+            <a:r>
+              <a:rPr lang="en-IN" dirty="0"/>
+              <a:t>This is true specially if extrapolation isn’t involved</a:t>
+            </a:r>
+          </a:p>
+        </p:txBody>
+      </p:sp>
+      <p:sp>
+        <p:nvSpPr>
+          <p:cNvPr id="3" name="Title 2">
+            <a:extLst>
+              <a:ext uri="{FF2B5EF4-FFF2-40B4-BE49-F238E27FC236}">
+                <a16:creationId xmlns:a16="http://schemas.microsoft.com/office/drawing/2014/main" id="{A32132ED-2029-D807-81A0-BEC2C1E0F5E4}"/>
+              </a:ext>
+            </a:extLst>
+          </p:cNvPr>
+          <p:cNvSpPr>
+            <a:spLocks noGrp="1"/>
+          </p:cNvSpPr>
+          <p:nvPr>
+            <p:ph type="title"/>
+          </p:nvPr>
+        </p:nvSpPr>
+        <p:spPr>
+          <a:xfrm>
+            <a:off x="319090" y="972000"/>
+            <a:ext cx="8508999" cy="380810"/>
+          </a:xfrm>
+        </p:spPr>
+        <p:txBody>
+          <a:bodyPr/>
+          <a:lstStyle/>
+          <a:p>
+            <a:r>
+              <a:rPr lang="en-IN" dirty="0"/>
+              <a:t>Conclusions</a:t>
+            </a:r>
+          </a:p>
+        </p:txBody>
+      </p:sp>
+      <p:sp>
+        <p:nvSpPr>
+          <p:cNvPr id="4" name="Slide Number Placeholder 3">
+            <a:extLst>
+              <a:ext uri="{FF2B5EF4-FFF2-40B4-BE49-F238E27FC236}">
+                <a16:creationId xmlns:a16="http://schemas.microsoft.com/office/drawing/2014/main" id="{5D47E0BE-E29B-83DA-79D5-B6FB602BC196}"/>
+              </a:ext>
+            </a:extLst>
+          </p:cNvPr>
+          <p:cNvSpPr>
+            <a:spLocks noGrp="1"/>
+          </p:cNvSpPr>
+          <p:nvPr>
+            <p:ph type="sldNum" sz="quarter" idx="11"/>
+          </p:nvPr>
+        </p:nvSpPr>
+        <p:spPr/>
+        <p:txBody>
+          <a:bodyPr/>
+          <a:lstStyle/>
+          <a:p>
+            <a:fld id="{CE58CB1E-F828-4F11-99E0-327109AF9DA4}" type="slidenum">
+              <a:rPr lang="de-DE" smtClean="0"/>
+              <a:pPr/>
+              <a:t>15</a:t>
+            </a:fld>
+            <a:endParaRPr lang="de-DE" dirty="0"/>
+          </a:p>
+        </p:txBody>
+      </p:sp>
+      <p:sp>
+        <p:nvSpPr>
+          <p:cNvPr id="5" name="Footer Placeholder 4">
+            <a:extLst>
+              <a:ext uri="{FF2B5EF4-FFF2-40B4-BE49-F238E27FC236}">
+                <a16:creationId xmlns:a16="http://schemas.microsoft.com/office/drawing/2014/main" id="{5E5E6251-9DED-9B2E-0A75-6A8214853F86}"/>
+              </a:ext>
+            </a:extLst>
+          </p:cNvPr>
+          <p:cNvSpPr>
+            <a:spLocks noGrp="1"/>
+          </p:cNvSpPr>
+          <p:nvPr>
+            <p:ph type="ftr" sz="quarter" idx="12"/>
+          </p:nvPr>
+        </p:nvSpPr>
+        <p:spPr/>
+        <p:txBody>
+          <a:bodyPr/>
+          <a:lstStyle/>
+          <a:p>
+            <a:r>
+              <a:rPr lang="de-DE" dirty="0"/>
+              <a:t>Raúl San Miguel</a:t>
+            </a:r>
+            <a:endParaRPr lang="en-US" dirty="0"/>
+          </a:p>
+        </p:txBody>
+      </p:sp>
+    </p:spTree>
+    <p:extLst>
+      <p:ext uri="{BB962C8B-B14F-4D97-AF65-F5344CB8AC3E}">
+        <p14:creationId xmlns:p14="http://schemas.microsoft.com/office/powerpoint/2010/main" val="1927263693"/>
+      </p:ext>
+    </p:extLst>
+  </p:cSld>
+  <p:clrMapOvr>
+    <a:masterClrMapping/>
+  </p:clrMapOvr>
+  <p:transition spd="slow">
+    <p:push dir="u"/>
+  </p:transition>
+</p:sld>
+</file>
+
+<file path=ppt/slides/slide16.xml><?xml version="1.0" encoding="utf-8"?>
 <p:sld xmlns:a="http://schemas.openxmlformats.org/drawingml/2006/main" xmlns:r="http://schemas.openxmlformats.org/officeDocument/2006/relationships" xmlns:p="http://schemas.openxmlformats.org/presentationml/2006/main">
   <p:cSld>
     <p:spTree>
@@ -8022,7 +9100,7 @@
             <a:fld id="{CE58CB1E-F828-4F11-99E0-327109AF9DA4}" type="slidenum">
               <a:rPr lang="de-DE" smtClean="0"/>
               <a:pPr/>
-              <a:t>12</a:t>
+              <a:t>16</a:t>
             </a:fld>
             <a:endParaRPr lang="de-DE" dirty="0"/>
           </a:p>
@@ -8331,6 +9409,44 @@
               <a:rPr lang="en-US" dirty="0"/>
               <a:t> helps in overcoming these problems</a:t>
             </a:r>
+          </a:p>
+          <a:p>
+            <a:pPr marL="285750" indent="-285750">
+              <a:buFont typeface="Arial" panose="020B0604020202020204" pitchFamily="34" charset="0"/>
+              <a:buChar char="•"/>
+            </a:pPr>
+            <a:r>
+              <a:rPr lang="de-DE" dirty="0"/>
+              <a:t>In pMOR, instead of generating ROMs at each point, a </a:t>
+            </a:r>
+            <a:r>
+              <a:rPr lang="de-DE" b="1" dirty="0"/>
+              <a:t>sampling at different parameter combinations </a:t>
+            </a:r>
+            <a:r>
+              <a:rPr lang="de-DE" dirty="0"/>
+              <a:t>is done to generate a database of reduced quantities</a:t>
+            </a:r>
+          </a:p>
+          <a:p>
+            <a:pPr marL="285750" indent="-285750">
+              <a:buFont typeface="Arial" panose="020B0604020202020204" pitchFamily="34" charset="0"/>
+              <a:buChar char="•"/>
+            </a:pPr>
+            <a:r>
+              <a:rPr lang="de-DE" dirty="0"/>
+              <a:t>Two main techniques – </a:t>
+            </a:r>
+            <a:r>
+              <a:rPr lang="de-DE" b="1" dirty="0"/>
+              <a:t>Global pMOR and Local pMOR</a:t>
+            </a:r>
+          </a:p>
+          <a:p>
+            <a:pPr marL="285750" indent="-285750">
+              <a:buFont typeface="Arial" panose="020B0604020202020204" pitchFamily="34" charset="0"/>
+              <a:buChar char="•"/>
+            </a:pPr>
             <a:endParaRPr lang="de-DE" dirty="0"/>
           </a:p>
         </p:txBody>
@@ -8437,114 +9553,687 @@
           <a:chExt cx="0" cy="0"/>
         </a:xfrm>
       </p:grpSpPr>
-      <p:sp>
-        <p:nvSpPr>
-          <p:cNvPr id="2" name="Inhaltsplatzhalter 1"/>
-          <p:cNvSpPr>
-            <a:spLocks noGrp="1"/>
-          </p:cNvSpPr>
-          <p:nvPr>
-            <p:ph idx="1"/>
-          </p:nvPr>
-        </p:nvSpPr>
-        <p:spPr>
-          <a:xfrm>
-            <a:off x="311162" y="1610563"/>
-            <a:ext cx="8508999" cy="2998470"/>
-          </a:xfrm>
-        </p:spPr>
-        <p:txBody>
-          <a:bodyPr/>
-          <a:lstStyle/>
-          <a:p>
-            <a:pPr marL="285750" indent="-285750">
-              <a:buFont typeface="Arial" panose="020B0604020202020204" pitchFamily="34" charset="0"/>
-              <a:buChar char="•"/>
-            </a:pPr>
-            <a:r>
-              <a:rPr lang="de-DE" dirty="0"/>
-              <a:t>Instead of generating ROMs at each point, a </a:t>
-            </a:r>
-            <a:r>
-              <a:rPr lang="de-DE" b="1" dirty="0"/>
-              <a:t>sampling at different parameter combinations </a:t>
-            </a:r>
-            <a:r>
-              <a:rPr lang="de-DE" dirty="0"/>
-              <a:t>is done to generate a database of reduced quantities</a:t>
-            </a:r>
-          </a:p>
-          <a:p>
-            <a:pPr marL="285750" indent="-285750">
-              <a:buFont typeface="Arial" panose="020B0604020202020204" pitchFamily="34" charset="0"/>
-              <a:buChar char="•"/>
-            </a:pPr>
-            <a:r>
-              <a:rPr lang="de-DE" dirty="0"/>
-              <a:t>Two main techniques – </a:t>
-            </a:r>
-            <a:r>
-              <a:rPr lang="de-DE" b="1" dirty="0"/>
-              <a:t>Global pMOR and Local pMOR</a:t>
-            </a:r>
-          </a:p>
-          <a:p>
-            <a:pPr marL="285750" indent="-285750">
-              <a:buFont typeface="Arial" panose="020B0604020202020204" pitchFamily="34" charset="0"/>
-              <a:buChar char="•"/>
-            </a:pPr>
-            <a:r>
-              <a:rPr lang="de-DE" dirty="0"/>
-              <a:t>In global pMOR, </a:t>
-            </a:r>
-            <a:r>
-              <a:rPr lang="en-US" dirty="0"/>
-              <a:t>the reduced bases obtained at sampling points are combined into </a:t>
-            </a:r>
-            <a:r>
-              <a:rPr lang="en-US" b="1" dirty="0"/>
-              <a:t>one global basis matrix</a:t>
-            </a:r>
-          </a:p>
-          <a:p>
-            <a:pPr marL="285750" indent="-285750">
-              <a:buFont typeface="Arial" panose="020B0604020202020204" pitchFamily="34" charset="0"/>
-              <a:buChar char="•"/>
-            </a:pPr>
-            <a:r>
-              <a:rPr lang="de-DE" dirty="0"/>
-              <a:t>This is easy to implement but the </a:t>
-            </a:r>
-            <a:r>
-              <a:rPr lang="en-US" dirty="0"/>
-              <a:t>parametric reduced model </a:t>
-            </a:r>
-            <a:r>
-              <a:rPr lang="en-US" b="1" dirty="0"/>
-              <a:t>grows with the number of samples</a:t>
-            </a:r>
-          </a:p>
-          <a:p>
-            <a:pPr marL="285750" indent="-285750">
-              <a:buFont typeface="Arial" panose="020B0604020202020204" pitchFamily="34" charset="0"/>
-              <a:buChar char="•"/>
-            </a:pPr>
-            <a:r>
-              <a:rPr lang="en-US" dirty="0"/>
-              <a:t>Also, it requires reduced bases to be on the </a:t>
-            </a:r>
-            <a:r>
-              <a:rPr lang="en-US" b="1" dirty="0"/>
-              <a:t>same mesh </a:t>
-            </a:r>
-            <a:r>
-              <a:rPr lang="en-US" dirty="0"/>
-              <a:t>as sample points</a:t>
-            </a:r>
-            <a:endParaRPr lang="de-DE" dirty="0"/>
-          </a:p>
-        </p:txBody>
-      </p:sp>
+      <mc:AlternateContent xmlns:mc="http://schemas.openxmlformats.org/markup-compatibility/2006">
+        <mc:Choice xmlns:a14="http://schemas.microsoft.com/office/drawing/2010/main" Requires="a14">
+          <p:sp>
+            <p:nvSpPr>
+              <p:cNvPr id="2" name="Inhaltsplatzhalter 1"/>
+              <p:cNvSpPr>
+                <a:spLocks noGrp="1"/>
+              </p:cNvSpPr>
+              <p:nvPr>
+                <p:ph idx="1"/>
+              </p:nvPr>
+            </p:nvSpPr>
+            <p:spPr>
+              <a:xfrm>
+                <a:off x="311162" y="1610563"/>
+                <a:ext cx="8508999" cy="2998470"/>
+              </a:xfrm>
+            </p:spPr>
+            <p:txBody>
+              <a:bodyPr/>
+              <a:lstStyle/>
+              <a:p>
+                <a:pPr marL="285750" indent="-285750">
+                  <a:buFont typeface="Arial" panose="020B0604020202020204" pitchFamily="34" charset="0"/>
+                  <a:buChar char="•"/>
+                </a:pPr>
+                <a:r>
+                  <a:rPr lang="de-DE" dirty="0"/>
+                  <a:t>In global pMOR, </a:t>
+                </a:r>
+                <a:r>
+                  <a:rPr lang="en-US" dirty="0"/>
+                  <a:t>the reduced bases </a:t>
+                </a:r>
+                <a14:m>
+                  <m:oMath xmlns:m="http://schemas.openxmlformats.org/officeDocument/2006/math">
+                    <m:r>
+                      <a:rPr lang="en-IN" b="0" i="1" smtClean="0">
+                        <a:latin typeface="Cambria Math" panose="02040503050406030204" pitchFamily="18" charset="0"/>
+                      </a:rPr>
+                      <m:t>(</m:t>
+                    </m:r>
+                    <m:sSub>
+                      <m:sSubPr>
+                        <m:ctrlPr>
+                          <a:rPr lang="en-IN" b="0" i="1" smtClean="0">
+                            <a:latin typeface="Cambria Math" panose="02040503050406030204" pitchFamily="18" charset="0"/>
+                          </a:rPr>
+                        </m:ctrlPr>
+                      </m:sSubPr>
+                      <m:e>
+                        <m:r>
+                          <a:rPr lang="en-IN" b="0" i="1" smtClean="0">
+                            <a:latin typeface="Cambria Math" panose="02040503050406030204" pitchFamily="18" charset="0"/>
+                          </a:rPr>
+                          <m:t>𝑉</m:t>
+                        </m:r>
+                      </m:e>
+                      <m:sub>
+                        <m:r>
+                          <a:rPr lang="en-IN" b="0" i="1" smtClean="0">
+                            <a:latin typeface="Cambria Math" panose="02040503050406030204" pitchFamily="18" charset="0"/>
+                          </a:rPr>
+                          <m:t>𝑘</m:t>
+                        </m:r>
+                      </m:sub>
+                    </m:sSub>
+                    <m:r>
+                      <a:rPr lang="en-IN" b="0" i="1" smtClean="0">
+                        <a:latin typeface="Cambria Math" panose="02040503050406030204" pitchFamily="18" charset="0"/>
+                      </a:rPr>
+                      <m:t>)</m:t>
+                    </m:r>
+                  </m:oMath>
+                </a14:m>
+                <a:r>
+                  <a:rPr lang="en-US" dirty="0"/>
+                  <a:t> obtained at sampling points </a:t>
+                </a:r>
+                <a14:m>
+                  <m:oMath xmlns:m="http://schemas.openxmlformats.org/officeDocument/2006/math">
+                    <m:r>
+                      <a:rPr lang="en-IN" b="0" i="1" smtClean="0">
+                        <a:latin typeface="Cambria Math" panose="02040503050406030204" pitchFamily="18" charset="0"/>
+                      </a:rPr>
+                      <m:t>(</m:t>
+                    </m:r>
+                    <m:sSub>
+                      <m:sSubPr>
+                        <m:ctrlPr>
+                          <a:rPr lang="en-IN" b="0" i="1" smtClean="0">
+                            <a:latin typeface="Cambria Math" panose="02040503050406030204" pitchFamily="18" charset="0"/>
+                          </a:rPr>
+                        </m:ctrlPr>
+                      </m:sSubPr>
+                      <m:e>
+                        <m:r>
+                          <a:rPr lang="en-IN" b="0" i="1" smtClean="0">
+                            <a:latin typeface="Cambria Math" panose="02040503050406030204" pitchFamily="18" charset="0"/>
+                          </a:rPr>
+                          <m:t>𝑝</m:t>
+                        </m:r>
+                      </m:e>
+                      <m:sub>
+                        <m:r>
+                          <a:rPr lang="en-IN" b="0" i="1" smtClean="0">
+                            <a:latin typeface="Cambria Math" panose="02040503050406030204" pitchFamily="18" charset="0"/>
+                          </a:rPr>
+                          <m:t>𝑘</m:t>
+                        </m:r>
+                      </m:sub>
+                    </m:sSub>
+                    <m:r>
+                      <a:rPr lang="en-IN" b="0" i="1" smtClean="0">
+                        <a:latin typeface="Cambria Math" panose="02040503050406030204" pitchFamily="18" charset="0"/>
+                      </a:rPr>
+                      <m:t>)</m:t>
+                    </m:r>
+                  </m:oMath>
+                </a14:m>
+                <a:r>
+                  <a:rPr lang="en-US" dirty="0"/>
+                  <a:t> are combined into </a:t>
+                </a:r>
+                <a:r>
+                  <a:rPr lang="en-US" b="1" dirty="0"/>
+                  <a:t>one global basis matrix </a:t>
+                </a:r>
+                <a14:m>
+                  <m:oMath xmlns:m="http://schemas.openxmlformats.org/officeDocument/2006/math">
+                    <m:d>
+                      <m:dPr>
+                        <m:ctrlPr>
+                          <a:rPr lang="en-IN" b="1" i="1" smtClean="0">
+                            <a:latin typeface="Cambria Math" panose="02040503050406030204" pitchFamily="18" charset="0"/>
+                          </a:rPr>
+                        </m:ctrlPr>
+                      </m:dPr>
+                      <m:e>
+                        <m:r>
+                          <a:rPr lang="en-IN" b="1" i="1" smtClean="0">
+                            <a:latin typeface="Cambria Math" panose="02040503050406030204" pitchFamily="18" charset="0"/>
+                          </a:rPr>
+                          <m:t>𝑽</m:t>
+                        </m:r>
+                      </m:e>
+                    </m:d>
+                  </m:oMath>
+                </a14:m>
+                <a:endParaRPr lang="en-IN" b="1" dirty="0"/>
+              </a:p>
+              <a:p>
+                <a:pPr marL="285750" indent="-285750">
+                  <a:buFont typeface="Arial" panose="020B0604020202020204" pitchFamily="34" charset="0"/>
+                  <a:buChar char="•"/>
+                </a:pPr>
+                <a:r>
+                  <a:rPr lang="en-US" dirty="0"/>
+                  <a:t>The global basis matrix can then be reduced further using SVD to </a:t>
+                </a:r>
+                <a14:m>
+                  <m:oMath xmlns:m="http://schemas.openxmlformats.org/officeDocument/2006/math">
+                    <m:sSub>
+                      <m:sSubPr>
+                        <m:ctrlPr>
+                          <a:rPr lang="en-IN" b="1" i="1">
+                            <a:latin typeface="Cambria Math" panose="02040503050406030204" pitchFamily="18" charset="0"/>
+                          </a:rPr>
+                        </m:ctrlPr>
+                      </m:sSubPr>
+                      <m:e>
+                        <m:r>
+                          <a:rPr lang="en-IN" b="1" i="1">
+                            <a:latin typeface="Cambria Math" panose="02040503050406030204" pitchFamily="18" charset="0"/>
+                          </a:rPr>
+                          <m:t>𝑽</m:t>
+                        </m:r>
+                      </m:e>
+                      <m:sub>
+                        <m:r>
+                          <a:rPr lang="en-IN" b="1" i="1">
+                            <a:latin typeface="Cambria Math" panose="02040503050406030204" pitchFamily="18" charset="0"/>
+                          </a:rPr>
+                          <m:t>𝒓</m:t>
+                        </m:r>
+                      </m:sub>
+                    </m:sSub>
+                  </m:oMath>
+                </a14:m>
+                <a:r>
+                  <a:rPr lang="en-US" b="1" dirty="0"/>
+                  <a:t> </a:t>
+                </a:r>
+                <a:r>
+                  <a:rPr lang="en-US" dirty="0"/>
+                  <a:t>with </a:t>
+                </a:r>
+                <a:r>
+                  <a:rPr lang="en-US" i="1" dirty="0">
+                    <a:latin typeface="Cambria" panose="02040503050406030204" pitchFamily="18" charset="0"/>
+                    <a:ea typeface="Cambria" panose="02040503050406030204" pitchFamily="18" charset="0"/>
+                  </a:rPr>
+                  <a:t>r</a:t>
+                </a:r>
+                <a:r>
+                  <a:rPr lang="en-US" dirty="0"/>
+                  <a:t> most important bases</a:t>
+                </a:r>
+              </a:p>
+              <a:p>
+                <a:pPr marL="285750" indent="-285750">
+                  <a:buFont typeface="Arial" panose="020B0604020202020204" pitchFamily="34" charset="0"/>
+                  <a:buChar char="•"/>
+                </a:pPr>
+                <a:r>
+                  <a:rPr lang="en-US" dirty="0"/>
+                  <a:t>Final reduced system: </a:t>
+                </a:r>
+                <a14:m>
+                  <m:oMath xmlns:m="http://schemas.openxmlformats.org/officeDocument/2006/math">
+                    <m:sSub>
+                      <m:sSubPr>
+                        <m:ctrlPr>
+                          <a:rPr lang="en-IN" i="1" smtClean="0">
+                            <a:latin typeface="Cambria Math" panose="02040503050406030204" pitchFamily="18" charset="0"/>
+                          </a:rPr>
+                        </m:ctrlPr>
+                      </m:sSubPr>
+                      <m:e>
+                        <m:r>
+                          <a:rPr lang="en-IN" b="0" i="1" smtClean="0">
+                            <a:latin typeface="Cambria Math" panose="02040503050406030204" pitchFamily="18" charset="0"/>
+                          </a:rPr>
+                          <m:t>𝑀</m:t>
+                        </m:r>
+                      </m:e>
+                      <m:sub>
+                        <m:r>
+                          <a:rPr lang="en-IN" b="0" i="1" smtClean="0">
+                            <a:latin typeface="Cambria Math" panose="02040503050406030204" pitchFamily="18" charset="0"/>
+                          </a:rPr>
+                          <m:t>𝑟</m:t>
+                        </m:r>
+                      </m:sub>
+                    </m:sSub>
+                    <m:r>
+                      <a:rPr lang="en-IN" b="0" i="1" smtClean="0">
+                        <a:latin typeface="Cambria Math" panose="02040503050406030204" pitchFamily="18" charset="0"/>
+                      </a:rPr>
+                      <m:t>=</m:t>
+                    </m:r>
+                    <m:sSubSup>
+                      <m:sSubSupPr>
+                        <m:ctrlPr>
+                          <a:rPr lang="en-IN" i="1">
+                            <a:latin typeface="Cambria Math" panose="02040503050406030204" pitchFamily="18" charset="0"/>
+                          </a:rPr>
+                        </m:ctrlPr>
+                      </m:sSubSupPr>
+                      <m:e>
+                        <m:r>
+                          <a:rPr lang="en-IN" b="0" i="1" smtClean="0">
+                            <a:latin typeface="Cambria Math" panose="02040503050406030204" pitchFamily="18" charset="0"/>
+                          </a:rPr>
+                          <m:t>𝑉</m:t>
+                        </m:r>
+                      </m:e>
+                      <m:sub>
+                        <m:r>
+                          <a:rPr lang="en-IN" i="1">
+                            <a:latin typeface="Cambria Math" panose="02040503050406030204" pitchFamily="18" charset="0"/>
+                          </a:rPr>
+                          <m:t>𝑟</m:t>
+                        </m:r>
+                      </m:sub>
+                      <m:sup>
+                        <m:r>
+                          <a:rPr lang="en-IN" b="0" i="1" smtClean="0">
+                            <a:latin typeface="Cambria Math" panose="02040503050406030204" pitchFamily="18" charset="0"/>
+                          </a:rPr>
+                          <m:t>′</m:t>
+                        </m:r>
+                      </m:sup>
+                    </m:sSubSup>
+                    <m:r>
+                      <a:rPr lang="en-IN" b="0" i="1" smtClean="0">
+                        <a:latin typeface="Cambria Math" panose="02040503050406030204" pitchFamily="18" charset="0"/>
+                      </a:rPr>
+                      <m:t>𝑀</m:t>
+                    </m:r>
+                    <m:sSub>
+                      <m:sSubPr>
+                        <m:ctrlPr>
+                          <a:rPr lang="en-IN" i="1">
+                            <a:latin typeface="Cambria Math" panose="02040503050406030204" pitchFamily="18" charset="0"/>
+                          </a:rPr>
+                        </m:ctrlPr>
+                      </m:sSubPr>
+                      <m:e>
+                        <m:r>
+                          <a:rPr lang="en-IN" i="1">
+                            <a:latin typeface="Cambria Math" panose="02040503050406030204" pitchFamily="18" charset="0"/>
+                          </a:rPr>
+                          <m:t>𝑉</m:t>
+                        </m:r>
+                      </m:e>
+                      <m:sub>
+                        <m:r>
+                          <a:rPr lang="en-IN" i="1">
+                            <a:latin typeface="Cambria Math" panose="02040503050406030204" pitchFamily="18" charset="0"/>
+                          </a:rPr>
+                          <m:t>𝑟</m:t>
+                        </m:r>
+                      </m:sub>
+                    </m:sSub>
+                  </m:oMath>
+                </a14:m>
+                <a:r>
+                  <a:rPr lang="en-IN" dirty="0"/>
+                  <a:t>, </a:t>
+                </a:r>
+                <a14:m>
+                  <m:oMath xmlns:m="http://schemas.openxmlformats.org/officeDocument/2006/math">
+                    <m:sSub>
+                      <m:sSubPr>
+                        <m:ctrlPr>
+                          <a:rPr lang="en-IN" i="1">
+                            <a:latin typeface="Cambria Math" panose="02040503050406030204" pitchFamily="18" charset="0"/>
+                          </a:rPr>
+                        </m:ctrlPr>
+                      </m:sSubPr>
+                      <m:e>
+                        <m:r>
+                          <a:rPr lang="en-IN" b="0" i="1" smtClean="0">
+                            <a:latin typeface="Cambria Math" panose="02040503050406030204" pitchFamily="18" charset="0"/>
+                          </a:rPr>
+                          <m:t>𝐷</m:t>
+                        </m:r>
+                      </m:e>
+                      <m:sub>
+                        <m:r>
+                          <a:rPr lang="en-IN" b="0" i="1" smtClean="0">
+                            <a:latin typeface="Cambria Math" panose="02040503050406030204" pitchFamily="18" charset="0"/>
+                          </a:rPr>
+                          <m:t>𝑟</m:t>
+                        </m:r>
+                      </m:sub>
+                    </m:sSub>
+                    <m:r>
+                      <a:rPr lang="en-IN" i="1">
+                        <a:latin typeface="Cambria Math" panose="02040503050406030204" pitchFamily="18" charset="0"/>
+                      </a:rPr>
+                      <m:t>=</m:t>
+                    </m:r>
+                    <m:sSubSup>
+                      <m:sSubSupPr>
+                        <m:ctrlPr>
+                          <a:rPr lang="en-IN" i="1" smtClean="0">
+                            <a:latin typeface="Cambria Math" panose="02040503050406030204" pitchFamily="18" charset="0"/>
+                          </a:rPr>
+                        </m:ctrlPr>
+                      </m:sSubSupPr>
+                      <m:e>
+                        <m:r>
+                          <a:rPr lang="en-IN" b="0" i="1" smtClean="0">
+                            <a:latin typeface="Cambria Math" panose="02040503050406030204" pitchFamily="18" charset="0"/>
+                          </a:rPr>
+                          <m:t>𝑉</m:t>
+                        </m:r>
+                      </m:e>
+                      <m:sub>
+                        <m:r>
+                          <a:rPr lang="en-IN" b="0" i="1" smtClean="0">
+                            <a:latin typeface="Cambria Math" panose="02040503050406030204" pitchFamily="18" charset="0"/>
+                          </a:rPr>
+                          <m:t>𝑟</m:t>
+                        </m:r>
+                      </m:sub>
+                      <m:sup>
+                        <m:r>
+                          <a:rPr lang="en-IN" b="0" i="1" smtClean="0">
+                            <a:latin typeface="Cambria Math" panose="02040503050406030204" pitchFamily="18" charset="0"/>
+                          </a:rPr>
+                          <m:t>′</m:t>
+                        </m:r>
+                      </m:sup>
+                    </m:sSubSup>
+                    <m:r>
+                      <a:rPr lang="en-IN" b="0" i="1" smtClean="0">
+                        <a:latin typeface="Cambria Math" panose="02040503050406030204" pitchFamily="18" charset="0"/>
+                      </a:rPr>
+                      <m:t>𝐷</m:t>
+                    </m:r>
+                    <m:sSub>
+                      <m:sSubPr>
+                        <m:ctrlPr>
+                          <a:rPr lang="en-IN" i="1">
+                            <a:latin typeface="Cambria Math" panose="02040503050406030204" pitchFamily="18" charset="0"/>
+                          </a:rPr>
+                        </m:ctrlPr>
+                      </m:sSubPr>
+                      <m:e>
+                        <m:r>
+                          <a:rPr lang="en-IN" b="0" i="1" smtClean="0">
+                            <a:latin typeface="Cambria Math" panose="02040503050406030204" pitchFamily="18" charset="0"/>
+                          </a:rPr>
+                          <m:t>𝑉</m:t>
+                        </m:r>
+                      </m:e>
+                      <m:sub>
+                        <m:r>
+                          <a:rPr lang="en-IN" b="0" i="1" smtClean="0">
+                            <a:latin typeface="Cambria Math" panose="02040503050406030204" pitchFamily="18" charset="0"/>
+                          </a:rPr>
+                          <m:t>𝑟</m:t>
+                        </m:r>
+                      </m:sub>
+                    </m:sSub>
+                  </m:oMath>
+                </a14:m>
+                <a:r>
+                  <a:rPr lang="en-IN" dirty="0"/>
+                  <a:t>, </a:t>
+                </a:r>
+                <a14:m>
+                  <m:oMath xmlns:m="http://schemas.openxmlformats.org/officeDocument/2006/math">
+                    <m:sSub>
+                      <m:sSubPr>
+                        <m:ctrlPr>
+                          <a:rPr lang="en-IN" i="1">
+                            <a:latin typeface="Cambria Math" panose="02040503050406030204" pitchFamily="18" charset="0"/>
+                          </a:rPr>
+                        </m:ctrlPr>
+                      </m:sSubPr>
+                      <m:e>
+                        <m:r>
+                          <a:rPr lang="en-IN" b="0" i="1" smtClean="0">
+                            <a:latin typeface="Cambria Math" panose="02040503050406030204" pitchFamily="18" charset="0"/>
+                          </a:rPr>
+                          <m:t>𝐾</m:t>
+                        </m:r>
+                      </m:e>
+                      <m:sub>
+                        <m:r>
+                          <a:rPr lang="en-IN" b="0" i="1" smtClean="0">
+                            <a:latin typeface="Cambria Math" panose="02040503050406030204" pitchFamily="18" charset="0"/>
+                          </a:rPr>
+                          <m:t>𝑟</m:t>
+                        </m:r>
+                      </m:sub>
+                    </m:sSub>
+                    <m:r>
+                      <a:rPr lang="en-IN" i="1">
+                        <a:latin typeface="Cambria Math" panose="02040503050406030204" pitchFamily="18" charset="0"/>
+                      </a:rPr>
+                      <m:t>=</m:t>
+                    </m:r>
+                    <m:sSubSup>
+                      <m:sSubSupPr>
+                        <m:ctrlPr>
+                          <a:rPr lang="en-IN" i="1">
+                            <a:latin typeface="Cambria Math" panose="02040503050406030204" pitchFamily="18" charset="0"/>
+                          </a:rPr>
+                        </m:ctrlPr>
+                      </m:sSubSupPr>
+                      <m:e>
+                        <m:r>
+                          <a:rPr lang="en-IN" b="0" i="1" smtClean="0">
+                            <a:latin typeface="Cambria Math" panose="02040503050406030204" pitchFamily="18" charset="0"/>
+                          </a:rPr>
+                          <m:t>𝑉</m:t>
+                        </m:r>
+                      </m:e>
+                      <m:sub>
+                        <m:r>
+                          <a:rPr lang="en-IN" i="1">
+                            <a:latin typeface="Cambria Math" panose="02040503050406030204" pitchFamily="18" charset="0"/>
+                          </a:rPr>
+                          <m:t>𝑟</m:t>
+                        </m:r>
+                      </m:sub>
+                      <m:sup>
+                        <m:r>
+                          <a:rPr lang="en-IN" b="0" i="1" smtClean="0">
+                            <a:latin typeface="Cambria Math" panose="02040503050406030204" pitchFamily="18" charset="0"/>
+                          </a:rPr>
+                          <m:t>′</m:t>
+                        </m:r>
+                      </m:sup>
+                    </m:sSubSup>
+                    <m:r>
+                      <a:rPr lang="en-IN" b="0" i="1" smtClean="0">
+                        <a:latin typeface="Cambria Math" panose="02040503050406030204" pitchFamily="18" charset="0"/>
+                      </a:rPr>
+                      <m:t>𝐾</m:t>
+                    </m:r>
+                    <m:sSub>
+                      <m:sSubPr>
+                        <m:ctrlPr>
+                          <a:rPr lang="en-IN" i="1">
+                            <a:latin typeface="Cambria Math" panose="02040503050406030204" pitchFamily="18" charset="0"/>
+                          </a:rPr>
+                        </m:ctrlPr>
+                      </m:sSubPr>
+                      <m:e>
+                        <m:r>
+                          <a:rPr lang="en-IN" i="1">
+                            <a:latin typeface="Cambria Math" panose="02040503050406030204" pitchFamily="18" charset="0"/>
+                          </a:rPr>
+                          <m:t>𝑉</m:t>
+                        </m:r>
+                      </m:e>
+                      <m:sub>
+                        <m:r>
+                          <a:rPr lang="en-IN" i="1">
+                            <a:latin typeface="Cambria Math" panose="02040503050406030204" pitchFamily="18" charset="0"/>
+                          </a:rPr>
+                          <m:t>𝑟</m:t>
+                        </m:r>
+                      </m:sub>
+                    </m:sSub>
+                  </m:oMath>
+                </a14:m>
+                <a:r>
+                  <a:rPr lang="en-US" dirty="0"/>
+                  <a:t>, </a:t>
+                </a:r>
+                <a14:m>
+                  <m:oMath xmlns:m="http://schemas.openxmlformats.org/officeDocument/2006/math">
+                    <m:sSub>
+                      <m:sSubPr>
+                        <m:ctrlPr>
+                          <a:rPr lang="en-IN" i="1">
+                            <a:latin typeface="Cambria Math" panose="02040503050406030204" pitchFamily="18" charset="0"/>
+                          </a:rPr>
+                        </m:ctrlPr>
+                      </m:sSubPr>
+                      <m:e>
+                        <m:r>
+                          <a:rPr lang="en-IN" b="0" i="1" smtClean="0">
+                            <a:latin typeface="Cambria Math" panose="02040503050406030204" pitchFamily="18" charset="0"/>
+                          </a:rPr>
+                          <m:t>𝑓</m:t>
+                        </m:r>
+                      </m:e>
+                      <m:sub>
+                        <m:r>
+                          <a:rPr lang="en-IN" i="1">
+                            <a:latin typeface="Cambria Math" panose="02040503050406030204" pitchFamily="18" charset="0"/>
+                          </a:rPr>
+                          <m:t>𝑟</m:t>
+                        </m:r>
+                      </m:sub>
+                    </m:sSub>
+                    <m:r>
+                      <a:rPr lang="en-IN" i="1">
+                        <a:latin typeface="Cambria Math" panose="02040503050406030204" pitchFamily="18" charset="0"/>
+                      </a:rPr>
+                      <m:t>=</m:t>
+                    </m:r>
+                    <m:sSubSup>
+                      <m:sSubSupPr>
+                        <m:ctrlPr>
+                          <a:rPr lang="en-IN" i="1">
+                            <a:latin typeface="Cambria Math" panose="02040503050406030204" pitchFamily="18" charset="0"/>
+                          </a:rPr>
+                        </m:ctrlPr>
+                      </m:sSubSupPr>
+                      <m:e>
+                        <m:r>
+                          <a:rPr lang="en-IN" i="1">
+                            <a:latin typeface="Cambria Math" panose="02040503050406030204" pitchFamily="18" charset="0"/>
+                          </a:rPr>
+                          <m:t>𝑉</m:t>
+                        </m:r>
+                      </m:e>
+                      <m:sub>
+                        <m:r>
+                          <a:rPr lang="en-IN" i="1">
+                            <a:latin typeface="Cambria Math" panose="02040503050406030204" pitchFamily="18" charset="0"/>
+                          </a:rPr>
+                          <m:t>𝑟</m:t>
+                        </m:r>
+                      </m:sub>
+                      <m:sup>
+                        <m:r>
+                          <a:rPr lang="en-IN" i="1">
+                            <a:latin typeface="Cambria Math" panose="02040503050406030204" pitchFamily="18" charset="0"/>
+                          </a:rPr>
+                          <m:t>′</m:t>
+                        </m:r>
+                      </m:sup>
+                    </m:sSubSup>
+                    <m:r>
+                      <a:rPr lang="en-IN" b="0" i="1" smtClean="0">
+                        <a:latin typeface="Cambria Math" panose="02040503050406030204" pitchFamily="18" charset="0"/>
+                      </a:rPr>
+                      <m:t>𝑓</m:t>
+                    </m:r>
+                  </m:oMath>
+                </a14:m>
+                <a:endParaRPr lang="en-US" dirty="0"/>
+              </a:p>
+              <a:p>
+                <a:pPr marL="285750" indent="-285750">
+                  <a:buFont typeface="Arial" panose="020B0604020202020204" pitchFamily="34" charset="0"/>
+                  <a:buChar char="•"/>
+                </a:pPr>
+                <a:r>
+                  <a:rPr lang="de-DE" dirty="0"/>
+                  <a:t>This is easy to implement but the </a:t>
+                </a:r>
+                <a:r>
+                  <a:rPr lang="en-US" dirty="0"/>
+                  <a:t>parametric reduced model </a:t>
+                </a:r>
+                <a:r>
+                  <a:rPr lang="en-US" b="1" dirty="0"/>
+                  <a:t>grows with the number of samples</a:t>
+                </a:r>
+              </a:p>
+              <a:p>
+                <a:pPr marL="285750" indent="-285750">
+                  <a:buFont typeface="Arial" panose="020B0604020202020204" pitchFamily="34" charset="0"/>
+                  <a:buChar char="•"/>
+                </a:pPr>
+                <a:r>
+                  <a:rPr lang="en-US" dirty="0"/>
+                  <a:t>Also, it requires reduced bases to be on the </a:t>
+                </a:r>
+                <a:r>
+                  <a:rPr lang="en-US" b="1" dirty="0"/>
+                  <a:t>same mesh </a:t>
+                </a:r>
+                <a:r>
+                  <a:rPr lang="en-US" dirty="0"/>
+                  <a:t>as sample points</a:t>
+                </a:r>
+                <a:endParaRPr lang="de-DE" dirty="0"/>
+              </a:p>
+            </p:txBody>
+          </p:sp>
+        </mc:Choice>
+        <mc:Fallback>
+          <p:sp>
+            <p:nvSpPr>
+              <p:cNvPr id="2" name="Inhaltsplatzhalter 1"/>
+              <p:cNvSpPr>
+                <a:spLocks noGrp="1" noRot="1" noChangeAspect="1" noMove="1" noResize="1" noEditPoints="1" noAdjustHandles="1" noChangeArrowheads="1" noChangeShapeType="1" noTextEdit="1"/>
+              </p:cNvSpPr>
+              <p:nvPr>
+                <p:ph idx="1"/>
+              </p:nvPr>
+            </p:nvSpPr>
+            <p:spPr>
+              <a:xfrm>
+                <a:off x="311162" y="1610563"/>
+                <a:ext cx="8508999" cy="2998470"/>
+              </a:xfrm>
+              <a:blipFill>
+                <a:blip r:embed="rId2"/>
+                <a:stretch>
+                  <a:fillRect l="-1146" t="-1423" r="-860"/>
+                </a:stretch>
+              </a:blipFill>
+            </p:spPr>
+            <p:txBody>
+              <a:bodyPr/>
+              <a:lstStyle/>
+              <a:p>
+                <a:r>
+                  <a:rPr lang="en-IN">
+                    <a:noFill/>
+                  </a:rPr>
+                  <a:t> </a:t>
+                </a:r>
+              </a:p>
+            </p:txBody>
+          </p:sp>
+        </mc:Fallback>
+      </mc:AlternateContent>
       <p:sp>
         <p:nvSpPr>
           <p:cNvPr id="3" name="Titel 2"/>
@@ -8567,7 +10256,7 @@
           <a:p>
             <a:r>
               <a:rPr lang="de-DE" dirty="0"/>
-              <a:t>Parametric Model Order Reduction (pMOR)</a:t>
+              <a:t>Global pMOR</a:t>
             </a:r>
           </a:p>
         </p:txBody>
@@ -8647,139 +10336,1084 @@
           <a:chExt cx="0" cy="0"/>
         </a:xfrm>
       </p:grpSpPr>
-      <p:sp>
-        <p:nvSpPr>
-          <p:cNvPr id="2" name="Inhaltsplatzhalter 1"/>
-          <p:cNvSpPr>
-            <a:spLocks noGrp="1"/>
-          </p:cNvSpPr>
-          <p:nvPr>
-            <p:ph idx="1"/>
-          </p:nvPr>
-        </p:nvSpPr>
-        <p:spPr/>
-        <p:txBody>
-          <a:bodyPr/>
-          <a:lstStyle/>
-          <a:p>
-            <a:pPr marL="285750" indent="-285750">
-              <a:buFont typeface="Arial" panose="020B0604020202020204" pitchFamily="34" charset="0"/>
-              <a:buChar char="•"/>
-            </a:pPr>
-            <a:r>
-              <a:rPr lang="en-US" dirty="0"/>
-              <a:t>In local </a:t>
-            </a:r>
-            <a:r>
-              <a:rPr lang="en-US" dirty="0" err="1"/>
-              <a:t>pMOR</a:t>
-            </a:r>
-            <a:r>
-              <a:rPr lang="en-US" dirty="0"/>
-              <a:t>, </a:t>
-            </a:r>
-            <a:r>
-              <a:rPr lang="en-US" b="1" dirty="0"/>
-              <a:t>interpolation of the reduced matrices </a:t>
-            </a:r>
-            <a:r>
-              <a:rPr lang="en-US" dirty="0"/>
-              <a:t>is done to avoid full order systems</a:t>
-            </a:r>
-          </a:p>
-          <a:p>
-            <a:pPr marL="285750" indent="-285750">
-              <a:buFont typeface="Arial" panose="020B0604020202020204" pitchFamily="34" charset="0"/>
-              <a:buChar char="•"/>
-            </a:pPr>
-            <a:r>
-              <a:rPr lang="en-US" dirty="0"/>
-              <a:t>However, a straightforward interpolation of the reduced matrices is </a:t>
-            </a:r>
-            <a:r>
-              <a:rPr lang="en-US" b="1" dirty="0"/>
-              <a:t>not meaningful </a:t>
-            </a:r>
-            <a:r>
-              <a:rPr lang="en-US" dirty="0"/>
-              <a:t>because </a:t>
-            </a:r>
-            <a:r>
-              <a:rPr lang="en-US" b="1" dirty="0"/>
-              <a:t>the reduced matrices relate to different reduced bases</a:t>
-            </a:r>
-          </a:p>
-          <a:p>
-            <a:pPr marL="285750" indent="-285750">
-              <a:buFont typeface="Arial" panose="020B0604020202020204" pitchFamily="34" charset="0"/>
-              <a:buChar char="•"/>
-            </a:pPr>
-            <a:r>
-              <a:rPr lang="en-US" dirty="0"/>
-              <a:t>Therefore, a </a:t>
-            </a:r>
-            <a:r>
-              <a:rPr lang="en-US" b="1" dirty="0"/>
-              <a:t>generalized coordinate system</a:t>
-            </a:r>
-            <a:r>
-              <a:rPr lang="en-US" dirty="0"/>
-              <a:t> is computed first, followed by the transformation of reduced matrices to this system</a:t>
-            </a:r>
-          </a:p>
-          <a:p>
-            <a:pPr marL="285750" indent="-285750">
-              <a:buFont typeface="Arial" panose="020B0604020202020204" pitchFamily="34" charset="0"/>
-              <a:buChar char="•"/>
-            </a:pPr>
-            <a:r>
-              <a:rPr lang="en-US" dirty="0"/>
-              <a:t>T</a:t>
-            </a:r>
-            <a:r>
-              <a:rPr lang="de-DE" dirty="0"/>
-              <a:t>he </a:t>
-            </a:r>
-            <a:r>
-              <a:rPr lang="de-DE" b="1" dirty="0"/>
-              <a:t>evaluation efficiency is higher</a:t>
-            </a:r>
-            <a:r>
-              <a:rPr lang="de-DE" dirty="0"/>
-              <a:t> than global pMOR since the </a:t>
-            </a:r>
-            <a:r>
-              <a:rPr lang="en-US" dirty="0"/>
-              <a:t>parametric reduced model doesn’t grow with the number of samples</a:t>
-            </a:r>
-          </a:p>
-          <a:p>
-            <a:pPr marL="285750" indent="-285750">
-              <a:buFont typeface="Arial" panose="020B0604020202020204" pitchFamily="34" charset="0"/>
-              <a:buChar char="•"/>
-            </a:pPr>
-            <a:r>
-              <a:rPr lang="en-US" dirty="0"/>
-              <a:t>But the reduced bases still need to be generated on the </a:t>
-            </a:r>
-            <a:r>
-              <a:rPr lang="en-US" b="1" dirty="0"/>
-              <a:t>same mesh </a:t>
-            </a:r>
-            <a:r>
-              <a:rPr lang="en-US" dirty="0"/>
-              <a:t>as sample points</a:t>
-            </a:r>
-          </a:p>
-          <a:p>
-            <a:pPr marL="285750" indent="-285750">
-              <a:buFont typeface="Arial" panose="020B0604020202020204" pitchFamily="34" charset="0"/>
-              <a:buChar char="•"/>
-            </a:pPr>
-            <a:endParaRPr lang="de-DE" dirty="0"/>
-          </a:p>
-        </p:txBody>
-      </p:sp>
+      <mc:AlternateContent xmlns:mc="http://schemas.openxmlformats.org/markup-compatibility/2006">
+        <mc:Choice xmlns:a14="http://schemas.microsoft.com/office/drawing/2010/main" Requires="a14">
+          <p:sp>
+            <p:nvSpPr>
+              <p:cNvPr id="2" name="Inhaltsplatzhalter 1"/>
+              <p:cNvSpPr>
+                <a:spLocks noGrp="1"/>
+              </p:cNvSpPr>
+              <p:nvPr>
+                <p:ph idx="1"/>
+              </p:nvPr>
+            </p:nvSpPr>
+            <p:spPr/>
+            <p:txBody>
+              <a:bodyPr/>
+              <a:lstStyle/>
+              <a:p>
+                <a:pPr marL="285750" indent="-285750">
+                  <a:buFont typeface="Arial" panose="020B0604020202020204" pitchFamily="34" charset="0"/>
+                  <a:buChar char="•"/>
+                </a:pPr>
+                <a:r>
+                  <a:rPr lang="en-US" dirty="0"/>
+                  <a:t>In local </a:t>
+                </a:r>
+                <a:r>
+                  <a:rPr lang="en-US" dirty="0" err="1"/>
+                  <a:t>pMOR</a:t>
+                </a:r>
+                <a:r>
+                  <a:rPr lang="en-US" dirty="0"/>
+                  <a:t>, </a:t>
+                </a:r>
+                <a:r>
+                  <a:rPr lang="en-US" b="1" dirty="0"/>
+                  <a:t>interpolation of the reduced matrices </a:t>
+                </a:r>
+                <a:r>
+                  <a:rPr lang="en-US" dirty="0"/>
+                  <a:t>is done to avoid full order systems</a:t>
+                </a:r>
+              </a:p>
+              <a:p>
+                <a:pPr marL="285750" indent="-285750">
+                  <a:buFont typeface="Arial" panose="020B0604020202020204" pitchFamily="34" charset="0"/>
+                  <a:buChar char="•"/>
+                </a:pPr>
+                <a:r>
+                  <a:rPr lang="en-US" dirty="0"/>
+                  <a:t>However, a straightforward interpolation of the reduced matrices is </a:t>
+                </a:r>
+                <a:r>
+                  <a:rPr lang="en-US" b="1" dirty="0"/>
+                  <a:t>not meaningful </a:t>
+                </a:r>
+                <a:r>
+                  <a:rPr lang="en-US" dirty="0"/>
+                  <a:t>because </a:t>
+                </a:r>
+                <a:r>
+                  <a:rPr lang="en-US" b="1" dirty="0"/>
+                  <a:t>the reduced matrices relate to different reduced bases </a:t>
+                </a:r>
+                <a14:m>
+                  <m:oMath xmlns:m="http://schemas.openxmlformats.org/officeDocument/2006/math">
+                    <m:r>
+                      <a:rPr lang="en-IN" b="1" i="1" smtClean="0">
+                        <a:latin typeface="Cambria Math" panose="02040503050406030204" pitchFamily="18" charset="0"/>
+                      </a:rPr>
+                      <m:t>(</m:t>
+                    </m:r>
+                    <m:sSub>
+                      <m:sSubPr>
+                        <m:ctrlPr>
+                          <a:rPr lang="en-IN" b="1" i="1" smtClean="0">
+                            <a:latin typeface="Cambria Math" panose="02040503050406030204" pitchFamily="18" charset="0"/>
+                          </a:rPr>
+                        </m:ctrlPr>
+                      </m:sSubPr>
+                      <m:e>
+                        <m:r>
+                          <a:rPr lang="en-IN" b="1" i="1" smtClean="0">
+                            <a:latin typeface="Cambria Math" panose="02040503050406030204" pitchFamily="18" charset="0"/>
+                          </a:rPr>
+                          <m:t>𝑽</m:t>
+                        </m:r>
+                      </m:e>
+                      <m:sub>
+                        <m:r>
+                          <a:rPr lang="en-IN" b="1" i="1" smtClean="0">
+                            <a:latin typeface="Cambria Math" panose="02040503050406030204" pitchFamily="18" charset="0"/>
+                          </a:rPr>
+                          <m:t>𝒌</m:t>
+                        </m:r>
+                      </m:sub>
+                    </m:sSub>
+                    <m:r>
+                      <a:rPr lang="en-IN" b="1" i="1" smtClean="0">
+                        <a:latin typeface="Cambria Math" panose="02040503050406030204" pitchFamily="18" charset="0"/>
+                      </a:rPr>
+                      <m:t>)</m:t>
+                    </m:r>
+                  </m:oMath>
+                </a14:m>
+                <a:endParaRPr lang="en-US" b="1" dirty="0"/>
+              </a:p>
+              <a:p>
+                <a:pPr marL="285750" indent="-285750">
+                  <a:buFont typeface="Arial" panose="020B0604020202020204" pitchFamily="34" charset="0"/>
+                  <a:buChar char="•"/>
+                </a:pPr>
+                <a:r>
+                  <a:rPr lang="en-US" dirty="0"/>
+                  <a:t>Therefore, a </a:t>
+                </a:r>
+                <a:r>
+                  <a:rPr lang="en-US" b="1" dirty="0"/>
+                  <a:t>generalized coordinate system </a:t>
+                </a:r>
+                <a14:m>
+                  <m:oMath xmlns:m="http://schemas.openxmlformats.org/officeDocument/2006/math">
+                    <m:r>
+                      <a:rPr lang="en-IN" b="1" i="1" smtClean="0">
+                        <a:latin typeface="Cambria Math" panose="02040503050406030204" pitchFamily="18" charset="0"/>
+                      </a:rPr>
+                      <m:t>(</m:t>
+                    </m:r>
+                    <m:r>
+                      <a:rPr lang="en-IN" b="1" i="1" smtClean="0">
+                        <a:latin typeface="Cambria Math" panose="02040503050406030204" pitchFamily="18" charset="0"/>
+                      </a:rPr>
+                      <m:t>𝑹</m:t>
+                    </m:r>
+                    <m:r>
+                      <a:rPr lang="en-IN" b="1" i="1" smtClean="0">
+                        <a:latin typeface="Cambria Math" panose="02040503050406030204" pitchFamily="18" charset="0"/>
+                      </a:rPr>
+                      <m:t>)</m:t>
+                    </m:r>
+                  </m:oMath>
+                </a14:m>
+                <a:r>
+                  <a:rPr lang="en-US" dirty="0"/>
+                  <a:t> is computed first, followed by the transformation of reduced matrices to this system</a:t>
+                </a:r>
+              </a:p>
+              <a:p>
+                <a:pPr marL="285750" indent="-285750">
+                  <a:buFont typeface="Arial" panose="020B0604020202020204" pitchFamily="34" charset="0"/>
+                  <a:buChar char="•"/>
+                </a:pPr>
+                <a14:m>
+                  <m:oMath xmlns:m="http://schemas.openxmlformats.org/officeDocument/2006/math">
+                    <m:r>
+                      <a:rPr lang="en-IN" b="1" i="1" smtClean="0">
+                        <a:latin typeface="Cambria Math" panose="02040503050406030204" pitchFamily="18" charset="0"/>
+                      </a:rPr>
+                      <m:t>𝑹</m:t>
+                    </m:r>
+                    <m:r>
+                      <a:rPr lang="en-IN" b="1" i="1" smtClean="0">
+                        <a:latin typeface="Cambria Math" panose="02040503050406030204" pitchFamily="18" charset="0"/>
+                      </a:rPr>
+                      <m:t>=</m:t>
+                    </m:r>
+                    <m:r>
+                      <a:rPr lang="en-IN" b="1" i="1" smtClean="0">
+                        <a:latin typeface="Cambria Math" panose="02040503050406030204" pitchFamily="18" charset="0"/>
+                      </a:rPr>
+                      <m:t>𝑼</m:t>
+                    </m:r>
+                    <m:r>
+                      <a:rPr lang="en-IN" b="1" i="1" smtClean="0">
+                        <a:latin typeface="Cambria Math" panose="02040503050406030204" pitchFamily="18" charset="0"/>
+                      </a:rPr>
+                      <m:t>(:,</m:t>
+                    </m:r>
+                    <m:r>
+                      <a:rPr lang="en-IN" b="0" i="1" smtClean="0">
+                        <a:latin typeface="Cambria Math" panose="02040503050406030204" pitchFamily="18" charset="0"/>
+                      </a:rPr>
+                      <m:t>1:</m:t>
+                    </m:r>
+                    <m:r>
+                      <a:rPr lang="en-IN" b="0" i="1" smtClean="0">
+                        <a:latin typeface="Cambria Math" panose="02040503050406030204" pitchFamily="18" charset="0"/>
+                      </a:rPr>
+                      <m:t>𝑟</m:t>
+                    </m:r>
+                    <m:r>
+                      <a:rPr lang="en-IN" b="1" i="1" smtClean="0">
+                        <a:latin typeface="Cambria Math" panose="02040503050406030204" pitchFamily="18" charset="0"/>
+                      </a:rPr>
+                      <m:t>)</m:t>
+                    </m:r>
+                  </m:oMath>
+                </a14:m>
+                <a:r>
+                  <a:rPr lang="en-US" dirty="0"/>
+                  <a:t> where </a:t>
+                </a:r>
+                <a14:m>
+                  <m:oMath xmlns:m="http://schemas.openxmlformats.org/officeDocument/2006/math">
+                    <m:r>
+                      <a:rPr lang="en-IN" b="1" i="1">
+                        <a:latin typeface="Cambria Math" panose="02040503050406030204" pitchFamily="18" charset="0"/>
+                      </a:rPr>
+                      <m:t>𝑼</m:t>
+                    </m:r>
+                  </m:oMath>
+                </a14:m>
+                <a:r>
+                  <a:rPr lang="en-US" dirty="0"/>
+                  <a:t> is obtained by SVD, </a:t>
+                </a:r>
+                <a14:m>
+                  <m:oMath xmlns:m="http://schemas.openxmlformats.org/officeDocument/2006/math">
+                    <m:r>
+                      <a:rPr lang="en-IN" b="1" i="1" smtClean="0">
+                        <a:latin typeface="Cambria Math" panose="02040503050406030204" pitchFamily="18" charset="0"/>
+                      </a:rPr>
+                      <m:t>𝑽</m:t>
+                    </m:r>
+                    <m:r>
+                      <a:rPr lang="en-IN" b="1" i="1" smtClean="0">
+                        <a:latin typeface="Cambria Math" panose="02040503050406030204" pitchFamily="18" charset="0"/>
+                      </a:rPr>
+                      <m:t>=</m:t>
+                    </m:r>
+                    <m:r>
+                      <a:rPr lang="en-IN" b="1" i="1" smtClean="0">
+                        <a:latin typeface="Cambria Math" panose="02040503050406030204" pitchFamily="18" charset="0"/>
+                      </a:rPr>
+                      <m:t>𝑼</m:t>
+                    </m:r>
+                    <m:r>
+                      <a:rPr lang="en-IN" b="1" i="1" smtClean="0">
+                        <a:latin typeface="Cambria Math" panose="02040503050406030204" pitchFamily="18" charset="0"/>
+                        <a:ea typeface="Cambria Math" panose="02040503050406030204" pitchFamily="18" charset="0"/>
+                      </a:rPr>
+                      <m:t>𝚺</m:t>
+                    </m:r>
+                    <m:r>
+                      <a:rPr lang="en-IN" b="1" i="1" smtClean="0">
+                        <a:latin typeface="Cambria Math" panose="02040503050406030204" pitchFamily="18" charset="0"/>
+                        <a:ea typeface="Cambria Math" panose="02040503050406030204" pitchFamily="18" charset="0"/>
+                      </a:rPr>
+                      <m:t>𝒀</m:t>
+                    </m:r>
+                  </m:oMath>
+                </a14:m>
+                <a:endParaRPr lang="en-US" dirty="0"/>
+              </a:p>
+              <a:p>
+                <a:pPr marL="285750" indent="-285750">
+                  <a:buFont typeface="Arial" panose="020B0604020202020204" pitchFamily="34" charset="0"/>
+                  <a:buChar char="•"/>
+                </a:pPr>
+                <a:r>
+                  <a:rPr lang="en-US" dirty="0"/>
+                  <a:t>Transformation matrix: </a:t>
+                </a:r>
+                <a14:m>
+                  <m:oMath xmlns:m="http://schemas.openxmlformats.org/officeDocument/2006/math">
+                    <m:sSub>
+                      <m:sSubPr>
+                        <m:ctrlPr>
+                          <a:rPr lang="en-IN" b="0" i="1" smtClean="0">
+                            <a:latin typeface="Cambria Math" panose="02040503050406030204" pitchFamily="18" charset="0"/>
+                          </a:rPr>
+                        </m:ctrlPr>
+                      </m:sSubPr>
+                      <m:e>
+                        <m:r>
+                          <a:rPr lang="en-IN" b="0" i="1" smtClean="0">
+                            <a:latin typeface="Cambria Math" panose="02040503050406030204" pitchFamily="18" charset="0"/>
+                          </a:rPr>
+                          <m:t>𝑇</m:t>
+                        </m:r>
+                      </m:e>
+                      <m:sub>
+                        <m:r>
+                          <a:rPr lang="en-IN" b="0" i="1" smtClean="0">
+                            <a:latin typeface="Cambria Math" panose="02040503050406030204" pitchFamily="18" charset="0"/>
+                          </a:rPr>
+                          <m:t>𝑘</m:t>
+                        </m:r>
+                      </m:sub>
+                    </m:sSub>
+                    <m:r>
+                      <a:rPr lang="en-IN" b="0" i="1" smtClean="0">
+                        <a:latin typeface="Cambria Math" panose="02040503050406030204" pitchFamily="18" charset="0"/>
+                      </a:rPr>
+                      <m:t>=</m:t>
+                    </m:r>
+                    <m:sSup>
+                      <m:sSupPr>
+                        <m:ctrlPr>
+                          <a:rPr lang="en-IN" b="0" i="1" smtClean="0">
+                            <a:latin typeface="Cambria Math" panose="02040503050406030204" pitchFamily="18" charset="0"/>
+                          </a:rPr>
+                        </m:ctrlPr>
+                      </m:sSupPr>
+                      <m:e>
+                        <m:r>
+                          <a:rPr lang="en-IN" b="0" i="1" smtClean="0">
+                            <a:latin typeface="Cambria Math" panose="02040503050406030204" pitchFamily="18" charset="0"/>
+                          </a:rPr>
+                          <m:t>(</m:t>
+                        </m:r>
+                        <m:sSup>
+                          <m:sSupPr>
+                            <m:ctrlPr>
+                              <a:rPr lang="en-IN" b="0" i="1" smtClean="0">
+                                <a:latin typeface="Cambria Math" panose="02040503050406030204" pitchFamily="18" charset="0"/>
+                              </a:rPr>
+                            </m:ctrlPr>
+                          </m:sSupPr>
+                          <m:e>
+                            <m:r>
+                              <a:rPr lang="en-IN" b="0" i="1" smtClean="0">
+                                <a:latin typeface="Cambria Math" panose="02040503050406030204" pitchFamily="18" charset="0"/>
+                              </a:rPr>
+                              <m:t>𝑅</m:t>
+                            </m:r>
+                          </m:e>
+                          <m:sup>
+                            <m:r>
+                              <a:rPr lang="en-IN" b="0" i="1" smtClean="0">
+                                <a:latin typeface="Cambria Math" panose="02040503050406030204" pitchFamily="18" charset="0"/>
+                              </a:rPr>
+                              <m:t>′</m:t>
+                            </m:r>
+                          </m:sup>
+                        </m:sSup>
+                        <m:sSub>
+                          <m:sSubPr>
+                            <m:ctrlPr>
+                              <a:rPr lang="en-IN" i="1">
+                                <a:latin typeface="Cambria Math" panose="02040503050406030204" pitchFamily="18" charset="0"/>
+                              </a:rPr>
+                            </m:ctrlPr>
+                          </m:sSubPr>
+                          <m:e>
+                            <m:r>
+                              <a:rPr lang="en-IN" i="1">
+                                <a:latin typeface="Cambria Math" panose="02040503050406030204" pitchFamily="18" charset="0"/>
+                              </a:rPr>
+                              <m:t>𝑉</m:t>
+                            </m:r>
+                          </m:e>
+                          <m:sub>
+                            <m:r>
+                              <a:rPr lang="en-IN" i="1">
+                                <a:latin typeface="Cambria Math" panose="02040503050406030204" pitchFamily="18" charset="0"/>
+                              </a:rPr>
+                              <m:t>𝑘</m:t>
+                            </m:r>
+                          </m:sub>
+                        </m:sSub>
+                        <m:r>
+                          <a:rPr lang="en-IN" b="0" i="1" smtClean="0">
+                            <a:latin typeface="Cambria Math" panose="02040503050406030204" pitchFamily="18" charset="0"/>
+                          </a:rPr>
+                          <m:t>)</m:t>
+                        </m:r>
+                      </m:e>
+                      <m:sup>
+                        <m:r>
+                          <a:rPr lang="en-IN" b="0" i="1" smtClean="0">
+                            <a:latin typeface="Cambria Math" panose="02040503050406030204" pitchFamily="18" charset="0"/>
+                          </a:rPr>
+                          <m:t>−1</m:t>
+                        </m:r>
+                      </m:sup>
+                    </m:sSup>
+                  </m:oMath>
+                </a14:m>
+                <a:endParaRPr lang="en-US" dirty="0"/>
+              </a:p>
+              <a:p>
+                <a:pPr marL="285750" indent="-285750">
+                  <a:buFont typeface="Arial" panose="020B0604020202020204" pitchFamily="34" charset="0"/>
+                  <a:buChar char="•"/>
+                </a:pPr>
+                <a14:m>
+                  <m:oMath xmlns:m="http://schemas.openxmlformats.org/officeDocument/2006/math">
+                    <m:acc>
+                      <m:accPr>
+                        <m:chr m:val="̃"/>
+                        <m:ctrlPr>
+                          <a:rPr lang="en-IN" b="0" i="1" smtClean="0">
+                            <a:latin typeface="Cambria Math" panose="02040503050406030204" pitchFamily="18" charset="0"/>
+                          </a:rPr>
+                        </m:ctrlPr>
+                      </m:accPr>
+                      <m:e>
+                        <m:sSub>
+                          <m:sSubPr>
+                            <m:ctrlPr>
+                              <a:rPr lang="en-IN" i="1">
+                                <a:latin typeface="Cambria Math" panose="02040503050406030204" pitchFamily="18" charset="0"/>
+                              </a:rPr>
+                            </m:ctrlPr>
+                          </m:sSubPr>
+                          <m:e>
+                            <m:r>
+                              <a:rPr lang="en-IN" i="1">
+                                <a:latin typeface="Cambria Math" panose="02040503050406030204" pitchFamily="18" charset="0"/>
+                              </a:rPr>
+                              <m:t>𝑀</m:t>
+                            </m:r>
+                          </m:e>
+                          <m:sub>
+                            <m:r>
+                              <a:rPr lang="en-IN" i="1">
+                                <a:latin typeface="Cambria Math" panose="02040503050406030204" pitchFamily="18" charset="0"/>
+                              </a:rPr>
+                              <m:t>𝑟</m:t>
+                            </m:r>
+                            <m:r>
+                              <a:rPr lang="en-IN" i="1">
+                                <a:latin typeface="Cambria Math" panose="02040503050406030204" pitchFamily="18" charset="0"/>
+                              </a:rPr>
+                              <m:t>,</m:t>
+                            </m:r>
+                            <m:r>
+                              <a:rPr lang="en-IN" i="1">
+                                <a:latin typeface="Cambria Math" panose="02040503050406030204" pitchFamily="18" charset="0"/>
+                              </a:rPr>
+                              <m:t>𝑘</m:t>
+                            </m:r>
+                          </m:sub>
+                        </m:sSub>
+                      </m:e>
+                    </m:acc>
+                    <m:r>
+                      <a:rPr lang="en-IN" b="0" i="1" smtClean="0">
+                        <a:latin typeface="Cambria Math" panose="02040503050406030204" pitchFamily="18" charset="0"/>
+                      </a:rPr>
+                      <m:t>=</m:t>
+                    </m:r>
+                    <m:sSubSup>
+                      <m:sSubSupPr>
+                        <m:ctrlPr>
+                          <a:rPr lang="en-IN" i="1">
+                            <a:latin typeface="Cambria Math" panose="02040503050406030204" pitchFamily="18" charset="0"/>
+                          </a:rPr>
+                        </m:ctrlPr>
+                      </m:sSubSupPr>
+                      <m:e>
+                        <m:r>
+                          <a:rPr lang="en-IN" b="0" i="1" smtClean="0">
+                            <a:latin typeface="Cambria Math" panose="02040503050406030204" pitchFamily="18" charset="0"/>
+                          </a:rPr>
+                          <m:t>𝑇</m:t>
+                        </m:r>
+                      </m:e>
+                      <m:sub>
+                        <m:r>
+                          <a:rPr lang="en-IN" b="0" i="1" smtClean="0">
+                            <a:latin typeface="Cambria Math" panose="02040503050406030204" pitchFamily="18" charset="0"/>
+                          </a:rPr>
+                          <m:t>𝑘</m:t>
+                        </m:r>
+                      </m:sub>
+                      <m:sup>
+                        <m:r>
+                          <a:rPr lang="en-IN" b="0" i="1" smtClean="0">
+                            <a:latin typeface="Cambria Math" panose="02040503050406030204" pitchFamily="18" charset="0"/>
+                          </a:rPr>
+                          <m:t>′</m:t>
+                        </m:r>
+                      </m:sup>
+                    </m:sSubSup>
+                    <m:sSub>
+                      <m:sSubPr>
+                        <m:ctrlPr>
+                          <a:rPr lang="en-IN" i="1">
+                            <a:latin typeface="Cambria Math" panose="02040503050406030204" pitchFamily="18" charset="0"/>
+                          </a:rPr>
+                        </m:ctrlPr>
+                      </m:sSubPr>
+                      <m:e>
+                        <m:r>
+                          <a:rPr lang="en-IN" i="1">
+                            <a:latin typeface="Cambria Math" panose="02040503050406030204" pitchFamily="18" charset="0"/>
+                          </a:rPr>
+                          <m:t>𝑀</m:t>
+                        </m:r>
+                      </m:e>
+                      <m:sub>
+                        <m:r>
+                          <a:rPr lang="en-IN" i="1">
+                            <a:latin typeface="Cambria Math" panose="02040503050406030204" pitchFamily="18" charset="0"/>
+                          </a:rPr>
+                          <m:t>𝑟</m:t>
+                        </m:r>
+                        <m:r>
+                          <a:rPr lang="en-IN" i="1">
+                            <a:latin typeface="Cambria Math" panose="02040503050406030204" pitchFamily="18" charset="0"/>
+                          </a:rPr>
+                          <m:t>,</m:t>
+                        </m:r>
+                        <m:r>
+                          <a:rPr lang="en-IN" i="1">
+                            <a:latin typeface="Cambria Math" panose="02040503050406030204" pitchFamily="18" charset="0"/>
+                          </a:rPr>
+                          <m:t>𝑘</m:t>
+                        </m:r>
+                      </m:sub>
+                    </m:sSub>
+                    <m:sSub>
+                      <m:sSubPr>
+                        <m:ctrlPr>
+                          <a:rPr lang="en-IN" i="1">
+                            <a:latin typeface="Cambria Math" panose="02040503050406030204" pitchFamily="18" charset="0"/>
+                          </a:rPr>
+                        </m:ctrlPr>
+                      </m:sSubPr>
+                      <m:e>
+                        <m:r>
+                          <a:rPr lang="en-IN" b="0" i="1" smtClean="0">
+                            <a:latin typeface="Cambria Math" panose="02040503050406030204" pitchFamily="18" charset="0"/>
+                          </a:rPr>
+                          <m:t>𝑇</m:t>
+                        </m:r>
+                      </m:e>
+                      <m:sub>
+                        <m:r>
+                          <a:rPr lang="en-IN" b="0" i="1" smtClean="0">
+                            <a:latin typeface="Cambria Math" panose="02040503050406030204" pitchFamily="18" charset="0"/>
+                          </a:rPr>
+                          <m:t>𝑘</m:t>
+                        </m:r>
+                      </m:sub>
+                    </m:sSub>
+                  </m:oMath>
+                </a14:m>
+                <a:r>
+                  <a:rPr lang="en-IN" dirty="0"/>
+                  <a:t>,  </a:t>
+                </a:r>
+                <a14:m>
+                  <m:oMath xmlns:m="http://schemas.openxmlformats.org/officeDocument/2006/math">
+                    <m:acc>
+                      <m:accPr>
+                        <m:chr m:val="̃"/>
+                        <m:ctrlPr>
+                          <a:rPr lang="en-IN" i="1">
+                            <a:latin typeface="Cambria Math" panose="02040503050406030204" pitchFamily="18" charset="0"/>
+                          </a:rPr>
+                        </m:ctrlPr>
+                      </m:accPr>
+                      <m:e>
+                        <m:sSub>
+                          <m:sSubPr>
+                            <m:ctrlPr>
+                              <a:rPr lang="en-IN" i="1">
+                                <a:latin typeface="Cambria Math" panose="02040503050406030204" pitchFamily="18" charset="0"/>
+                              </a:rPr>
+                            </m:ctrlPr>
+                          </m:sSubPr>
+                          <m:e>
+                            <m:r>
+                              <a:rPr lang="en-IN" b="0" i="1" smtClean="0">
+                                <a:latin typeface="Cambria Math" panose="02040503050406030204" pitchFamily="18" charset="0"/>
+                              </a:rPr>
+                              <m:t>𝐷</m:t>
+                            </m:r>
+                          </m:e>
+                          <m:sub>
+                            <m:r>
+                              <a:rPr lang="en-IN" i="1">
+                                <a:latin typeface="Cambria Math" panose="02040503050406030204" pitchFamily="18" charset="0"/>
+                              </a:rPr>
+                              <m:t>𝑟</m:t>
+                            </m:r>
+                            <m:r>
+                              <a:rPr lang="en-IN" i="1">
+                                <a:latin typeface="Cambria Math" panose="02040503050406030204" pitchFamily="18" charset="0"/>
+                              </a:rPr>
+                              <m:t>,</m:t>
+                            </m:r>
+                            <m:r>
+                              <a:rPr lang="en-IN" i="1">
+                                <a:latin typeface="Cambria Math" panose="02040503050406030204" pitchFamily="18" charset="0"/>
+                              </a:rPr>
+                              <m:t>𝑘</m:t>
+                            </m:r>
+                          </m:sub>
+                        </m:sSub>
+                      </m:e>
+                    </m:acc>
+                    <m:r>
+                      <a:rPr lang="en-IN" i="1">
+                        <a:latin typeface="Cambria Math" panose="02040503050406030204" pitchFamily="18" charset="0"/>
+                      </a:rPr>
+                      <m:t>=</m:t>
+                    </m:r>
+                    <m:sSubSup>
+                      <m:sSubSupPr>
+                        <m:ctrlPr>
+                          <a:rPr lang="en-IN" i="1">
+                            <a:latin typeface="Cambria Math" panose="02040503050406030204" pitchFamily="18" charset="0"/>
+                          </a:rPr>
+                        </m:ctrlPr>
+                      </m:sSubSupPr>
+                      <m:e>
+                        <m:r>
+                          <a:rPr lang="en-IN" i="1">
+                            <a:latin typeface="Cambria Math" panose="02040503050406030204" pitchFamily="18" charset="0"/>
+                          </a:rPr>
+                          <m:t>𝑇</m:t>
+                        </m:r>
+                      </m:e>
+                      <m:sub>
+                        <m:r>
+                          <a:rPr lang="en-IN" i="1">
+                            <a:latin typeface="Cambria Math" panose="02040503050406030204" pitchFamily="18" charset="0"/>
+                          </a:rPr>
+                          <m:t>𝑘</m:t>
+                        </m:r>
+                      </m:sub>
+                      <m:sup>
+                        <m:r>
+                          <a:rPr lang="en-IN" i="1">
+                            <a:latin typeface="Cambria Math" panose="02040503050406030204" pitchFamily="18" charset="0"/>
+                          </a:rPr>
+                          <m:t>′</m:t>
+                        </m:r>
+                      </m:sup>
+                    </m:sSubSup>
+                    <m:sSub>
+                      <m:sSubPr>
+                        <m:ctrlPr>
+                          <a:rPr lang="en-IN" i="1">
+                            <a:latin typeface="Cambria Math" panose="02040503050406030204" pitchFamily="18" charset="0"/>
+                          </a:rPr>
+                        </m:ctrlPr>
+                      </m:sSubPr>
+                      <m:e>
+                        <m:r>
+                          <a:rPr lang="en-IN" b="0" i="1" smtClean="0">
+                            <a:latin typeface="Cambria Math" panose="02040503050406030204" pitchFamily="18" charset="0"/>
+                          </a:rPr>
+                          <m:t>𝐷</m:t>
+                        </m:r>
+                      </m:e>
+                      <m:sub>
+                        <m:r>
+                          <a:rPr lang="en-IN" i="1">
+                            <a:latin typeface="Cambria Math" panose="02040503050406030204" pitchFamily="18" charset="0"/>
+                          </a:rPr>
+                          <m:t>𝑟</m:t>
+                        </m:r>
+                        <m:r>
+                          <a:rPr lang="en-IN" i="1">
+                            <a:latin typeface="Cambria Math" panose="02040503050406030204" pitchFamily="18" charset="0"/>
+                          </a:rPr>
+                          <m:t>,</m:t>
+                        </m:r>
+                        <m:r>
+                          <a:rPr lang="en-IN" i="1">
+                            <a:latin typeface="Cambria Math" panose="02040503050406030204" pitchFamily="18" charset="0"/>
+                          </a:rPr>
+                          <m:t>𝑘</m:t>
+                        </m:r>
+                      </m:sub>
+                    </m:sSub>
+                    <m:sSub>
+                      <m:sSubPr>
+                        <m:ctrlPr>
+                          <a:rPr lang="en-IN" i="1">
+                            <a:latin typeface="Cambria Math" panose="02040503050406030204" pitchFamily="18" charset="0"/>
+                          </a:rPr>
+                        </m:ctrlPr>
+                      </m:sSubPr>
+                      <m:e>
+                        <m:r>
+                          <a:rPr lang="en-IN" i="1">
+                            <a:latin typeface="Cambria Math" panose="02040503050406030204" pitchFamily="18" charset="0"/>
+                          </a:rPr>
+                          <m:t>𝑇</m:t>
+                        </m:r>
+                      </m:e>
+                      <m:sub>
+                        <m:r>
+                          <a:rPr lang="en-IN" i="1">
+                            <a:latin typeface="Cambria Math" panose="02040503050406030204" pitchFamily="18" charset="0"/>
+                          </a:rPr>
+                          <m:t>𝑘</m:t>
+                        </m:r>
+                      </m:sub>
+                    </m:sSub>
+                  </m:oMath>
+                </a14:m>
+                <a:r>
+                  <a:rPr lang="en-IN" dirty="0"/>
+                  <a:t>,  </a:t>
+                </a:r>
+                <a14:m>
+                  <m:oMath xmlns:m="http://schemas.openxmlformats.org/officeDocument/2006/math">
+                    <m:acc>
+                      <m:accPr>
+                        <m:chr m:val="̃"/>
+                        <m:ctrlPr>
+                          <a:rPr lang="en-IN" i="1">
+                            <a:latin typeface="Cambria Math" panose="02040503050406030204" pitchFamily="18" charset="0"/>
+                          </a:rPr>
+                        </m:ctrlPr>
+                      </m:accPr>
+                      <m:e>
+                        <m:sSub>
+                          <m:sSubPr>
+                            <m:ctrlPr>
+                              <a:rPr lang="en-IN" i="1">
+                                <a:latin typeface="Cambria Math" panose="02040503050406030204" pitchFamily="18" charset="0"/>
+                              </a:rPr>
+                            </m:ctrlPr>
+                          </m:sSubPr>
+                          <m:e>
+                            <m:r>
+                              <a:rPr lang="en-IN" b="0" i="1" smtClean="0">
+                                <a:latin typeface="Cambria Math" panose="02040503050406030204" pitchFamily="18" charset="0"/>
+                              </a:rPr>
+                              <m:t>𝐾</m:t>
+                            </m:r>
+                          </m:e>
+                          <m:sub>
+                            <m:r>
+                              <a:rPr lang="en-IN" i="1">
+                                <a:latin typeface="Cambria Math" panose="02040503050406030204" pitchFamily="18" charset="0"/>
+                              </a:rPr>
+                              <m:t>𝑟</m:t>
+                            </m:r>
+                            <m:r>
+                              <a:rPr lang="en-IN" i="1">
+                                <a:latin typeface="Cambria Math" panose="02040503050406030204" pitchFamily="18" charset="0"/>
+                              </a:rPr>
+                              <m:t>,</m:t>
+                            </m:r>
+                            <m:r>
+                              <a:rPr lang="en-IN" i="1">
+                                <a:latin typeface="Cambria Math" panose="02040503050406030204" pitchFamily="18" charset="0"/>
+                              </a:rPr>
+                              <m:t>𝑘</m:t>
+                            </m:r>
+                          </m:sub>
+                        </m:sSub>
+                      </m:e>
+                    </m:acc>
+                    <m:r>
+                      <a:rPr lang="en-IN" i="1">
+                        <a:latin typeface="Cambria Math" panose="02040503050406030204" pitchFamily="18" charset="0"/>
+                      </a:rPr>
+                      <m:t>=</m:t>
+                    </m:r>
+                    <m:sSubSup>
+                      <m:sSubSupPr>
+                        <m:ctrlPr>
+                          <a:rPr lang="en-IN" i="1">
+                            <a:latin typeface="Cambria Math" panose="02040503050406030204" pitchFamily="18" charset="0"/>
+                          </a:rPr>
+                        </m:ctrlPr>
+                      </m:sSubSupPr>
+                      <m:e>
+                        <m:r>
+                          <a:rPr lang="en-IN" i="1">
+                            <a:latin typeface="Cambria Math" panose="02040503050406030204" pitchFamily="18" charset="0"/>
+                          </a:rPr>
+                          <m:t>𝑇</m:t>
+                        </m:r>
+                      </m:e>
+                      <m:sub>
+                        <m:r>
+                          <a:rPr lang="en-IN" i="1">
+                            <a:latin typeface="Cambria Math" panose="02040503050406030204" pitchFamily="18" charset="0"/>
+                          </a:rPr>
+                          <m:t>𝑘</m:t>
+                        </m:r>
+                      </m:sub>
+                      <m:sup>
+                        <m:r>
+                          <a:rPr lang="en-IN" i="1">
+                            <a:latin typeface="Cambria Math" panose="02040503050406030204" pitchFamily="18" charset="0"/>
+                          </a:rPr>
+                          <m:t>′</m:t>
+                        </m:r>
+                      </m:sup>
+                    </m:sSubSup>
+                    <m:sSub>
+                      <m:sSubPr>
+                        <m:ctrlPr>
+                          <a:rPr lang="en-IN" i="1">
+                            <a:latin typeface="Cambria Math" panose="02040503050406030204" pitchFamily="18" charset="0"/>
+                          </a:rPr>
+                        </m:ctrlPr>
+                      </m:sSubPr>
+                      <m:e>
+                        <m:r>
+                          <a:rPr lang="en-IN" b="0" i="1" smtClean="0">
+                            <a:latin typeface="Cambria Math" panose="02040503050406030204" pitchFamily="18" charset="0"/>
+                          </a:rPr>
+                          <m:t>𝐾</m:t>
+                        </m:r>
+                      </m:e>
+                      <m:sub>
+                        <m:r>
+                          <a:rPr lang="en-IN" i="1">
+                            <a:latin typeface="Cambria Math" panose="02040503050406030204" pitchFamily="18" charset="0"/>
+                          </a:rPr>
+                          <m:t>𝑟</m:t>
+                        </m:r>
+                        <m:r>
+                          <a:rPr lang="en-IN" i="1">
+                            <a:latin typeface="Cambria Math" panose="02040503050406030204" pitchFamily="18" charset="0"/>
+                          </a:rPr>
+                          <m:t>,</m:t>
+                        </m:r>
+                        <m:r>
+                          <a:rPr lang="en-IN" i="1">
+                            <a:latin typeface="Cambria Math" panose="02040503050406030204" pitchFamily="18" charset="0"/>
+                          </a:rPr>
+                          <m:t>𝑘</m:t>
+                        </m:r>
+                      </m:sub>
+                    </m:sSub>
+                    <m:sSub>
+                      <m:sSubPr>
+                        <m:ctrlPr>
+                          <a:rPr lang="en-IN" i="1">
+                            <a:latin typeface="Cambria Math" panose="02040503050406030204" pitchFamily="18" charset="0"/>
+                          </a:rPr>
+                        </m:ctrlPr>
+                      </m:sSubPr>
+                      <m:e>
+                        <m:r>
+                          <a:rPr lang="en-IN" i="1">
+                            <a:latin typeface="Cambria Math" panose="02040503050406030204" pitchFamily="18" charset="0"/>
+                          </a:rPr>
+                          <m:t>𝑇</m:t>
+                        </m:r>
+                      </m:e>
+                      <m:sub>
+                        <m:r>
+                          <a:rPr lang="en-IN" i="1">
+                            <a:latin typeface="Cambria Math" panose="02040503050406030204" pitchFamily="18" charset="0"/>
+                          </a:rPr>
+                          <m:t>𝑘</m:t>
+                        </m:r>
+                      </m:sub>
+                    </m:sSub>
+                  </m:oMath>
+                </a14:m>
+                <a:r>
+                  <a:rPr lang="en-US" dirty="0"/>
+                  <a:t>,  </a:t>
+                </a:r>
+                <a14:m>
+                  <m:oMath xmlns:m="http://schemas.openxmlformats.org/officeDocument/2006/math">
+                    <m:acc>
+                      <m:accPr>
+                        <m:chr m:val="̃"/>
+                        <m:ctrlPr>
+                          <a:rPr lang="en-IN" i="1">
+                            <a:latin typeface="Cambria Math" panose="02040503050406030204" pitchFamily="18" charset="0"/>
+                          </a:rPr>
+                        </m:ctrlPr>
+                      </m:accPr>
+                      <m:e>
+                        <m:sSub>
+                          <m:sSubPr>
+                            <m:ctrlPr>
+                              <a:rPr lang="en-IN" i="1">
+                                <a:latin typeface="Cambria Math" panose="02040503050406030204" pitchFamily="18" charset="0"/>
+                              </a:rPr>
+                            </m:ctrlPr>
+                          </m:sSubPr>
+                          <m:e>
+                            <m:r>
+                              <a:rPr lang="en-IN" b="0" i="1" smtClean="0">
+                                <a:latin typeface="Cambria Math" panose="02040503050406030204" pitchFamily="18" charset="0"/>
+                              </a:rPr>
+                              <m:t>𝑓</m:t>
+                            </m:r>
+                          </m:e>
+                          <m:sub>
+                            <m:r>
+                              <a:rPr lang="en-IN" i="1">
+                                <a:latin typeface="Cambria Math" panose="02040503050406030204" pitchFamily="18" charset="0"/>
+                              </a:rPr>
+                              <m:t>𝑟</m:t>
+                            </m:r>
+                            <m:r>
+                              <a:rPr lang="en-IN" i="1">
+                                <a:latin typeface="Cambria Math" panose="02040503050406030204" pitchFamily="18" charset="0"/>
+                              </a:rPr>
+                              <m:t>,</m:t>
+                            </m:r>
+                            <m:r>
+                              <a:rPr lang="en-IN" i="1">
+                                <a:latin typeface="Cambria Math" panose="02040503050406030204" pitchFamily="18" charset="0"/>
+                              </a:rPr>
+                              <m:t>𝑘</m:t>
+                            </m:r>
+                          </m:sub>
+                        </m:sSub>
+                      </m:e>
+                    </m:acc>
+                    <m:r>
+                      <a:rPr lang="en-IN" i="1">
+                        <a:latin typeface="Cambria Math" panose="02040503050406030204" pitchFamily="18" charset="0"/>
+                      </a:rPr>
+                      <m:t>=</m:t>
+                    </m:r>
+                    <m:sSubSup>
+                      <m:sSubSupPr>
+                        <m:ctrlPr>
+                          <a:rPr lang="en-IN" i="1">
+                            <a:latin typeface="Cambria Math" panose="02040503050406030204" pitchFamily="18" charset="0"/>
+                          </a:rPr>
+                        </m:ctrlPr>
+                      </m:sSubSupPr>
+                      <m:e>
+                        <m:r>
+                          <a:rPr lang="en-IN" i="1">
+                            <a:latin typeface="Cambria Math" panose="02040503050406030204" pitchFamily="18" charset="0"/>
+                          </a:rPr>
+                          <m:t>𝑇</m:t>
+                        </m:r>
+                      </m:e>
+                      <m:sub>
+                        <m:r>
+                          <a:rPr lang="en-IN" i="1">
+                            <a:latin typeface="Cambria Math" panose="02040503050406030204" pitchFamily="18" charset="0"/>
+                          </a:rPr>
+                          <m:t>𝑘</m:t>
+                        </m:r>
+                      </m:sub>
+                      <m:sup>
+                        <m:r>
+                          <a:rPr lang="en-IN" i="1">
+                            <a:latin typeface="Cambria Math" panose="02040503050406030204" pitchFamily="18" charset="0"/>
+                          </a:rPr>
+                          <m:t>′</m:t>
+                        </m:r>
+                      </m:sup>
+                    </m:sSubSup>
+                    <m:sSub>
+                      <m:sSubPr>
+                        <m:ctrlPr>
+                          <a:rPr lang="en-IN" i="1">
+                            <a:latin typeface="Cambria Math" panose="02040503050406030204" pitchFamily="18" charset="0"/>
+                          </a:rPr>
+                        </m:ctrlPr>
+                      </m:sSubPr>
+                      <m:e>
+                        <m:r>
+                          <a:rPr lang="en-IN" b="0" i="1" smtClean="0">
+                            <a:latin typeface="Cambria Math" panose="02040503050406030204" pitchFamily="18" charset="0"/>
+                          </a:rPr>
+                          <m:t>𝑓</m:t>
+                        </m:r>
+                      </m:e>
+                      <m:sub>
+                        <m:r>
+                          <a:rPr lang="en-IN" i="1">
+                            <a:latin typeface="Cambria Math" panose="02040503050406030204" pitchFamily="18" charset="0"/>
+                          </a:rPr>
+                          <m:t>𝑟</m:t>
+                        </m:r>
+                        <m:r>
+                          <a:rPr lang="en-IN" i="1">
+                            <a:latin typeface="Cambria Math" panose="02040503050406030204" pitchFamily="18" charset="0"/>
+                          </a:rPr>
+                          <m:t>,</m:t>
+                        </m:r>
+                        <m:r>
+                          <a:rPr lang="en-IN" i="1">
+                            <a:latin typeface="Cambria Math" panose="02040503050406030204" pitchFamily="18" charset="0"/>
+                          </a:rPr>
+                          <m:t>𝑘</m:t>
+                        </m:r>
+                      </m:sub>
+                    </m:sSub>
+                  </m:oMath>
+                </a14:m>
+                <a:endParaRPr lang="en-US" dirty="0"/>
+              </a:p>
+              <a:p>
+                <a:pPr marL="285750" indent="-285750">
+                  <a:buFont typeface="Arial" panose="020B0604020202020204" pitchFamily="34" charset="0"/>
+                  <a:buChar char="•"/>
+                </a:pPr>
+                <a:r>
+                  <a:rPr lang="en-US" dirty="0"/>
+                  <a:t>T</a:t>
+                </a:r>
+                <a:r>
+                  <a:rPr lang="de-DE" dirty="0"/>
+                  <a:t>he </a:t>
+                </a:r>
+                <a:r>
+                  <a:rPr lang="de-DE" b="1" dirty="0"/>
+                  <a:t>evaluation efficiency is higher</a:t>
+                </a:r>
+                <a:r>
+                  <a:rPr lang="de-DE" dirty="0"/>
+                  <a:t> than global pMOR since the </a:t>
+                </a:r>
+                <a:r>
+                  <a:rPr lang="en-US" dirty="0"/>
+                  <a:t>parametric reduced model doesn’t grow with the number of samples</a:t>
+                </a:r>
+              </a:p>
+              <a:p>
+                <a:pPr marL="285750" indent="-285750">
+                  <a:buFont typeface="Arial" panose="020B0604020202020204" pitchFamily="34" charset="0"/>
+                  <a:buChar char="•"/>
+                </a:pPr>
+                <a:r>
+                  <a:rPr lang="en-US" dirty="0"/>
+                  <a:t>But the reduced bases still need to be generated on the </a:t>
+                </a:r>
+                <a:r>
+                  <a:rPr lang="en-US" b="1" dirty="0"/>
+                  <a:t>same mesh </a:t>
+                </a:r>
+                <a:r>
+                  <a:rPr lang="en-US" dirty="0"/>
+                  <a:t>as sample points</a:t>
+                </a:r>
+              </a:p>
+              <a:p>
+                <a:pPr marL="285750" indent="-285750">
+                  <a:buFont typeface="Arial" panose="020B0604020202020204" pitchFamily="34" charset="0"/>
+                  <a:buChar char="•"/>
+                </a:pPr>
+                <a:endParaRPr lang="de-DE" dirty="0"/>
+              </a:p>
+            </p:txBody>
+          </p:sp>
+        </mc:Choice>
+        <mc:Fallback>
+          <p:sp>
+            <p:nvSpPr>
+              <p:cNvPr id="2" name="Inhaltsplatzhalter 1"/>
+              <p:cNvSpPr>
+                <a:spLocks noGrp="1" noRot="1" noChangeAspect="1" noMove="1" noResize="1" noEditPoints="1" noAdjustHandles="1" noChangeArrowheads="1" noChangeShapeType="1" noTextEdit="1"/>
+              </p:cNvSpPr>
+              <p:nvPr>
+                <p:ph idx="1"/>
+              </p:nvPr>
+            </p:nvSpPr>
+            <p:spPr>
+              <a:blipFill>
+                <a:blip r:embed="rId2"/>
+                <a:stretch>
+                  <a:fillRect l="-1146" t="-1578"/>
+                </a:stretch>
+              </a:blipFill>
+            </p:spPr>
+            <p:txBody>
+              <a:bodyPr/>
+              <a:lstStyle/>
+              <a:p>
+                <a:r>
+                  <a:rPr lang="en-IN">
+                    <a:noFill/>
+                  </a:rPr>
+                  <a:t> </a:t>
+                </a:r>
+              </a:p>
+            </p:txBody>
+          </p:sp>
+        </mc:Fallback>
+      </mc:AlternateContent>
       <p:sp>
         <p:nvSpPr>
           <p:cNvPr id="3" name="Titel 2"/>
@@ -8884,6 +11518,168 @@
       </p:grpSpPr>
       <p:sp>
         <p:nvSpPr>
+          <p:cNvPr id="3" name="Title 2">
+            <a:extLst>
+              <a:ext uri="{FF2B5EF4-FFF2-40B4-BE49-F238E27FC236}">
+                <a16:creationId xmlns:a16="http://schemas.microsoft.com/office/drawing/2014/main" id="{5784257D-2F46-FC40-6DFD-7156777DC84C}"/>
+              </a:ext>
+            </a:extLst>
+          </p:cNvPr>
+          <p:cNvSpPr>
+            <a:spLocks noGrp="1"/>
+          </p:cNvSpPr>
+          <p:nvPr>
+            <p:ph type="title"/>
+          </p:nvPr>
+        </p:nvSpPr>
+        <p:spPr>
+          <a:xfrm>
+            <a:off x="319090" y="972000"/>
+            <a:ext cx="8508999" cy="380810"/>
+          </a:xfrm>
+        </p:spPr>
+        <p:txBody>
+          <a:bodyPr/>
+          <a:lstStyle/>
+          <a:p>
+            <a:r>
+              <a:rPr lang="en-IN" dirty="0"/>
+              <a:t>Local </a:t>
+            </a:r>
+            <a:r>
+              <a:rPr lang="en-IN" dirty="0" err="1"/>
+              <a:t>pMOR</a:t>
+            </a:r>
+            <a:r>
+              <a:rPr lang="en-IN" dirty="0"/>
+              <a:t> Interpolation</a:t>
+            </a:r>
+          </a:p>
+        </p:txBody>
+      </p:sp>
+      <p:sp>
+        <p:nvSpPr>
+          <p:cNvPr id="4" name="Slide Number Placeholder 3">
+            <a:extLst>
+              <a:ext uri="{FF2B5EF4-FFF2-40B4-BE49-F238E27FC236}">
+                <a16:creationId xmlns:a16="http://schemas.microsoft.com/office/drawing/2014/main" id="{8F7F42BF-E73B-976D-CD74-EA568FD598E6}"/>
+              </a:ext>
+            </a:extLst>
+          </p:cNvPr>
+          <p:cNvSpPr>
+            <a:spLocks noGrp="1"/>
+          </p:cNvSpPr>
+          <p:nvPr>
+            <p:ph type="sldNum" sz="quarter" idx="11"/>
+          </p:nvPr>
+        </p:nvSpPr>
+        <p:spPr/>
+        <p:txBody>
+          <a:bodyPr/>
+          <a:lstStyle/>
+          <a:p>
+            <a:fld id="{CE58CB1E-F828-4F11-99E0-327109AF9DA4}" type="slidenum">
+              <a:rPr lang="de-DE" smtClean="0"/>
+              <a:pPr/>
+              <a:t>6</a:t>
+            </a:fld>
+            <a:endParaRPr lang="de-DE" dirty="0"/>
+          </a:p>
+        </p:txBody>
+      </p:sp>
+      <p:sp>
+        <p:nvSpPr>
+          <p:cNvPr id="5" name="Footer Placeholder 4">
+            <a:extLst>
+              <a:ext uri="{FF2B5EF4-FFF2-40B4-BE49-F238E27FC236}">
+                <a16:creationId xmlns:a16="http://schemas.microsoft.com/office/drawing/2014/main" id="{A347A954-DE97-4990-D146-508E346E243D}"/>
+              </a:ext>
+            </a:extLst>
+          </p:cNvPr>
+          <p:cNvSpPr>
+            <a:spLocks noGrp="1"/>
+          </p:cNvSpPr>
+          <p:nvPr>
+            <p:ph type="ftr" sz="quarter" idx="12"/>
+          </p:nvPr>
+        </p:nvSpPr>
+        <p:spPr/>
+        <p:txBody>
+          <a:bodyPr/>
+          <a:lstStyle/>
+          <a:p>
+            <a:r>
+              <a:rPr lang="de-DE" dirty="0"/>
+              <a:t>Raúl San Miguel</a:t>
+            </a:r>
+            <a:endParaRPr lang="en-US" dirty="0"/>
+          </a:p>
+        </p:txBody>
+      </p:sp>
+      <p:pic>
+        <p:nvPicPr>
+          <p:cNvPr id="11" name="Content Placeholder 10">
+            <a:extLst>
+              <a:ext uri="{FF2B5EF4-FFF2-40B4-BE49-F238E27FC236}">
+                <a16:creationId xmlns:a16="http://schemas.microsoft.com/office/drawing/2014/main" id="{12E677B0-9512-4E59-251C-D9A9565E70D8}"/>
+              </a:ext>
+            </a:extLst>
+          </p:cNvPr>
+          <p:cNvPicPr>
+            <a:picLocks noGrp="1" noChangeAspect="1"/>
+          </p:cNvPicPr>
+          <p:nvPr>
+            <p:ph idx="1"/>
+          </p:nvPr>
+        </p:nvPicPr>
+        <p:blipFill>
+          <a:blip r:embed="rId2"/>
+          <a:stretch>
+            <a:fillRect/>
+          </a:stretch>
+        </p:blipFill>
+        <p:spPr>
+          <a:xfrm>
+            <a:off x="1441615" y="1600200"/>
+            <a:ext cx="6263945" cy="3095625"/>
+          </a:xfrm>
+        </p:spPr>
+      </p:pic>
+    </p:spTree>
+    <p:extLst>
+      <p:ext uri="{BB962C8B-B14F-4D97-AF65-F5344CB8AC3E}">
+        <p14:creationId xmlns:p14="http://schemas.microsoft.com/office/powerpoint/2010/main" val="354787109"/>
+      </p:ext>
+    </p:extLst>
+  </p:cSld>
+  <p:clrMapOvr>
+    <a:masterClrMapping/>
+  </p:clrMapOvr>
+  <p:transition spd="slow">
+    <p:push dir="u"/>
+  </p:transition>
+</p:sld>
+</file>
+
+<file path=ppt/slides/slide7.xml><?xml version="1.0" encoding="utf-8"?>
+<p:sld xmlns:a="http://schemas.openxmlformats.org/drawingml/2006/main" xmlns:r="http://schemas.openxmlformats.org/officeDocument/2006/relationships" xmlns:p="http://schemas.openxmlformats.org/presentationml/2006/main">
+  <p:cSld>
+    <p:spTree>
+      <p:nvGrpSpPr>
+        <p:cNvPr id="1" name=""/>
+        <p:cNvGrpSpPr/>
+        <p:nvPr/>
+      </p:nvGrpSpPr>
+      <p:grpSpPr>
+        <a:xfrm>
+          <a:off x="0" y="0"/>
+          <a:ext cx="0" cy="0"/>
+          <a:chOff x="0" y="0"/>
+          <a:chExt cx="0" cy="0"/>
+        </a:xfrm>
+      </p:grpSpPr>
+      <p:sp>
+        <p:nvSpPr>
           <p:cNvPr id="2" name="Content Placeholder 1">
             <a:extLst>
               <a:ext uri="{FF2B5EF4-FFF2-40B4-BE49-F238E27FC236}">
@@ -8898,7 +11694,12 @@
             <p:ph idx="1"/>
           </p:nvPr>
         </p:nvSpPr>
-        <p:spPr/>
+        <p:spPr>
+          <a:xfrm>
+            <a:off x="319091" y="1600200"/>
+            <a:ext cx="4926010" cy="3095625"/>
+          </a:xfrm>
+        </p:spPr>
         <p:txBody>
           <a:bodyPr/>
           <a:lstStyle/>
@@ -8908,8 +11709,8 @@
               <a:buChar char="•"/>
             </a:pPr>
             <a:r>
-              <a:rPr lang="en-IN" dirty="0"/>
-              <a:t>Generate a FEM model of the cantilever beam at different parameter samples (e.g. different beam lengths and thicknesses)</a:t>
+              <a:rPr lang="en-IN" sz="1300" dirty="0"/>
+              <a:t>Generate a FEM model of the Timoshenko cantilever beam at different parameter samples (e.g. different beam lengths and thicknesses)</a:t>
             </a:r>
           </a:p>
           <a:p>
@@ -8918,8 +11719,8 @@
               <a:buChar char="•"/>
             </a:pPr>
             <a:r>
-              <a:rPr lang="en-IN" dirty="0"/>
-              <a:t>Perform model order reduction at each parameter sample using SO-IRKA</a:t>
+              <a:rPr lang="en-IN" sz="1300" dirty="0"/>
+              <a:t>Perform MOR at each parameter sample using SO-IRKA</a:t>
             </a:r>
           </a:p>
           <a:p>
@@ -8928,7 +11729,7 @@
               <a:buChar char="•"/>
             </a:pPr>
             <a:r>
-              <a:rPr lang="en-IN" dirty="0"/>
+              <a:rPr lang="en-IN" sz="1300" dirty="0"/>
               <a:t>Collect reduced model bases together to obtain a parametric model</a:t>
             </a:r>
           </a:p>
@@ -8938,15 +11739,15 @@
               <a:buChar char="•"/>
             </a:pPr>
             <a:r>
-              <a:rPr lang="en-IN" dirty="0"/>
+              <a:rPr lang="en-IN" sz="1300" dirty="0"/>
               <a:t>Reduce the parametric model using either global or local </a:t>
             </a:r>
             <a:r>
-              <a:rPr lang="en-IN" dirty="0" err="1"/>
+              <a:rPr lang="en-IN" sz="1300" dirty="0" err="1"/>
               <a:t>pMOR</a:t>
             </a:r>
             <a:r>
-              <a:rPr lang="en-IN" dirty="0"/>
+              <a:rPr lang="en-IN" sz="1300" dirty="0"/>
               <a:t> technique </a:t>
             </a:r>
           </a:p>
@@ -8956,8 +11757,16 @@
               <a:buChar char="•"/>
             </a:pPr>
             <a:r>
-              <a:rPr lang="en-IN" dirty="0"/>
-              <a:t>Solve the reduced system model at required parameter value</a:t>
+              <a:rPr lang="en-IN" sz="1300" dirty="0"/>
+              <a:t>Interpolation in the case of local </a:t>
+            </a:r>
+            <a:r>
+              <a:rPr lang="en-IN" sz="1300" dirty="0" err="1"/>
+              <a:t>pMOR</a:t>
+            </a:r>
+            <a:r>
+              <a:rPr lang="en-IN" sz="1300" dirty="0"/>
+              <a:t> has been done using cubic splines</a:t>
             </a:r>
           </a:p>
           <a:p>
@@ -8966,7 +11775,17 @@
               <a:buChar char="•"/>
             </a:pPr>
             <a:r>
-              <a:rPr lang="en-IN" dirty="0"/>
+              <a:rPr lang="en-IN" sz="1300" dirty="0"/>
+              <a:t>Solve the reduced system model at required parameter value</a:t>
+            </a:r>
+          </a:p>
+          <a:p>
+            <a:pPr marL="285750" indent="-285750">
+              <a:buFont typeface="Arial" panose="020B0604020202020204" pitchFamily="34" charset="0"/>
+              <a:buChar char="•"/>
+            </a:pPr>
+            <a:r>
+              <a:rPr lang="en-IN" sz="1300" dirty="0"/>
               <a:t>Obtain the frequency response for a sweep of frequencies   </a:t>
             </a:r>
           </a:p>
@@ -9029,7 +11848,7 @@
             <a:fld id="{CE58CB1E-F828-4F11-99E0-327109AF9DA4}" type="slidenum">
               <a:rPr lang="de-DE" smtClean="0"/>
               <a:pPr/>
-              <a:t>6</a:t>
+              <a:t>7</a:t>
             </a:fld>
             <a:endParaRPr lang="de-DE" dirty="0"/>
           </a:p>
@@ -9057,13 +11876,43 @@
           <a:lstStyle/>
           <a:p>
             <a:r>
-              <a:rPr lang="de-DE"/>
-              <a:t>Dr. rer. nat. Erika Mustermann (TUM) | kann beliebig erweitert werden | Infos mit Strich trennen</a:t>
+              <a:rPr lang="de-DE" dirty="0"/>
+              <a:t>Raúl San Miguel</a:t>
             </a:r>
             <a:endParaRPr lang="en-US" dirty="0"/>
           </a:p>
         </p:txBody>
       </p:sp>
+      <p:pic>
+        <p:nvPicPr>
+          <p:cNvPr id="7" name="Picture 6">
+            <a:extLst>
+              <a:ext uri="{FF2B5EF4-FFF2-40B4-BE49-F238E27FC236}">
+                <a16:creationId xmlns:a16="http://schemas.microsoft.com/office/drawing/2014/main" id="{E50E543E-FFC0-4998-50A8-2847ABAF90C0}"/>
+              </a:ext>
+            </a:extLst>
+          </p:cNvPr>
+          <p:cNvPicPr>
+            <a:picLocks noChangeAspect="1"/>
+          </p:cNvPicPr>
+          <p:nvPr/>
+        </p:nvPicPr>
+        <p:blipFill>
+          <a:blip r:embed="rId2"/>
+          <a:stretch>
+            <a:fillRect/>
+          </a:stretch>
+        </p:blipFill>
+        <p:spPr>
+          <a:xfrm>
+            <a:off x="5669952" y="1974850"/>
+            <a:ext cx="3154957" cy="1815841"/>
+          </a:xfrm>
+          <a:prstGeom prst="rect">
+            <a:avLst/>
+          </a:prstGeom>
+        </p:spPr>
+      </p:pic>
     </p:spTree>
     <p:extLst>
       <p:ext uri="{BB962C8B-B14F-4D97-AF65-F5344CB8AC3E}">
@@ -9080,7 +11929,7 @@
 </p:sld>
 </file>
 
-<file path=ppt/slides/slide7.xml><?xml version="1.0" encoding="utf-8"?>
+<file path=ppt/slides/slide8.xml><?xml version="1.0" encoding="utf-8"?>
 <p:sld xmlns:a="http://schemas.openxmlformats.org/drawingml/2006/main" xmlns:r="http://schemas.openxmlformats.org/officeDocument/2006/relationships" xmlns:p="http://schemas.openxmlformats.org/presentationml/2006/main">
   <p:cSld>
     <p:spTree>
@@ -9140,7 +11989,636 @@
                 </a:pPr>
                 <a:r>
                   <a:rPr lang="en-IN" dirty="0"/>
-                  <a:t>while  </a:t>
+                  <a:t>Compute initial projection matrices </a:t>
+                </a:r>
+                <a14:m>
+                  <m:oMath xmlns:m="http://schemas.openxmlformats.org/officeDocument/2006/math">
+                    <m:sSub>
+                      <m:sSubPr>
+                        <m:ctrlPr>
+                          <a:rPr lang="en-IN" i="1" smtClean="0">
+                            <a:latin typeface="Cambria Math" panose="02040503050406030204" pitchFamily="18" charset="0"/>
+                          </a:rPr>
+                        </m:ctrlPr>
+                      </m:sSubPr>
+                      <m:e>
+                        <m:r>
+                          <a:rPr lang="en-IN" b="0" i="1" smtClean="0">
+                            <a:latin typeface="Cambria Math" panose="02040503050406030204" pitchFamily="18" charset="0"/>
+                          </a:rPr>
+                          <m:t>𝑉</m:t>
+                        </m:r>
+                      </m:e>
+                      <m:sub>
+                        <m:r>
+                          <a:rPr lang="en-IN" b="0" i="1" smtClean="0">
+                            <a:latin typeface="Cambria Math" panose="02040503050406030204" pitchFamily="18" charset="0"/>
+                          </a:rPr>
+                          <m:t>𝑟</m:t>
+                        </m:r>
+                      </m:sub>
+                    </m:sSub>
+                  </m:oMath>
+                </a14:m>
+                <a:r>
+                  <a:rPr lang="en-IN" dirty="0"/>
+                  <a:t>, </a:t>
+                </a:r>
+                <a14:m>
+                  <m:oMath xmlns:m="http://schemas.openxmlformats.org/officeDocument/2006/math">
+                    <m:sSub>
+                      <m:sSubPr>
+                        <m:ctrlPr>
+                          <a:rPr lang="en-IN" i="1" smtClean="0">
+                            <a:latin typeface="Cambria Math" panose="02040503050406030204" pitchFamily="18" charset="0"/>
+                          </a:rPr>
+                        </m:ctrlPr>
+                      </m:sSubPr>
+                      <m:e>
+                        <m:r>
+                          <a:rPr lang="en-IN" b="0" i="1" smtClean="0">
+                            <a:latin typeface="Cambria Math" panose="02040503050406030204" pitchFamily="18" charset="0"/>
+                          </a:rPr>
+                          <m:t>𝑊</m:t>
+                        </m:r>
+                      </m:e>
+                      <m:sub>
+                        <m:r>
+                          <a:rPr lang="en-IN" b="0" i="1" smtClean="0">
+                            <a:latin typeface="Cambria Math" panose="02040503050406030204" pitchFamily="18" charset="0"/>
+                          </a:rPr>
+                          <m:t>𝑟</m:t>
+                        </m:r>
+                      </m:sub>
+                    </m:sSub>
+                    <m:r>
+                      <a:rPr lang="en-IN" b="0" i="1" smtClean="0">
+                        <a:latin typeface="Cambria Math" panose="02040503050406030204" pitchFamily="18" charset="0"/>
+                      </a:rPr>
+                      <m:t> </m:t>
+                    </m:r>
+                  </m:oMath>
+                </a14:m>
+                <a:endParaRPr lang="en-IN" b="0" i="1" dirty="0">
+                  <a:latin typeface="Cambria Math" panose="02040503050406030204" pitchFamily="18" charset="0"/>
+                </a:endParaRPr>
+              </a:p>
+              <a:p>
+                <a:pPr marL="285750" indent="-285750">
+                  <a:buFont typeface="Arial" panose="020B0604020202020204" pitchFamily="34" charset="0"/>
+                  <a:buChar char="•"/>
+                </a:pPr>
+                <a14:m>
+                  <m:oMath xmlns:m="http://schemas.openxmlformats.org/officeDocument/2006/math">
+                    <m:sSub>
+                      <m:sSubPr>
+                        <m:ctrlPr>
+                          <a:rPr lang="en-IN" i="1" smtClean="0">
+                            <a:latin typeface="Cambria Math" panose="02040503050406030204" pitchFamily="18" charset="0"/>
+                          </a:rPr>
+                        </m:ctrlPr>
+                      </m:sSubPr>
+                      <m:e>
+                        <m:r>
+                          <a:rPr lang="en-IN" b="0" i="1" smtClean="0">
+                            <a:latin typeface="Cambria Math" panose="02040503050406030204" pitchFamily="18" charset="0"/>
+                          </a:rPr>
+                          <m:t>𝑀</m:t>
+                        </m:r>
+                      </m:e>
+                      <m:sub>
+                        <m:r>
+                          <a:rPr lang="en-IN" b="0" i="1" smtClean="0">
+                            <a:latin typeface="Cambria Math" panose="02040503050406030204" pitchFamily="18" charset="0"/>
+                          </a:rPr>
+                          <m:t>𝑟</m:t>
+                        </m:r>
+                      </m:sub>
+                    </m:sSub>
+                    <m:r>
+                      <a:rPr lang="en-IN" b="0" i="1" smtClean="0">
+                        <a:latin typeface="Cambria Math" panose="02040503050406030204" pitchFamily="18" charset="0"/>
+                      </a:rPr>
+                      <m:t>=</m:t>
+                    </m:r>
+                    <m:sSubSup>
+                      <m:sSubSupPr>
+                        <m:ctrlPr>
+                          <a:rPr lang="en-IN" i="1">
+                            <a:latin typeface="Cambria Math" panose="02040503050406030204" pitchFamily="18" charset="0"/>
+                          </a:rPr>
+                        </m:ctrlPr>
+                      </m:sSubSupPr>
+                      <m:e>
+                        <m:r>
+                          <a:rPr lang="en-IN" i="1">
+                            <a:latin typeface="Cambria Math" panose="02040503050406030204" pitchFamily="18" charset="0"/>
+                          </a:rPr>
+                          <m:t>𝑊</m:t>
+                        </m:r>
+                      </m:e>
+                      <m:sub>
+                        <m:r>
+                          <a:rPr lang="en-IN" i="1">
+                            <a:latin typeface="Cambria Math" panose="02040503050406030204" pitchFamily="18" charset="0"/>
+                          </a:rPr>
+                          <m:t>𝑟</m:t>
+                        </m:r>
+                      </m:sub>
+                      <m:sup>
+                        <m:r>
+                          <a:rPr lang="en-IN" i="1">
+                            <a:latin typeface="Cambria Math" panose="02040503050406030204" pitchFamily="18" charset="0"/>
+                          </a:rPr>
+                          <m:t>∗</m:t>
+                        </m:r>
+                      </m:sup>
+                    </m:sSubSup>
+                    <m:r>
+                      <a:rPr lang="en-IN" b="0" i="1" smtClean="0">
+                        <a:latin typeface="Cambria Math" panose="02040503050406030204" pitchFamily="18" charset="0"/>
+                      </a:rPr>
+                      <m:t>𝑀</m:t>
+                    </m:r>
+                    <m:sSub>
+                      <m:sSubPr>
+                        <m:ctrlPr>
+                          <a:rPr lang="en-IN" i="1">
+                            <a:latin typeface="Cambria Math" panose="02040503050406030204" pitchFamily="18" charset="0"/>
+                          </a:rPr>
+                        </m:ctrlPr>
+                      </m:sSubPr>
+                      <m:e>
+                        <m:r>
+                          <a:rPr lang="en-IN" i="1">
+                            <a:latin typeface="Cambria Math" panose="02040503050406030204" pitchFamily="18" charset="0"/>
+                          </a:rPr>
+                          <m:t>𝑉</m:t>
+                        </m:r>
+                      </m:e>
+                      <m:sub>
+                        <m:r>
+                          <a:rPr lang="en-IN" i="1">
+                            <a:latin typeface="Cambria Math" panose="02040503050406030204" pitchFamily="18" charset="0"/>
+                          </a:rPr>
+                          <m:t>𝑟</m:t>
+                        </m:r>
+                      </m:sub>
+                    </m:sSub>
+                  </m:oMath>
+                </a14:m>
+                <a:r>
+                  <a:rPr lang="en-IN" dirty="0"/>
+                  <a:t>, </a:t>
+                </a:r>
+                <a14:m>
+                  <m:oMath xmlns:m="http://schemas.openxmlformats.org/officeDocument/2006/math">
+                    <m:sSub>
+                      <m:sSubPr>
+                        <m:ctrlPr>
+                          <a:rPr lang="en-IN" i="1">
+                            <a:latin typeface="Cambria Math" panose="02040503050406030204" pitchFamily="18" charset="0"/>
+                          </a:rPr>
+                        </m:ctrlPr>
+                      </m:sSubPr>
+                      <m:e>
+                        <m:r>
+                          <a:rPr lang="en-IN" b="0" i="1" smtClean="0">
+                            <a:latin typeface="Cambria Math" panose="02040503050406030204" pitchFamily="18" charset="0"/>
+                          </a:rPr>
+                          <m:t>𝐷</m:t>
+                        </m:r>
+                      </m:e>
+                      <m:sub>
+                        <m:r>
+                          <a:rPr lang="en-IN" b="0" i="1" smtClean="0">
+                            <a:latin typeface="Cambria Math" panose="02040503050406030204" pitchFamily="18" charset="0"/>
+                          </a:rPr>
+                          <m:t>𝑟</m:t>
+                        </m:r>
+                      </m:sub>
+                    </m:sSub>
+                    <m:r>
+                      <a:rPr lang="en-IN" i="1">
+                        <a:latin typeface="Cambria Math" panose="02040503050406030204" pitchFamily="18" charset="0"/>
+                      </a:rPr>
+                      <m:t>=</m:t>
+                    </m:r>
+                    <m:sSubSup>
+                      <m:sSubSupPr>
+                        <m:ctrlPr>
+                          <a:rPr lang="en-IN" i="1" smtClean="0">
+                            <a:latin typeface="Cambria Math" panose="02040503050406030204" pitchFamily="18" charset="0"/>
+                          </a:rPr>
+                        </m:ctrlPr>
+                      </m:sSubSupPr>
+                      <m:e>
+                        <m:r>
+                          <a:rPr lang="en-IN" b="0" i="1" smtClean="0">
+                            <a:latin typeface="Cambria Math" panose="02040503050406030204" pitchFamily="18" charset="0"/>
+                          </a:rPr>
+                          <m:t>𝑊</m:t>
+                        </m:r>
+                      </m:e>
+                      <m:sub>
+                        <m:r>
+                          <a:rPr lang="en-IN" b="0" i="1" smtClean="0">
+                            <a:latin typeface="Cambria Math" panose="02040503050406030204" pitchFamily="18" charset="0"/>
+                          </a:rPr>
+                          <m:t>𝑟</m:t>
+                        </m:r>
+                      </m:sub>
+                      <m:sup>
+                        <m:r>
+                          <a:rPr lang="en-IN" b="0" i="1" smtClean="0">
+                            <a:latin typeface="Cambria Math" panose="02040503050406030204" pitchFamily="18" charset="0"/>
+                          </a:rPr>
+                          <m:t>∗</m:t>
+                        </m:r>
+                      </m:sup>
+                    </m:sSubSup>
+                    <m:r>
+                      <a:rPr lang="en-IN" b="0" i="1" smtClean="0">
+                        <a:latin typeface="Cambria Math" panose="02040503050406030204" pitchFamily="18" charset="0"/>
+                      </a:rPr>
+                      <m:t>𝐷</m:t>
+                    </m:r>
+                    <m:sSub>
+                      <m:sSubPr>
+                        <m:ctrlPr>
+                          <a:rPr lang="en-IN" i="1">
+                            <a:latin typeface="Cambria Math" panose="02040503050406030204" pitchFamily="18" charset="0"/>
+                          </a:rPr>
+                        </m:ctrlPr>
+                      </m:sSubPr>
+                      <m:e>
+                        <m:r>
+                          <a:rPr lang="en-IN" b="0" i="1" smtClean="0">
+                            <a:latin typeface="Cambria Math" panose="02040503050406030204" pitchFamily="18" charset="0"/>
+                          </a:rPr>
+                          <m:t>𝑉</m:t>
+                        </m:r>
+                      </m:e>
+                      <m:sub>
+                        <m:r>
+                          <a:rPr lang="en-IN" b="0" i="1" smtClean="0">
+                            <a:latin typeface="Cambria Math" panose="02040503050406030204" pitchFamily="18" charset="0"/>
+                          </a:rPr>
+                          <m:t>𝑟</m:t>
+                        </m:r>
+                      </m:sub>
+                    </m:sSub>
+                  </m:oMath>
+                </a14:m>
+                <a:r>
+                  <a:rPr lang="en-IN" dirty="0"/>
+                  <a:t>, </a:t>
+                </a:r>
+                <a14:m>
+                  <m:oMath xmlns:m="http://schemas.openxmlformats.org/officeDocument/2006/math">
+                    <m:sSub>
+                      <m:sSubPr>
+                        <m:ctrlPr>
+                          <a:rPr lang="en-IN" i="1">
+                            <a:latin typeface="Cambria Math" panose="02040503050406030204" pitchFamily="18" charset="0"/>
+                          </a:rPr>
+                        </m:ctrlPr>
+                      </m:sSubPr>
+                      <m:e>
+                        <m:r>
+                          <a:rPr lang="en-IN" b="0" i="1" smtClean="0">
+                            <a:latin typeface="Cambria Math" panose="02040503050406030204" pitchFamily="18" charset="0"/>
+                          </a:rPr>
+                          <m:t>𝐾</m:t>
+                        </m:r>
+                      </m:e>
+                      <m:sub>
+                        <m:r>
+                          <a:rPr lang="en-IN" b="0" i="1" smtClean="0">
+                            <a:latin typeface="Cambria Math" panose="02040503050406030204" pitchFamily="18" charset="0"/>
+                          </a:rPr>
+                          <m:t>𝑟</m:t>
+                        </m:r>
+                      </m:sub>
+                    </m:sSub>
+                    <m:r>
+                      <a:rPr lang="en-IN" i="1">
+                        <a:latin typeface="Cambria Math" panose="02040503050406030204" pitchFamily="18" charset="0"/>
+                      </a:rPr>
+                      <m:t>=</m:t>
+                    </m:r>
+                    <m:sSubSup>
+                      <m:sSubSupPr>
+                        <m:ctrlPr>
+                          <a:rPr lang="en-IN" i="1">
+                            <a:latin typeface="Cambria Math" panose="02040503050406030204" pitchFamily="18" charset="0"/>
+                          </a:rPr>
+                        </m:ctrlPr>
+                      </m:sSubSupPr>
+                      <m:e>
+                        <m:r>
+                          <a:rPr lang="en-IN" i="1">
+                            <a:latin typeface="Cambria Math" panose="02040503050406030204" pitchFamily="18" charset="0"/>
+                          </a:rPr>
+                          <m:t>𝑊</m:t>
+                        </m:r>
+                      </m:e>
+                      <m:sub>
+                        <m:r>
+                          <a:rPr lang="en-IN" i="1">
+                            <a:latin typeface="Cambria Math" panose="02040503050406030204" pitchFamily="18" charset="0"/>
+                          </a:rPr>
+                          <m:t>𝑟</m:t>
+                        </m:r>
+                      </m:sub>
+                      <m:sup>
+                        <m:r>
+                          <a:rPr lang="en-IN" i="1">
+                            <a:latin typeface="Cambria Math" panose="02040503050406030204" pitchFamily="18" charset="0"/>
+                          </a:rPr>
+                          <m:t>∗</m:t>
+                        </m:r>
+                      </m:sup>
+                    </m:sSubSup>
+                    <m:r>
+                      <a:rPr lang="en-IN" b="0" i="1" smtClean="0">
+                        <a:latin typeface="Cambria Math" panose="02040503050406030204" pitchFamily="18" charset="0"/>
+                      </a:rPr>
+                      <m:t>𝐾</m:t>
+                    </m:r>
+                    <m:sSub>
+                      <m:sSubPr>
+                        <m:ctrlPr>
+                          <a:rPr lang="en-IN" i="1">
+                            <a:latin typeface="Cambria Math" panose="02040503050406030204" pitchFamily="18" charset="0"/>
+                          </a:rPr>
+                        </m:ctrlPr>
+                      </m:sSubPr>
+                      <m:e>
+                        <m:r>
+                          <a:rPr lang="en-IN" i="1">
+                            <a:latin typeface="Cambria Math" panose="02040503050406030204" pitchFamily="18" charset="0"/>
+                          </a:rPr>
+                          <m:t>𝑉</m:t>
+                        </m:r>
+                      </m:e>
+                      <m:sub>
+                        <m:r>
+                          <a:rPr lang="en-IN" i="1">
+                            <a:latin typeface="Cambria Math" panose="02040503050406030204" pitchFamily="18" charset="0"/>
+                          </a:rPr>
+                          <m:t>𝑟</m:t>
+                        </m:r>
+                      </m:sub>
+                    </m:sSub>
+                  </m:oMath>
+                </a14:m>
+                <a:endParaRPr lang="en-IN" dirty="0"/>
+              </a:p>
+              <a:p>
+                <a:pPr marL="285750" indent="-285750">
+                  <a:buFont typeface="Arial" panose="020B0604020202020204" pitchFamily="34" charset="0"/>
+                  <a:buChar char="•"/>
+                </a:pPr>
+                <a:r>
+                  <a:rPr lang="en-IN" dirty="0"/>
+                  <a:t>Solve the quadratic eigenvalue problem:	 </a:t>
+                </a:r>
+                <a14:m>
+                  <m:oMath xmlns:m="http://schemas.openxmlformats.org/officeDocument/2006/math">
+                    <m:sSup>
+                      <m:sSupPr>
+                        <m:ctrlPr>
+                          <a:rPr lang="pt-BR" i="1" smtClean="0">
+                            <a:latin typeface="Cambria Math" panose="02040503050406030204" pitchFamily="18" charset="0"/>
+                          </a:rPr>
+                        </m:ctrlPr>
+                      </m:sSupPr>
+                      <m:e>
+                        <m:r>
+                          <a:rPr lang="pt-BR" i="1" smtClean="0">
+                            <a:latin typeface="Cambria Math" panose="02040503050406030204" pitchFamily="18" charset="0"/>
+                            <a:ea typeface="Cambria Math" panose="02040503050406030204" pitchFamily="18" charset="0"/>
+                          </a:rPr>
+                          <m:t>𝜆</m:t>
+                        </m:r>
+                      </m:e>
+                      <m:sup>
+                        <m:r>
+                          <a:rPr lang="pt-BR" i="1" smtClean="0">
+                            <a:latin typeface="Cambria Math" panose="02040503050406030204" pitchFamily="18" charset="0"/>
+                          </a:rPr>
+                          <m:t>2</m:t>
+                        </m:r>
+                      </m:sup>
+                    </m:sSup>
+                    <m:sSub>
+                      <m:sSubPr>
+                        <m:ctrlPr>
+                          <a:rPr lang="pt-BR" i="1" smtClean="0">
+                            <a:latin typeface="Cambria Math" panose="02040503050406030204" pitchFamily="18" charset="0"/>
+                          </a:rPr>
+                        </m:ctrlPr>
+                      </m:sSubPr>
+                      <m:e>
+                        <m:r>
+                          <a:rPr lang="en-IN" b="0" i="1" smtClean="0">
+                            <a:latin typeface="Cambria Math" panose="02040503050406030204" pitchFamily="18" charset="0"/>
+                          </a:rPr>
+                          <m:t>𝑀</m:t>
+                        </m:r>
+                      </m:e>
+                      <m:sub>
+                        <m:r>
+                          <a:rPr lang="en-IN" b="0" i="1" smtClean="0">
+                            <a:latin typeface="Cambria Math" panose="02040503050406030204" pitchFamily="18" charset="0"/>
+                          </a:rPr>
+                          <m:t>𝑟</m:t>
+                        </m:r>
+                      </m:sub>
+                    </m:sSub>
+                    <m:r>
+                      <a:rPr lang="pt-BR" i="1" smtClean="0">
+                        <a:latin typeface="Cambria Math" panose="02040503050406030204" pitchFamily="18" charset="0"/>
+                      </a:rPr>
+                      <m:t>+</m:t>
+                    </m:r>
+                    <m:sSub>
+                      <m:sSubPr>
+                        <m:ctrlPr>
+                          <a:rPr lang="pt-BR" i="1" smtClean="0">
+                            <a:latin typeface="Cambria Math" panose="02040503050406030204" pitchFamily="18" charset="0"/>
+                          </a:rPr>
+                        </m:ctrlPr>
+                      </m:sSubPr>
+                      <m:e>
+                        <m:r>
+                          <a:rPr lang="pt-BR" i="1" smtClean="0">
+                            <a:latin typeface="Cambria Math" panose="02040503050406030204" pitchFamily="18" charset="0"/>
+                            <a:ea typeface="Cambria Math" panose="02040503050406030204" pitchFamily="18" charset="0"/>
+                          </a:rPr>
+                          <m:t>𝜆</m:t>
+                        </m:r>
+                        <m:r>
+                          <a:rPr lang="en-IN" b="0" i="1" smtClean="0">
+                            <a:latin typeface="Cambria Math" panose="02040503050406030204" pitchFamily="18" charset="0"/>
+                          </a:rPr>
+                          <m:t>𝐷</m:t>
+                        </m:r>
+                      </m:e>
+                      <m:sub>
+                        <m:r>
+                          <a:rPr lang="en-IN" b="0" i="1" smtClean="0">
+                            <a:latin typeface="Cambria Math" panose="02040503050406030204" pitchFamily="18" charset="0"/>
+                          </a:rPr>
+                          <m:t>𝑟</m:t>
+                        </m:r>
+                      </m:sub>
+                    </m:sSub>
+                    <m:sSub>
+                      <m:sSubPr>
+                        <m:ctrlPr>
+                          <a:rPr lang="pt-BR" i="1" smtClean="0">
+                            <a:latin typeface="Cambria Math" panose="02040503050406030204" pitchFamily="18" charset="0"/>
+                          </a:rPr>
+                        </m:ctrlPr>
+                      </m:sSubPr>
+                      <m:e>
+                        <m:r>
+                          <a:rPr lang="en-IN" b="0" i="1" smtClean="0">
+                            <a:latin typeface="Cambria Math" panose="02040503050406030204" pitchFamily="18" charset="0"/>
+                          </a:rPr>
+                          <m:t>+</m:t>
+                        </m:r>
+                        <m:r>
+                          <a:rPr lang="en-IN" b="0" i="1" smtClean="0">
+                            <a:latin typeface="Cambria Math" panose="02040503050406030204" pitchFamily="18" charset="0"/>
+                          </a:rPr>
+                          <m:t>𝐾</m:t>
+                        </m:r>
+                      </m:e>
+                      <m:sub>
+                        <m:r>
+                          <a:rPr lang="en-IN" b="0" i="1" smtClean="0">
+                            <a:latin typeface="Cambria Math" panose="02040503050406030204" pitchFamily="18" charset="0"/>
+                          </a:rPr>
+                          <m:t>𝑟</m:t>
+                        </m:r>
+                      </m:sub>
+                    </m:sSub>
+                    <m:r>
+                      <a:rPr lang="pt-BR" i="1" smtClean="0">
+                        <a:latin typeface="Cambria Math" panose="02040503050406030204" pitchFamily="18" charset="0"/>
+                      </a:rPr>
+                      <m:t>=</m:t>
+                    </m:r>
+                    <m:r>
+                      <a:rPr lang="en-IN" b="0" i="1" smtClean="0">
+                        <a:latin typeface="Cambria Math" panose="02040503050406030204" pitchFamily="18" charset="0"/>
+                      </a:rPr>
+                      <m:t>0</m:t>
+                    </m:r>
+                  </m:oMath>
+                </a14:m>
+                <a:endParaRPr lang="en-IN" dirty="0"/>
+              </a:p>
+              <a:p>
+                <a:pPr marL="285750" indent="-285750">
+                  <a:buFont typeface="Arial" panose="020B0604020202020204" pitchFamily="34" charset="0"/>
+                  <a:buChar char="•"/>
+                </a:pPr>
+                <a:r>
+                  <a:rPr lang="en-IN" dirty="0"/>
+                  <a:t>Choose </a:t>
+                </a:r>
+                <a:r>
+                  <a:rPr lang="en-IN" i="1" dirty="0">
+                    <a:latin typeface="Cambria" panose="02040503050406030204" pitchFamily="18" charset="0"/>
+                    <a:ea typeface="Cambria" panose="02040503050406030204" pitchFamily="18" charset="0"/>
+                  </a:rPr>
+                  <a:t>r</a:t>
+                </a:r>
+                <a:r>
+                  <a:rPr lang="en-IN" dirty="0"/>
+                  <a:t> eigenvalues and update expansion points </a:t>
+                </a:r>
+                <a14:m>
+                  <m:oMath xmlns:m="http://schemas.openxmlformats.org/officeDocument/2006/math">
+                    <m:sSub>
+                      <m:sSubPr>
+                        <m:ctrlPr>
+                          <a:rPr lang="en-IN" i="1" smtClean="0">
+                            <a:latin typeface="Cambria Math" panose="02040503050406030204" pitchFamily="18" charset="0"/>
+                          </a:rPr>
+                        </m:ctrlPr>
+                      </m:sSubPr>
+                      <m:e>
+                        <m:r>
+                          <a:rPr lang="en-IN" b="0" i="1" smtClean="0">
+                            <a:latin typeface="Cambria Math" panose="02040503050406030204" pitchFamily="18" charset="0"/>
+                          </a:rPr>
+                          <m:t>𝑆</m:t>
+                        </m:r>
+                      </m:e>
+                      <m:sub>
+                        <m:r>
+                          <a:rPr lang="en-IN" b="0" i="1" smtClean="0">
+                            <a:latin typeface="Cambria Math" panose="02040503050406030204" pitchFamily="18" charset="0"/>
+                          </a:rPr>
+                          <m:t>0</m:t>
+                        </m:r>
+                      </m:sub>
+                    </m:sSub>
+                    <m:r>
+                      <a:rPr lang="en-IN" i="1">
+                        <a:latin typeface="Cambria Math" panose="02040503050406030204" pitchFamily="18" charset="0"/>
+                      </a:rPr>
+                      <m:t>←</m:t>
+                    </m:r>
+                    <m:sSub>
+                      <m:sSubPr>
+                        <m:ctrlPr>
+                          <a:rPr lang="en-IN" i="1" smtClean="0">
+                            <a:latin typeface="Cambria Math" panose="02040503050406030204" pitchFamily="18" charset="0"/>
+                          </a:rPr>
+                        </m:ctrlPr>
+                      </m:sSubPr>
+                      <m:e>
+                        <m:r>
+                          <a:rPr lang="en-IN" b="0" i="1" smtClean="0">
+                            <a:latin typeface="Cambria Math" panose="02040503050406030204" pitchFamily="18" charset="0"/>
+                          </a:rPr>
+                          <m:t>−</m:t>
+                        </m:r>
+                        <m:r>
+                          <a:rPr lang="en-IN" i="1" smtClean="0">
+                            <a:latin typeface="Cambria Math" panose="02040503050406030204" pitchFamily="18" charset="0"/>
+                            <a:ea typeface="Cambria Math" panose="02040503050406030204" pitchFamily="18" charset="0"/>
+                          </a:rPr>
+                          <m:t>𝜆</m:t>
+                        </m:r>
+                      </m:e>
+                      <m:sub>
+                        <m:r>
+                          <a:rPr lang="en-IN" b="0" i="1" smtClean="0">
+                            <a:latin typeface="Cambria Math" panose="02040503050406030204" pitchFamily="18" charset="0"/>
+                          </a:rPr>
+                          <m:t>𝑟</m:t>
+                        </m:r>
+                      </m:sub>
+                    </m:sSub>
+                  </m:oMath>
+                </a14:m>
+                <a:endParaRPr lang="en-IN" dirty="0"/>
+              </a:p>
+              <a:p>
+                <a:pPr marL="285750" indent="-285750">
+                  <a:buFont typeface="Arial" panose="020B0604020202020204" pitchFamily="34" charset="0"/>
+                  <a:buChar char="•"/>
+                </a:pPr>
+                <a:r>
+                  <a:rPr lang="en-IN" dirty="0"/>
+                  <a:t>Repeat above steps while  </a:t>
                 </a:r>
                 <a14:m>
                   <m:oMath xmlns:m="http://schemas.openxmlformats.org/officeDocument/2006/math">
@@ -9342,636 +12820,7 @@
                 </a:pPr>
                 <a:r>
                   <a:rPr lang="en-IN" dirty="0"/>
-                  <a:t>Compute initial projection matrices </a:t>
-                </a:r>
-                <a14:m>
-                  <m:oMath xmlns:m="http://schemas.openxmlformats.org/officeDocument/2006/math">
-                    <m:sSub>
-                      <m:sSubPr>
-                        <m:ctrlPr>
-                          <a:rPr lang="en-IN" i="1" smtClean="0">
-                            <a:latin typeface="Cambria Math" panose="02040503050406030204" pitchFamily="18" charset="0"/>
-                          </a:rPr>
-                        </m:ctrlPr>
-                      </m:sSubPr>
-                      <m:e>
-                        <m:r>
-                          <a:rPr lang="en-IN" b="0" i="1" smtClean="0">
-                            <a:latin typeface="Cambria Math" panose="02040503050406030204" pitchFamily="18" charset="0"/>
-                          </a:rPr>
-                          <m:t>𝑉</m:t>
-                        </m:r>
-                      </m:e>
-                      <m:sub>
-                        <m:r>
-                          <a:rPr lang="en-IN" b="0" i="1" smtClean="0">
-                            <a:latin typeface="Cambria Math" panose="02040503050406030204" pitchFamily="18" charset="0"/>
-                          </a:rPr>
-                          <m:t>𝑟</m:t>
-                        </m:r>
-                      </m:sub>
-                    </m:sSub>
-                  </m:oMath>
-                </a14:m>
-                <a:r>
-                  <a:rPr lang="en-IN" dirty="0"/>
-                  <a:t>, </a:t>
-                </a:r>
-                <a14:m>
-                  <m:oMath xmlns:m="http://schemas.openxmlformats.org/officeDocument/2006/math">
-                    <m:sSub>
-                      <m:sSubPr>
-                        <m:ctrlPr>
-                          <a:rPr lang="en-IN" i="1" smtClean="0">
-                            <a:latin typeface="Cambria Math" panose="02040503050406030204" pitchFamily="18" charset="0"/>
-                          </a:rPr>
-                        </m:ctrlPr>
-                      </m:sSubPr>
-                      <m:e>
-                        <m:r>
-                          <a:rPr lang="en-IN" b="0" i="1" smtClean="0">
-                            <a:latin typeface="Cambria Math" panose="02040503050406030204" pitchFamily="18" charset="0"/>
-                          </a:rPr>
-                          <m:t>𝑊</m:t>
-                        </m:r>
-                      </m:e>
-                      <m:sub>
-                        <m:r>
-                          <a:rPr lang="en-IN" b="0" i="1" smtClean="0">
-                            <a:latin typeface="Cambria Math" panose="02040503050406030204" pitchFamily="18" charset="0"/>
-                          </a:rPr>
-                          <m:t>𝑟</m:t>
-                        </m:r>
-                      </m:sub>
-                    </m:sSub>
-                    <m:r>
-                      <a:rPr lang="en-IN" b="0" i="1" smtClean="0">
-                        <a:latin typeface="Cambria Math" panose="02040503050406030204" pitchFamily="18" charset="0"/>
-                      </a:rPr>
-                      <m:t> </m:t>
-                    </m:r>
-                  </m:oMath>
-                </a14:m>
-                <a:endParaRPr lang="en-IN" b="0" i="1" dirty="0">
-                  <a:latin typeface="Cambria Math" panose="02040503050406030204" pitchFamily="18" charset="0"/>
-                </a:endParaRPr>
-              </a:p>
-              <a:p>
-                <a:pPr marL="285750" indent="-285750">
-                  <a:buFont typeface="Arial" panose="020B0604020202020204" pitchFamily="34" charset="0"/>
-                  <a:buChar char="•"/>
-                </a:pPr>
-                <a14:m>
-                  <m:oMath xmlns:m="http://schemas.openxmlformats.org/officeDocument/2006/math">
-                    <m:sSub>
-                      <m:sSubPr>
-                        <m:ctrlPr>
-                          <a:rPr lang="en-IN" i="1" smtClean="0">
-                            <a:latin typeface="Cambria Math" panose="02040503050406030204" pitchFamily="18" charset="0"/>
-                          </a:rPr>
-                        </m:ctrlPr>
-                      </m:sSubPr>
-                      <m:e>
-                        <m:r>
-                          <a:rPr lang="en-IN" b="0" i="1" smtClean="0">
-                            <a:latin typeface="Cambria Math" panose="02040503050406030204" pitchFamily="18" charset="0"/>
-                          </a:rPr>
-                          <m:t>𝑀</m:t>
-                        </m:r>
-                      </m:e>
-                      <m:sub>
-                        <m:r>
-                          <a:rPr lang="en-IN" b="0" i="1" smtClean="0">
-                            <a:latin typeface="Cambria Math" panose="02040503050406030204" pitchFamily="18" charset="0"/>
-                          </a:rPr>
-                          <m:t>𝑟</m:t>
-                        </m:r>
-                      </m:sub>
-                    </m:sSub>
-                    <m:r>
-                      <a:rPr lang="en-IN" b="0" i="1" smtClean="0">
-                        <a:latin typeface="Cambria Math" panose="02040503050406030204" pitchFamily="18" charset="0"/>
-                      </a:rPr>
-                      <m:t>=</m:t>
-                    </m:r>
-                    <m:sSubSup>
-                      <m:sSubSupPr>
-                        <m:ctrlPr>
-                          <a:rPr lang="en-IN" i="1">
-                            <a:latin typeface="Cambria Math" panose="02040503050406030204" pitchFamily="18" charset="0"/>
-                          </a:rPr>
-                        </m:ctrlPr>
-                      </m:sSubSupPr>
-                      <m:e>
-                        <m:r>
-                          <a:rPr lang="en-IN" i="1">
-                            <a:latin typeface="Cambria Math" panose="02040503050406030204" pitchFamily="18" charset="0"/>
-                          </a:rPr>
-                          <m:t>𝑊</m:t>
-                        </m:r>
-                      </m:e>
-                      <m:sub>
-                        <m:r>
-                          <a:rPr lang="en-IN" i="1">
-                            <a:latin typeface="Cambria Math" panose="02040503050406030204" pitchFamily="18" charset="0"/>
-                          </a:rPr>
-                          <m:t>𝑟</m:t>
-                        </m:r>
-                      </m:sub>
-                      <m:sup>
-                        <m:r>
-                          <a:rPr lang="en-IN" i="1">
-                            <a:latin typeface="Cambria Math" panose="02040503050406030204" pitchFamily="18" charset="0"/>
-                          </a:rPr>
-                          <m:t>∗</m:t>
-                        </m:r>
-                      </m:sup>
-                    </m:sSubSup>
-                    <m:r>
-                      <a:rPr lang="en-IN" b="0" i="1" smtClean="0">
-                        <a:latin typeface="Cambria Math" panose="02040503050406030204" pitchFamily="18" charset="0"/>
-                      </a:rPr>
-                      <m:t>𝑀</m:t>
-                    </m:r>
-                    <m:sSub>
-                      <m:sSubPr>
-                        <m:ctrlPr>
-                          <a:rPr lang="en-IN" i="1">
-                            <a:latin typeface="Cambria Math" panose="02040503050406030204" pitchFamily="18" charset="0"/>
-                          </a:rPr>
-                        </m:ctrlPr>
-                      </m:sSubPr>
-                      <m:e>
-                        <m:r>
-                          <a:rPr lang="en-IN" i="1">
-                            <a:latin typeface="Cambria Math" panose="02040503050406030204" pitchFamily="18" charset="0"/>
-                          </a:rPr>
-                          <m:t>𝑉</m:t>
-                        </m:r>
-                      </m:e>
-                      <m:sub>
-                        <m:r>
-                          <a:rPr lang="en-IN" i="1">
-                            <a:latin typeface="Cambria Math" panose="02040503050406030204" pitchFamily="18" charset="0"/>
-                          </a:rPr>
-                          <m:t>𝑟</m:t>
-                        </m:r>
-                      </m:sub>
-                    </m:sSub>
-                  </m:oMath>
-                </a14:m>
-                <a:r>
-                  <a:rPr lang="en-IN" dirty="0"/>
-                  <a:t>, </a:t>
-                </a:r>
-                <a14:m>
-                  <m:oMath xmlns:m="http://schemas.openxmlformats.org/officeDocument/2006/math">
-                    <m:sSub>
-                      <m:sSubPr>
-                        <m:ctrlPr>
-                          <a:rPr lang="en-IN" i="1">
-                            <a:latin typeface="Cambria Math" panose="02040503050406030204" pitchFamily="18" charset="0"/>
-                          </a:rPr>
-                        </m:ctrlPr>
-                      </m:sSubPr>
-                      <m:e>
-                        <m:r>
-                          <a:rPr lang="en-IN" b="0" i="1" smtClean="0">
-                            <a:latin typeface="Cambria Math" panose="02040503050406030204" pitchFamily="18" charset="0"/>
-                          </a:rPr>
-                          <m:t>𝐷</m:t>
-                        </m:r>
-                      </m:e>
-                      <m:sub>
-                        <m:r>
-                          <a:rPr lang="en-IN" b="0" i="1" smtClean="0">
-                            <a:latin typeface="Cambria Math" panose="02040503050406030204" pitchFamily="18" charset="0"/>
-                          </a:rPr>
-                          <m:t>𝑟</m:t>
-                        </m:r>
-                      </m:sub>
-                    </m:sSub>
-                    <m:r>
-                      <a:rPr lang="en-IN" i="1">
-                        <a:latin typeface="Cambria Math" panose="02040503050406030204" pitchFamily="18" charset="0"/>
-                      </a:rPr>
-                      <m:t>=</m:t>
-                    </m:r>
-                    <m:sSubSup>
-                      <m:sSubSupPr>
-                        <m:ctrlPr>
-                          <a:rPr lang="en-IN" i="1" smtClean="0">
-                            <a:latin typeface="Cambria Math" panose="02040503050406030204" pitchFamily="18" charset="0"/>
-                          </a:rPr>
-                        </m:ctrlPr>
-                      </m:sSubSupPr>
-                      <m:e>
-                        <m:r>
-                          <a:rPr lang="en-IN" b="0" i="1" smtClean="0">
-                            <a:latin typeface="Cambria Math" panose="02040503050406030204" pitchFamily="18" charset="0"/>
-                          </a:rPr>
-                          <m:t>𝑊</m:t>
-                        </m:r>
-                      </m:e>
-                      <m:sub>
-                        <m:r>
-                          <a:rPr lang="en-IN" b="0" i="1" smtClean="0">
-                            <a:latin typeface="Cambria Math" panose="02040503050406030204" pitchFamily="18" charset="0"/>
-                          </a:rPr>
-                          <m:t>𝑟</m:t>
-                        </m:r>
-                      </m:sub>
-                      <m:sup>
-                        <m:r>
-                          <a:rPr lang="en-IN" b="0" i="1" smtClean="0">
-                            <a:latin typeface="Cambria Math" panose="02040503050406030204" pitchFamily="18" charset="0"/>
-                          </a:rPr>
-                          <m:t>∗</m:t>
-                        </m:r>
-                      </m:sup>
-                    </m:sSubSup>
-                    <m:r>
-                      <a:rPr lang="en-IN" b="0" i="1" smtClean="0">
-                        <a:latin typeface="Cambria Math" panose="02040503050406030204" pitchFamily="18" charset="0"/>
-                      </a:rPr>
-                      <m:t>𝐷</m:t>
-                    </m:r>
-                    <m:sSub>
-                      <m:sSubPr>
-                        <m:ctrlPr>
-                          <a:rPr lang="en-IN" i="1">
-                            <a:latin typeface="Cambria Math" panose="02040503050406030204" pitchFamily="18" charset="0"/>
-                          </a:rPr>
-                        </m:ctrlPr>
-                      </m:sSubPr>
-                      <m:e>
-                        <m:r>
-                          <a:rPr lang="en-IN" b="0" i="1" smtClean="0">
-                            <a:latin typeface="Cambria Math" panose="02040503050406030204" pitchFamily="18" charset="0"/>
-                          </a:rPr>
-                          <m:t>𝑉</m:t>
-                        </m:r>
-                      </m:e>
-                      <m:sub>
-                        <m:r>
-                          <a:rPr lang="en-IN" b="0" i="1" smtClean="0">
-                            <a:latin typeface="Cambria Math" panose="02040503050406030204" pitchFamily="18" charset="0"/>
-                          </a:rPr>
-                          <m:t>𝑟</m:t>
-                        </m:r>
-                      </m:sub>
-                    </m:sSub>
-                  </m:oMath>
-                </a14:m>
-                <a:r>
-                  <a:rPr lang="en-IN" dirty="0"/>
-                  <a:t>, </a:t>
-                </a:r>
-                <a14:m>
-                  <m:oMath xmlns:m="http://schemas.openxmlformats.org/officeDocument/2006/math">
-                    <m:sSub>
-                      <m:sSubPr>
-                        <m:ctrlPr>
-                          <a:rPr lang="en-IN" i="1">
-                            <a:latin typeface="Cambria Math" panose="02040503050406030204" pitchFamily="18" charset="0"/>
-                          </a:rPr>
-                        </m:ctrlPr>
-                      </m:sSubPr>
-                      <m:e>
-                        <m:r>
-                          <a:rPr lang="en-IN" b="0" i="1" smtClean="0">
-                            <a:latin typeface="Cambria Math" panose="02040503050406030204" pitchFamily="18" charset="0"/>
-                          </a:rPr>
-                          <m:t>𝐾</m:t>
-                        </m:r>
-                      </m:e>
-                      <m:sub>
-                        <m:r>
-                          <a:rPr lang="en-IN" b="0" i="1" smtClean="0">
-                            <a:latin typeface="Cambria Math" panose="02040503050406030204" pitchFamily="18" charset="0"/>
-                          </a:rPr>
-                          <m:t>𝑟</m:t>
-                        </m:r>
-                      </m:sub>
-                    </m:sSub>
-                    <m:r>
-                      <a:rPr lang="en-IN" i="1">
-                        <a:latin typeface="Cambria Math" panose="02040503050406030204" pitchFamily="18" charset="0"/>
-                      </a:rPr>
-                      <m:t>=</m:t>
-                    </m:r>
-                    <m:sSubSup>
-                      <m:sSubSupPr>
-                        <m:ctrlPr>
-                          <a:rPr lang="en-IN" i="1">
-                            <a:latin typeface="Cambria Math" panose="02040503050406030204" pitchFamily="18" charset="0"/>
-                          </a:rPr>
-                        </m:ctrlPr>
-                      </m:sSubSupPr>
-                      <m:e>
-                        <m:r>
-                          <a:rPr lang="en-IN" i="1">
-                            <a:latin typeface="Cambria Math" panose="02040503050406030204" pitchFamily="18" charset="0"/>
-                          </a:rPr>
-                          <m:t>𝑊</m:t>
-                        </m:r>
-                      </m:e>
-                      <m:sub>
-                        <m:r>
-                          <a:rPr lang="en-IN" i="1">
-                            <a:latin typeface="Cambria Math" panose="02040503050406030204" pitchFamily="18" charset="0"/>
-                          </a:rPr>
-                          <m:t>𝑟</m:t>
-                        </m:r>
-                      </m:sub>
-                      <m:sup>
-                        <m:r>
-                          <a:rPr lang="en-IN" i="1">
-                            <a:latin typeface="Cambria Math" panose="02040503050406030204" pitchFamily="18" charset="0"/>
-                          </a:rPr>
-                          <m:t>∗</m:t>
-                        </m:r>
-                      </m:sup>
-                    </m:sSubSup>
-                    <m:r>
-                      <a:rPr lang="en-IN" b="0" i="1" smtClean="0">
-                        <a:latin typeface="Cambria Math" panose="02040503050406030204" pitchFamily="18" charset="0"/>
-                      </a:rPr>
-                      <m:t>𝐾</m:t>
-                    </m:r>
-                    <m:sSub>
-                      <m:sSubPr>
-                        <m:ctrlPr>
-                          <a:rPr lang="en-IN" i="1">
-                            <a:latin typeface="Cambria Math" panose="02040503050406030204" pitchFamily="18" charset="0"/>
-                          </a:rPr>
-                        </m:ctrlPr>
-                      </m:sSubPr>
-                      <m:e>
-                        <m:r>
-                          <a:rPr lang="en-IN" i="1">
-                            <a:latin typeface="Cambria Math" panose="02040503050406030204" pitchFamily="18" charset="0"/>
-                          </a:rPr>
-                          <m:t>𝑉</m:t>
-                        </m:r>
-                      </m:e>
-                      <m:sub>
-                        <m:r>
-                          <a:rPr lang="en-IN" i="1">
-                            <a:latin typeface="Cambria Math" panose="02040503050406030204" pitchFamily="18" charset="0"/>
-                          </a:rPr>
-                          <m:t>𝑟</m:t>
-                        </m:r>
-                      </m:sub>
-                    </m:sSub>
-                  </m:oMath>
-                </a14:m>
-                <a:endParaRPr lang="en-IN" dirty="0"/>
-              </a:p>
-              <a:p>
-                <a:pPr marL="285750" indent="-285750">
-                  <a:buFont typeface="Arial" panose="020B0604020202020204" pitchFamily="34" charset="0"/>
-                  <a:buChar char="•"/>
-                </a:pPr>
-                <a:r>
-                  <a:rPr lang="en-IN" dirty="0"/>
-                  <a:t>Solve the quadratic eigenvalue problem:	 </a:t>
-                </a:r>
-                <a14:m>
-                  <m:oMath xmlns:m="http://schemas.openxmlformats.org/officeDocument/2006/math">
-                    <m:sSup>
-                      <m:sSupPr>
-                        <m:ctrlPr>
-                          <a:rPr lang="pt-BR" i="1" smtClean="0">
-                            <a:latin typeface="Cambria Math" panose="02040503050406030204" pitchFamily="18" charset="0"/>
-                          </a:rPr>
-                        </m:ctrlPr>
-                      </m:sSupPr>
-                      <m:e>
-                        <m:r>
-                          <a:rPr lang="pt-BR" i="1" smtClean="0">
-                            <a:latin typeface="Cambria Math" panose="02040503050406030204" pitchFamily="18" charset="0"/>
-                            <a:ea typeface="Cambria Math" panose="02040503050406030204" pitchFamily="18" charset="0"/>
-                          </a:rPr>
-                          <m:t>𝜆</m:t>
-                        </m:r>
-                      </m:e>
-                      <m:sup>
-                        <m:r>
-                          <a:rPr lang="pt-BR" i="1" smtClean="0">
-                            <a:latin typeface="Cambria Math" panose="02040503050406030204" pitchFamily="18" charset="0"/>
-                          </a:rPr>
-                          <m:t>2</m:t>
-                        </m:r>
-                      </m:sup>
-                    </m:sSup>
-                    <m:sSub>
-                      <m:sSubPr>
-                        <m:ctrlPr>
-                          <a:rPr lang="pt-BR" i="1" smtClean="0">
-                            <a:latin typeface="Cambria Math" panose="02040503050406030204" pitchFamily="18" charset="0"/>
-                          </a:rPr>
-                        </m:ctrlPr>
-                      </m:sSubPr>
-                      <m:e>
-                        <m:r>
-                          <a:rPr lang="en-IN" b="0" i="1" smtClean="0">
-                            <a:latin typeface="Cambria Math" panose="02040503050406030204" pitchFamily="18" charset="0"/>
-                          </a:rPr>
-                          <m:t>𝑀</m:t>
-                        </m:r>
-                      </m:e>
-                      <m:sub>
-                        <m:r>
-                          <a:rPr lang="en-IN" b="0" i="1" smtClean="0">
-                            <a:latin typeface="Cambria Math" panose="02040503050406030204" pitchFamily="18" charset="0"/>
-                          </a:rPr>
-                          <m:t>𝑟</m:t>
-                        </m:r>
-                      </m:sub>
-                    </m:sSub>
-                    <m:r>
-                      <a:rPr lang="pt-BR" i="1" smtClean="0">
-                        <a:latin typeface="Cambria Math" panose="02040503050406030204" pitchFamily="18" charset="0"/>
-                      </a:rPr>
-                      <m:t>+</m:t>
-                    </m:r>
-                    <m:sSub>
-                      <m:sSubPr>
-                        <m:ctrlPr>
-                          <a:rPr lang="pt-BR" i="1" smtClean="0">
-                            <a:latin typeface="Cambria Math" panose="02040503050406030204" pitchFamily="18" charset="0"/>
-                          </a:rPr>
-                        </m:ctrlPr>
-                      </m:sSubPr>
-                      <m:e>
-                        <m:r>
-                          <a:rPr lang="pt-BR" i="1" smtClean="0">
-                            <a:latin typeface="Cambria Math" panose="02040503050406030204" pitchFamily="18" charset="0"/>
-                            <a:ea typeface="Cambria Math" panose="02040503050406030204" pitchFamily="18" charset="0"/>
-                          </a:rPr>
-                          <m:t>𝜆</m:t>
-                        </m:r>
-                        <m:r>
-                          <a:rPr lang="en-IN" b="0" i="1" smtClean="0">
-                            <a:latin typeface="Cambria Math" panose="02040503050406030204" pitchFamily="18" charset="0"/>
-                          </a:rPr>
-                          <m:t>𝐷</m:t>
-                        </m:r>
-                      </m:e>
-                      <m:sub>
-                        <m:r>
-                          <a:rPr lang="en-IN" b="0" i="1" smtClean="0">
-                            <a:latin typeface="Cambria Math" panose="02040503050406030204" pitchFamily="18" charset="0"/>
-                          </a:rPr>
-                          <m:t>𝑟</m:t>
-                        </m:r>
-                      </m:sub>
-                    </m:sSub>
-                    <m:sSub>
-                      <m:sSubPr>
-                        <m:ctrlPr>
-                          <a:rPr lang="pt-BR" i="1" smtClean="0">
-                            <a:latin typeface="Cambria Math" panose="02040503050406030204" pitchFamily="18" charset="0"/>
-                          </a:rPr>
-                        </m:ctrlPr>
-                      </m:sSubPr>
-                      <m:e>
-                        <m:r>
-                          <a:rPr lang="en-IN" b="0" i="1" smtClean="0">
-                            <a:latin typeface="Cambria Math" panose="02040503050406030204" pitchFamily="18" charset="0"/>
-                          </a:rPr>
-                          <m:t>+</m:t>
-                        </m:r>
-                        <m:r>
-                          <a:rPr lang="en-IN" b="0" i="1" smtClean="0">
-                            <a:latin typeface="Cambria Math" panose="02040503050406030204" pitchFamily="18" charset="0"/>
-                          </a:rPr>
-                          <m:t>𝐾</m:t>
-                        </m:r>
-                      </m:e>
-                      <m:sub>
-                        <m:r>
-                          <a:rPr lang="en-IN" b="0" i="1" smtClean="0">
-                            <a:latin typeface="Cambria Math" panose="02040503050406030204" pitchFamily="18" charset="0"/>
-                          </a:rPr>
-                          <m:t>𝑟</m:t>
-                        </m:r>
-                      </m:sub>
-                    </m:sSub>
-                    <m:r>
-                      <a:rPr lang="pt-BR" i="1" smtClean="0">
-                        <a:latin typeface="Cambria Math" panose="02040503050406030204" pitchFamily="18" charset="0"/>
-                      </a:rPr>
-                      <m:t>=</m:t>
-                    </m:r>
-                    <m:r>
-                      <a:rPr lang="en-IN" b="0" i="1" smtClean="0">
-                        <a:latin typeface="Cambria Math" panose="02040503050406030204" pitchFamily="18" charset="0"/>
-                      </a:rPr>
-                      <m:t>0</m:t>
-                    </m:r>
-                  </m:oMath>
-                </a14:m>
-                <a:endParaRPr lang="en-IN" dirty="0"/>
-              </a:p>
-              <a:p>
-                <a:pPr marL="285750" indent="-285750">
-                  <a:buFont typeface="Arial" panose="020B0604020202020204" pitchFamily="34" charset="0"/>
-                  <a:buChar char="•"/>
-                </a:pPr>
-                <a:r>
-                  <a:rPr lang="en-IN" dirty="0"/>
-                  <a:t>Choose </a:t>
-                </a:r>
-                <a:r>
-                  <a:rPr lang="en-IN" i="1" dirty="0">
-                    <a:latin typeface="Cambria" panose="02040503050406030204" pitchFamily="18" charset="0"/>
-                    <a:ea typeface="Cambria" panose="02040503050406030204" pitchFamily="18" charset="0"/>
-                  </a:rPr>
-                  <a:t>r</a:t>
-                </a:r>
-                <a:r>
-                  <a:rPr lang="en-IN" dirty="0"/>
-                  <a:t> eigenvalues and update expansion points </a:t>
-                </a:r>
-                <a14:m>
-                  <m:oMath xmlns:m="http://schemas.openxmlformats.org/officeDocument/2006/math">
-                    <m:sSub>
-                      <m:sSubPr>
-                        <m:ctrlPr>
-                          <a:rPr lang="en-IN" i="1" smtClean="0">
-                            <a:latin typeface="Cambria Math" panose="02040503050406030204" pitchFamily="18" charset="0"/>
-                          </a:rPr>
-                        </m:ctrlPr>
-                      </m:sSubPr>
-                      <m:e>
-                        <m:r>
-                          <a:rPr lang="en-IN" b="0" i="1" smtClean="0">
-                            <a:latin typeface="Cambria Math" panose="02040503050406030204" pitchFamily="18" charset="0"/>
-                          </a:rPr>
-                          <m:t>𝑆</m:t>
-                        </m:r>
-                      </m:e>
-                      <m:sub>
-                        <m:r>
-                          <a:rPr lang="en-IN" b="0" i="1" smtClean="0">
-                            <a:latin typeface="Cambria Math" panose="02040503050406030204" pitchFamily="18" charset="0"/>
-                          </a:rPr>
-                          <m:t>0</m:t>
-                        </m:r>
-                      </m:sub>
-                    </m:sSub>
-                    <m:r>
-                      <a:rPr lang="en-IN" i="1">
-                        <a:latin typeface="Cambria Math" panose="02040503050406030204" pitchFamily="18" charset="0"/>
-                      </a:rPr>
-                      <m:t>←</m:t>
-                    </m:r>
-                    <m:sSub>
-                      <m:sSubPr>
-                        <m:ctrlPr>
-                          <a:rPr lang="en-IN" i="1" smtClean="0">
-                            <a:latin typeface="Cambria Math" panose="02040503050406030204" pitchFamily="18" charset="0"/>
-                          </a:rPr>
-                        </m:ctrlPr>
-                      </m:sSubPr>
-                      <m:e>
-                        <m:r>
-                          <a:rPr lang="en-IN" b="0" i="1" smtClean="0">
-                            <a:latin typeface="Cambria Math" panose="02040503050406030204" pitchFamily="18" charset="0"/>
-                          </a:rPr>
-                          <m:t>−</m:t>
-                        </m:r>
-                        <m:r>
-                          <a:rPr lang="en-IN" i="1" smtClean="0">
-                            <a:latin typeface="Cambria Math" panose="02040503050406030204" pitchFamily="18" charset="0"/>
-                            <a:ea typeface="Cambria Math" panose="02040503050406030204" pitchFamily="18" charset="0"/>
-                          </a:rPr>
-                          <m:t>𝜆</m:t>
-                        </m:r>
-                      </m:e>
-                      <m:sub>
-                        <m:r>
-                          <a:rPr lang="en-IN" b="0" i="1" smtClean="0">
-                            <a:latin typeface="Cambria Math" panose="02040503050406030204" pitchFamily="18" charset="0"/>
-                          </a:rPr>
-                          <m:t>𝑟</m:t>
-                        </m:r>
-                      </m:sub>
-                    </m:sSub>
-                  </m:oMath>
-                </a14:m>
-                <a:endParaRPr lang="en-IN" dirty="0"/>
-              </a:p>
-              <a:p>
-                <a:pPr marL="285750" indent="-285750">
-                  <a:buFont typeface="Arial" panose="020B0604020202020204" pitchFamily="34" charset="0"/>
-                  <a:buChar char="•"/>
-                </a:pPr>
-                <a:r>
-                  <a:rPr lang="en-IN" dirty="0"/>
-                  <a:t>Returns reduced bases matrix </a:t>
+                  <a:t>Return reduced bases matrix </a:t>
                 </a:r>
                 <a14:m>
                   <m:oMath xmlns:m="http://schemas.openxmlformats.org/officeDocument/2006/math">
@@ -10123,7 +12972,7 @@
             <a:fld id="{CE58CB1E-F828-4F11-99E0-327109AF9DA4}" type="slidenum">
               <a:rPr lang="de-DE" smtClean="0"/>
               <a:pPr/>
-              <a:t>7</a:t>
+              <a:t>8</a:t>
             </a:fld>
             <a:endParaRPr lang="de-DE" dirty="0"/>
           </a:p>
@@ -10163,7 +13012,7 @@
 </p:sld>
 </file>
 
-<file path=ppt/slides/slide8.xml><?xml version="1.0" encoding="utf-8"?>
+<file path=ppt/slides/slide9.xml><?xml version="1.0" encoding="utf-8"?>
 <p:sld xmlns:a="http://schemas.openxmlformats.org/drawingml/2006/main" xmlns:r="http://schemas.openxmlformats.org/officeDocument/2006/relationships" xmlns:p="http://schemas.openxmlformats.org/presentationml/2006/main">
   <p:cSld>
     <p:spTree>
@@ -10211,7 +13060,7 @@
             </a:pPr>
             <a:r>
               <a:rPr lang="en-US" dirty="0"/>
-              <a:t>Parameter – Length</a:t>
+              <a:t>Parameter – Beam length</a:t>
             </a:r>
           </a:p>
           <a:p>
@@ -10223,8 +13072,10 @@
               <a:buChar char="•"/>
             </a:pPr>
             <a:r>
-              <a:rPr lang="en-US" dirty="0"/>
-              <a:t>All models give the same results </a:t>
+              <a:rPr lang="en-IN" b="0" i="0" dirty="0">
+                <a:effectLst/>
+              </a:rPr>
+              <a:t>Parameter range, P = [0.214 0.3 0.4 0.5 0.6 0.75 0.9 1.25]</a:t>
             </a:r>
           </a:p>
           <a:p>
@@ -10236,49 +13087,39 @@
               <a:buChar char="•"/>
             </a:pPr>
             <a:r>
+              <a:rPr lang="en-IN" dirty="0"/>
+              <a:t>Models evaluated at L = 1m and 100 elements</a:t>
+            </a:r>
+            <a:endParaRPr lang="en-US" dirty="0"/>
+          </a:p>
+          <a:p>
+            <a:pPr marL="285750" indent="-285750">
+              <a:spcAft>
+                <a:spcPts val="600"/>
+              </a:spcAft>
+              <a:buFont typeface="Arial" panose="020B0604020202020204" pitchFamily="34" charset="0"/>
+              <a:buChar char="•"/>
+            </a:pPr>
+            <a:r>
+              <a:rPr lang="en-US" dirty="0"/>
+              <a:t>All models give approximately the same results </a:t>
+            </a:r>
+          </a:p>
+          <a:p>
+            <a:pPr marL="285750" indent="-285750">
+              <a:spcAft>
+                <a:spcPts val="600"/>
+              </a:spcAft>
+              <a:buFont typeface="Arial" panose="020B0604020202020204" pitchFamily="34" charset="0"/>
+              <a:buChar char="•"/>
+            </a:pPr>
+            <a:r>
               <a:rPr lang="en-US" dirty="0"/>
               <a:t>Accuracy of reduced-order models decreases at high frequencies</a:t>
             </a:r>
           </a:p>
         </p:txBody>
       </p:sp>
-      <p:pic>
-        <p:nvPicPr>
-          <p:cNvPr id="7" name="Picture 6" descr="Chart, line chart&#10;&#10;Description automatically generated">
-            <a:extLst>
-              <a:ext uri="{FF2B5EF4-FFF2-40B4-BE49-F238E27FC236}">
-                <a16:creationId xmlns:a16="http://schemas.microsoft.com/office/drawing/2014/main" id="{35F8D546-93B9-4832-728D-4409CD02FB81}"/>
-              </a:ext>
-            </a:extLst>
-          </p:cNvPr>
-          <p:cNvPicPr>
-            <a:picLocks noChangeAspect="1"/>
-          </p:cNvPicPr>
-          <p:nvPr/>
-        </p:nvPicPr>
-        <p:blipFill>
-          <a:blip r:embed="rId2"/>
-          <a:stretch>
-            <a:fillRect/>
-          </a:stretch>
-        </p:blipFill>
-        <p:spPr>
-          <a:xfrm>
-            <a:off x="4673883" y="1602000"/>
-            <a:ext cx="4127501" cy="3095626"/>
-          </a:xfrm>
-          <a:prstGeom prst="rect">
-            <a:avLst/>
-          </a:prstGeom>
-          <a:noFill/>
-          <a:ln w="9525">
-            <a:noFill/>
-            <a:miter lim="800000"/>
-            <a:headEnd/>
-            <a:tailEnd/>
-          </a:ln>
-        </p:spPr>
-      </p:pic>
       <p:sp>
         <p:nvSpPr>
           <p:cNvPr id="3" name="Titel 2"/>
@@ -10342,7 +13183,7 @@
                   <a:spcPts val="600"/>
                 </a:spcAft>
               </a:pPr>
-              <a:t>8</a:t>
+              <a:t>9</a:t>
             </a:fld>
             <a:endParaRPr lang="de-DE"/>
           </a:p>
@@ -10377,83 +13218,25 @@
             </a:pPr>
             <a:r>
               <a:rPr lang="de-DE" dirty="0"/>
-              <a:t>Raúl San Miguel</a:t>
-            </a:r>
-            <a:endParaRPr lang="en-US"/>
-          </a:p>
-        </p:txBody>
-      </p:sp>
-    </p:spTree>
-  </p:cSld>
-  <p:clrMapOvr>
-    <a:masterClrMapping/>
-  </p:clrMapOvr>
-  <p:transition spd="slow">
-    <p:push dir="u"/>
-  </p:transition>
-</p:sld>
-</file>
-
-<file path=ppt/slides/slide9.xml><?xml version="1.0" encoding="utf-8"?>
-<p:sld xmlns:a="http://schemas.openxmlformats.org/drawingml/2006/main" xmlns:r="http://schemas.openxmlformats.org/officeDocument/2006/relationships" xmlns:p="http://schemas.openxmlformats.org/presentationml/2006/main">
-  <p:cSld>
-    <p:spTree>
-      <p:nvGrpSpPr>
-        <p:cNvPr id="1" name=""/>
-        <p:cNvGrpSpPr/>
-        <p:nvPr/>
-      </p:nvGrpSpPr>
-      <p:grpSpPr>
-        <a:xfrm>
-          <a:off x="0" y="0"/>
-          <a:ext cx="0" cy="0"/>
-          <a:chOff x="0" y="0"/>
-          <a:chExt cx="0" cy="0"/>
-        </a:xfrm>
-      </p:grpSpPr>
-      <p:sp>
-        <p:nvSpPr>
-          <p:cNvPr id="2" name="Content Placeholder 1">
-            <a:extLst>
-              <a:ext uri="{FF2B5EF4-FFF2-40B4-BE49-F238E27FC236}">
-                <a16:creationId xmlns:a16="http://schemas.microsoft.com/office/drawing/2014/main" id="{B63A183F-E6A5-833B-EBB8-CFC267E91051}"/>
-              </a:ext>
-            </a:extLst>
-          </p:cNvPr>
-          <p:cNvSpPr>
-            <a:spLocks noGrp="1"/>
-          </p:cNvSpPr>
-          <p:nvPr>
-            <p:ph idx="14"/>
-          </p:nvPr>
-        </p:nvSpPr>
-        <p:spPr/>
-        <p:txBody>
-          <a:bodyPr/>
-          <a:lstStyle/>
-          <a:p>
-            <a:r>
-              <a:rPr lang="en-IN" dirty="0"/>
-              <a:t>Parameter – Thickness of the beam</a:t>
-            </a:r>
+              <a:t>Hritik Singh</a:t>
+            </a:r>
+            <a:endParaRPr lang="en-US" dirty="0"/>
           </a:p>
         </p:txBody>
       </p:sp>
       <p:pic>
         <p:nvPicPr>
-          <p:cNvPr id="8" name="Content Placeholder 7" descr="Chart, line chart&#10;&#10;Description automatically generated">
+          <p:cNvPr id="10" name="Picture 9">
             <a:extLst>
               <a:ext uri="{FF2B5EF4-FFF2-40B4-BE49-F238E27FC236}">
-                <a16:creationId xmlns:a16="http://schemas.microsoft.com/office/drawing/2014/main" id="{239E5CBD-24A9-F468-6CE1-78C2C8D5C1B2}"/>
+                <a16:creationId xmlns:a16="http://schemas.microsoft.com/office/drawing/2014/main" id="{4674FF50-EA7E-3BCF-0704-E23DD1368C20}"/>
               </a:ext>
             </a:extLst>
           </p:cNvPr>
           <p:cNvPicPr>
-            <a:picLocks noGrp="1" noChangeAspect="1"/>
+            <a:picLocks noChangeAspect="1"/>
           </p:cNvPicPr>
-          <p:nvPr>
-            <p:ph idx="15"/>
-          </p:nvPr>
+          <p:nvPr/>
         </p:nvPicPr>
         <p:blipFill>
           <a:blip r:embed="rId2"/>
@@ -10463,109 +13246,15 @@
         </p:blipFill>
         <p:spPr>
           <a:xfrm>
-            <a:off x="4673600" y="1601788"/>
-            <a:ext cx="4127500" cy="3095625"/>
+            <a:off x="4835442" y="1382368"/>
+            <a:ext cx="3939575" cy="2954681"/>
           </a:xfrm>
+          <a:prstGeom prst="rect">
+            <a:avLst/>
+          </a:prstGeom>
         </p:spPr>
       </p:pic>
-      <p:sp>
-        <p:nvSpPr>
-          <p:cNvPr id="4" name="Title 3">
-            <a:extLst>
-              <a:ext uri="{FF2B5EF4-FFF2-40B4-BE49-F238E27FC236}">
-                <a16:creationId xmlns:a16="http://schemas.microsoft.com/office/drawing/2014/main" id="{A526B97D-09D2-1726-2D94-4E98E082BF2B}"/>
-              </a:ext>
-            </a:extLst>
-          </p:cNvPr>
-          <p:cNvSpPr>
-            <a:spLocks noGrp="1"/>
-          </p:cNvSpPr>
-          <p:nvPr>
-            <p:ph type="title"/>
-          </p:nvPr>
-        </p:nvSpPr>
-        <p:spPr>
-          <a:xfrm>
-            <a:off x="319090" y="972000"/>
-            <a:ext cx="8508999" cy="380810"/>
-          </a:xfrm>
-        </p:spPr>
-        <p:txBody>
-          <a:bodyPr/>
-          <a:lstStyle/>
-          <a:p>
-            <a:r>
-              <a:rPr lang="en-IN" dirty="0"/>
-              <a:t>Parametric Study</a:t>
-            </a:r>
-          </a:p>
-        </p:txBody>
-      </p:sp>
-      <p:sp>
-        <p:nvSpPr>
-          <p:cNvPr id="5" name="Slide Number Placeholder 4">
-            <a:extLst>
-              <a:ext uri="{FF2B5EF4-FFF2-40B4-BE49-F238E27FC236}">
-                <a16:creationId xmlns:a16="http://schemas.microsoft.com/office/drawing/2014/main" id="{49F4E969-08F4-F3C8-1837-4244BFD6FA78}"/>
-              </a:ext>
-            </a:extLst>
-          </p:cNvPr>
-          <p:cNvSpPr>
-            <a:spLocks noGrp="1"/>
-          </p:cNvSpPr>
-          <p:nvPr>
-            <p:ph type="sldNum" sz="quarter" idx="16"/>
-          </p:nvPr>
-        </p:nvSpPr>
-        <p:spPr/>
-        <p:txBody>
-          <a:bodyPr/>
-          <a:lstStyle/>
-          <a:p>
-            <a:fld id="{CE58CB1E-F828-4F11-99E0-327109AF9DA4}" type="slidenum">
-              <a:rPr lang="de-DE" smtClean="0"/>
-              <a:pPr/>
-              <a:t>9</a:t>
-            </a:fld>
-            <a:endParaRPr lang="de-DE" dirty="0"/>
-          </a:p>
-        </p:txBody>
-      </p:sp>
-      <p:sp>
-        <p:nvSpPr>
-          <p:cNvPr id="6" name="Footer Placeholder 5">
-            <a:extLst>
-              <a:ext uri="{FF2B5EF4-FFF2-40B4-BE49-F238E27FC236}">
-                <a16:creationId xmlns:a16="http://schemas.microsoft.com/office/drawing/2014/main" id="{7806C47B-FD52-525B-419C-815B2C06B34B}"/>
-              </a:ext>
-            </a:extLst>
-          </p:cNvPr>
-          <p:cNvSpPr>
-            <a:spLocks noGrp="1"/>
-          </p:cNvSpPr>
-          <p:nvPr>
-            <p:ph type="ftr" sz="quarter" idx="17"/>
-          </p:nvPr>
-        </p:nvSpPr>
-        <p:spPr/>
-        <p:txBody>
-          <a:bodyPr/>
-          <a:lstStyle/>
-          <a:p>
-            <a:r>
-              <a:rPr lang="de-DE"/>
-              <a:t>Dr. rer. nat. Erika Mustermann (TUM) | kann beliebig erweitert werden | Infos mit Strich trennen</a:t>
-            </a:r>
-            <a:endParaRPr lang="en-US" dirty="0"/>
-          </a:p>
-        </p:txBody>
-      </p:sp>
     </p:spTree>
-    <p:extLst>
-      <p:ext uri="{BB962C8B-B14F-4D97-AF65-F5344CB8AC3E}">
-        <p14:creationId xmlns:p14="http://schemas.microsoft.com/office/powerpoint/2010/main" val="3665651457"/>
-      </p:ext>
-    </p:extLst>
   </p:cSld>
   <p:clrMapOvr>
     <a:masterClrMapping/>

--- a/pMOR.pptx
+++ b/pMOR.pptx
@@ -10,10 +10,10 @@
     <p:sldMasterId id="2147483697" r:id="rId6"/>
   </p:sldMasterIdLst>
   <p:notesMasterIdLst>
-    <p:notesMasterId r:id="rId23"/>
+    <p:notesMasterId r:id="rId24"/>
   </p:notesMasterIdLst>
   <p:handoutMasterIdLst>
-    <p:handoutMasterId r:id="rId24"/>
+    <p:handoutMasterId r:id="rId25"/>
   </p:handoutMasterIdLst>
   <p:sldIdLst>
     <p:sldId id="355" r:id="rId7"/>
@@ -21,17 +21,18 @@
     <p:sldId id="370" r:id="rId9"/>
     <p:sldId id="392" r:id="rId10"/>
     <p:sldId id="371" r:id="rId11"/>
-    <p:sldId id="399" r:id="rId12"/>
-    <p:sldId id="396" r:id="rId13"/>
-    <p:sldId id="372" r:id="rId14"/>
-    <p:sldId id="373" r:id="rId15"/>
-    <p:sldId id="400" r:id="rId16"/>
-    <p:sldId id="397" r:id="rId17"/>
-    <p:sldId id="398" r:id="rId18"/>
-    <p:sldId id="394" r:id="rId19"/>
-    <p:sldId id="395" r:id="rId20"/>
-    <p:sldId id="401" r:id="rId21"/>
-    <p:sldId id="393" r:id="rId22"/>
+    <p:sldId id="402" r:id="rId12"/>
+    <p:sldId id="399" r:id="rId13"/>
+    <p:sldId id="396" r:id="rId14"/>
+    <p:sldId id="372" r:id="rId15"/>
+    <p:sldId id="373" r:id="rId16"/>
+    <p:sldId id="400" r:id="rId17"/>
+    <p:sldId id="397" r:id="rId18"/>
+    <p:sldId id="398" r:id="rId19"/>
+    <p:sldId id="394" r:id="rId20"/>
+    <p:sldId id="395" r:id="rId21"/>
+    <p:sldId id="401" r:id="rId22"/>
+    <p:sldId id="393" r:id="rId23"/>
   </p:sldIdLst>
   <p:sldSz cx="9144000" cy="5143500" type="screen16x9"/>
   <p:notesSz cx="9925050" cy="6665913"/>
@@ -163,17 +164,22 @@
   <p:extLst>
     <p:ext uri="{EFAFB233-063F-42B5-8137-9DF3F51BA10A}">
       <p15:sldGuideLst xmlns:p15="http://schemas.microsoft.com/office/powerpoint/2012/main">
-        <p15:guide id="1" orient="horz" pos="2160">
+        <p15:guide id="1" orient="horz" pos="2731" userDrawn="1">
           <p15:clr>
             <a:srgbClr val="A4A3A4"/>
           </p15:clr>
         </p15:guide>
-        <p15:guide id="2" pos="2880">
+        <p15:guide id="2" pos="2880" userDrawn="1">
           <p15:clr>
             <a:srgbClr val="A4A3A4"/>
           </p15:clr>
         </p15:guide>
-        <p15:guide id="3" orient="horz" pos="1620">
+        <p15:guide id="3" orient="horz" pos="690" userDrawn="1">
+          <p15:clr>
+            <a:srgbClr val="A4A3A4"/>
+          </p15:clr>
+        </p15:guide>
+        <p15:guide id="4" pos="5602" userDrawn="1">
           <p15:clr>
             <a:srgbClr val="A4A3A4"/>
           </p15:clr>
@@ -196,6 +202,404 @@
     </p:ext>
   </p:extLst>
 </p:presentation>
+</file>
+
+<file path=ppt/revisionInfo.xml><?xml version="1.0" encoding="utf-8"?>
+<p1510:revInfo xmlns:a="http://schemas.openxmlformats.org/drawingml/2006/main" xmlns:r="http://schemas.openxmlformats.org/officeDocument/2006/relationships" xmlns:p1510="http://schemas.microsoft.com/office/powerpoint/2015/10/main">
+  <p1510:revLst>
+    <p1510:client id="{99567A64-BB00-4F53-BEC4-FFFB4D2A8AC9}" v="148" dt="2023-02-13T00:23:21.502"/>
+  </p1510:revLst>
+</p1510:revInfo>
+</file>
+
+<file path=ppt/changesInfos/changesInfo1.xml><?xml version="1.0" encoding="utf-8"?>
+<pc:chgInfo xmlns:a="http://schemas.openxmlformats.org/drawingml/2006/main" xmlns:r="http://schemas.openxmlformats.org/officeDocument/2006/relationships" xmlns:ac="http://schemas.microsoft.com/office/drawing/2013/main/command" xmlns:pc="http://schemas.microsoft.com/office/powerpoint/2013/main/command">
+  <pc:docChgLst>
+    <pc:chgData name="Raúl San Miguel" userId="be37e365dce55da6" providerId="LiveId" clId="{99567A64-BB00-4F53-BEC4-FFFB4D2A8AC9}"/>
+    <pc:docChg chg="undo redo custSel addSld delSld modSld">
+      <pc:chgData name="Raúl San Miguel" userId="be37e365dce55da6" providerId="LiveId" clId="{99567A64-BB00-4F53-BEC4-FFFB4D2A8AC9}" dt="2023-02-13T00:48:13.819" v="1093" actId="113"/>
+      <pc:docMkLst>
+        <pc:docMk/>
+      </pc:docMkLst>
+      <pc:sldChg chg="modSp mod">
+        <pc:chgData name="Raúl San Miguel" userId="be37e365dce55da6" providerId="LiveId" clId="{99567A64-BB00-4F53-BEC4-FFFB4D2A8AC9}" dt="2023-02-13T00:05:10.293" v="319" actId="5793"/>
+        <pc:sldMkLst>
+          <pc:docMk/>
+          <pc:sldMk cId="0" sldId="369"/>
+        </pc:sldMkLst>
+        <pc:spChg chg="mod">
+          <ac:chgData name="Raúl San Miguel" userId="be37e365dce55da6" providerId="LiveId" clId="{99567A64-BB00-4F53-BEC4-FFFB4D2A8AC9}" dt="2023-02-13T00:05:10.293" v="319" actId="5793"/>
+          <ac:spMkLst>
+            <pc:docMk/>
+            <pc:sldMk cId="0" sldId="369"/>
+            <ac:spMk id="2" creationId="{00000000-0000-0000-0000-000000000000}"/>
+          </ac:spMkLst>
+        </pc:spChg>
+      </pc:sldChg>
+      <pc:sldChg chg="modSp mod">
+        <pc:chgData name="Raúl San Miguel" userId="be37e365dce55da6" providerId="LiveId" clId="{99567A64-BB00-4F53-BEC4-FFFB4D2A8AC9}" dt="2023-02-13T00:05:28.459" v="324" actId="5793"/>
+        <pc:sldMkLst>
+          <pc:docMk/>
+          <pc:sldMk cId="0" sldId="370"/>
+        </pc:sldMkLst>
+        <pc:spChg chg="mod">
+          <ac:chgData name="Raúl San Miguel" userId="be37e365dce55da6" providerId="LiveId" clId="{99567A64-BB00-4F53-BEC4-FFFB4D2A8AC9}" dt="2023-02-13T00:05:28.459" v="324" actId="5793"/>
+          <ac:spMkLst>
+            <pc:docMk/>
+            <pc:sldMk cId="0" sldId="370"/>
+            <ac:spMk id="2" creationId="{00000000-0000-0000-0000-000000000000}"/>
+          </ac:spMkLst>
+        </pc:spChg>
+      </pc:sldChg>
+      <pc:sldChg chg="modSp mod">
+        <pc:chgData name="Raúl San Miguel" userId="be37e365dce55da6" providerId="LiveId" clId="{99567A64-BB00-4F53-BEC4-FFFB4D2A8AC9}" dt="2023-02-13T00:08:45.666" v="357" actId="20577"/>
+        <pc:sldMkLst>
+          <pc:docMk/>
+          <pc:sldMk cId="0" sldId="371"/>
+        </pc:sldMkLst>
+        <pc:spChg chg="mod">
+          <ac:chgData name="Raúl San Miguel" userId="be37e365dce55da6" providerId="LiveId" clId="{99567A64-BB00-4F53-BEC4-FFFB4D2A8AC9}" dt="2023-02-13T00:08:45.666" v="357" actId="20577"/>
+          <ac:spMkLst>
+            <pc:docMk/>
+            <pc:sldMk cId="0" sldId="371"/>
+            <ac:spMk id="2" creationId="{00000000-0000-0000-0000-000000000000}"/>
+          </ac:spMkLst>
+        </pc:spChg>
+      </pc:sldChg>
+      <pc:sldChg chg="modSp mod">
+        <pc:chgData name="Raúl San Miguel" userId="be37e365dce55da6" providerId="LiveId" clId="{99567A64-BB00-4F53-BEC4-FFFB4D2A8AC9}" dt="2023-02-13T00:23:21.501" v="569" actId="113"/>
+        <pc:sldMkLst>
+          <pc:docMk/>
+          <pc:sldMk cId="0" sldId="372"/>
+        </pc:sldMkLst>
+        <pc:spChg chg="mod">
+          <ac:chgData name="Raúl San Miguel" userId="be37e365dce55da6" providerId="LiveId" clId="{99567A64-BB00-4F53-BEC4-FFFB4D2A8AC9}" dt="2023-02-13T00:23:21.501" v="569" actId="113"/>
+          <ac:spMkLst>
+            <pc:docMk/>
+            <pc:sldMk cId="0" sldId="372"/>
+            <ac:spMk id="2" creationId="{00000000-0000-0000-0000-000000000000}"/>
+          </ac:spMkLst>
+        </pc:spChg>
+      </pc:sldChg>
+      <pc:sldChg chg="modSp mod">
+        <pc:chgData name="Raúl San Miguel" userId="be37e365dce55da6" providerId="LiveId" clId="{99567A64-BB00-4F53-BEC4-FFFB4D2A8AC9}" dt="2023-02-13T00:45:19.236" v="975" actId="14100"/>
+        <pc:sldMkLst>
+          <pc:docMk/>
+          <pc:sldMk cId="0" sldId="373"/>
+        </pc:sldMkLst>
+        <pc:spChg chg="mod">
+          <ac:chgData name="Raúl San Miguel" userId="be37e365dce55da6" providerId="LiveId" clId="{99567A64-BB00-4F53-BEC4-FFFB4D2A8AC9}" dt="2023-02-13T00:24:25.521" v="572" actId="113"/>
+          <ac:spMkLst>
+            <pc:docMk/>
+            <pc:sldMk cId="0" sldId="373"/>
+            <ac:spMk id="2" creationId="{00000000-0000-0000-0000-000000000000}"/>
+          </ac:spMkLst>
+        </pc:spChg>
+        <pc:picChg chg="mod">
+          <ac:chgData name="Raúl San Miguel" userId="be37e365dce55da6" providerId="LiveId" clId="{99567A64-BB00-4F53-BEC4-FFFB4D2A8AC9}" dt="2023-02-13T00:45:19.236" v="975" actId="14100"/>
+          <ac:picMkLst>
+            <pc:docMk/>
+            <pc:sldMk cId="0" sldId="373"/>
+            <ac:picMk id="10" creationId="{4674FF50-EA7E-3BCF-0704-E23DD1368C20}"/>
+          </ac:picMkLst>
+        </pc:picChg>
+      </pc:sldChg>
+      <pc:sldChg chg="modSp mod">
+        <pc:chgData name="Raúl San Miguel" userId="be37e365dce55da6" providerId="LiveId" clId="{99567A64-BB00-4F53-BEC4-FFFB4D2A8AC9}" dt="2023-02-13T00:05:52.589" v="334" actId="5793"/>
+        <pc:sldMkLst>
+          <pc:docMk/>
+          <pc:sldMk cId="0" sldId="392"/>
+        </pc:sldMkLst>
+        <pc:spChg chg="mod">
+          <ac:chgData name="Raúl San Miguel" userId="be37e365dce55da6" providerId="LiveId" clId="{99567A64-BB00-4F53-BEC4-FFFB4D2A8AC9}" dt="2023-02-13T00:05:52.589" v="334" actId="5793"/>
+          <ac:spMkLst>
+            <pc:docMk/>
+            <pc:sldMk cId="0" sldId="392"/>
+            <ac:spMk id="2" creationId="{00000000-0000-0000-0000-000000000000}"/>
+          </ac:spMkLst>
+        </pc:spChg>
+      </pc:sldChg>
+      <pc:sldChg chg="modSp mod">
+        <pc:chgData name="Raúl San Miguel" userId="be37e365dce55da6" providerId="LiveId" clId="{99567A64-BB00-4F53-BEC4-FFFB4D2A8AC9}" dt="2023-02-13T00:47:17.009" v="1000" actId="20577"/>
+        <pc:sldMkLst>
+          <pc:docMk/>
+          <pc:sldMk cId="3143124278" sldId="394"/>
+        </pc:sldMkLst>
+        <pc:spChg chg="mod">
+          <ac:chgData name="Raúl San Miguel" userId="be37e365dce55da6" providerId="LiveId" clId="{99567A64-BB00-4F53-BEC4-FFFB4D2A8AC9}" dt="2023-02-13T00:36:09.004" v="704" actId="113"/>
+          <ac:spMkLst>
+            <pc:docMk/>
+            <pc:sldMk cId="3143124278" sldId="394"/>
+            <ac:spMk id="2" creationId="{B16A593B-1240-D3F5-6F02-E5FC1B0BDC93}"/>
+          </ac:spMkLst>
+        </pc:spChg>
+        <pc:spChg chg="mod">
+          <ac:chgData name="Raúl San Miguel" userId="be37e365dce55da6" providerId="LiveId" clId="{99567A64-BB00-4F53-BEC4-FFFB4D2A8AC9}" dt="2023-02-13T00:47:17.009" v="1000" actId="20577"/>
+          <ac:spMkLst>
+            <pc:docMk/>
+            <pc:sldMk cId="3143124278" sldId="394"/>
+            <ac:spMk id="4" creationId="{50687C69-3702-E095-8299-D635FBA0C0B1}"/>
+          </ac:spMkLst>
+        </pc:spChg>
+        <pc:picChg chg="mod">
+          <ac:chgData name="Raúl San Miguel" userId="be37e365dce55da6" providerId="LiveId" clId="{99567A64-BB00-4F53-BEC4-FFFB4D2A8AC9}" dt="2023-02-13T00:46:05.546" v="998" actId="1035"/>
+          <ac:picMkLst>
+            <pc:docMk/>
+            <pc:sldMk cId="3143124278" sldId="394"/>
+            <ac:picMk id="8" creationId="{A4D528B1-8A1F-5075-0832-B325C7D09E6B}"/>
+          </ac:picMkLst>
+        </pc:picChg>
+      </pc:sldChg>
+      <pc:sldChg chg="addSp delSp modSp mod">
+        <pc:chgData name="Raúl San Miguel" userId="be37e365dce55da6" providerId="LiveId" clId="{99567A64-BB00-4F53-BEC4-FFFB4D2A8AC9}" dt="2023-02-13T00:47:36.254" v="1011" actId="20577"/>
+        <pc:sldMkLst>
+          <pc:docMk/>
+          <pc:sldMk cId="3665651457" sldId="395"/>
+        </pc:sldMkLst>
+        <pc:spChg chg="mod">
+          <ac:chgData name="Raúl San Miguel" userId="be37e365dce55da6" providerId="LiveId" clId="{99567A64-BB00-4F53-BEC4-FFFB4D2A8AC9}" dt="2023-02-13T00:40:49.084" v="921" actId="14100"/>
+          <ac:spMkLst>
+            <pc:docMk/>
+            <pc:sldMk cId="3665651457" sldId="395"/>
+            <ac:spMk id="2" creationId="{B63A183F-E6A5-833B-EBB8-CFC267E91051}"/>
+          </ac:spMkLst>
+        </pc:spChg>
+        <pc:spChg chg="mod">
+          <ac:chgData name="Raúl San Miguel" userId="be37e365dce55da6" providerId="LiveId" clId="{99567A64-BB00-4F53-BEC4-FFFB4D2A8AC9}" dt="2023-02-13T00:47:36.254" v="1011" actId="20577"/>
+          <ac:spMkLst>
+            <pc:docMk/>
+            <pc:sldMk cId="3665651457" sldId="395"/>
+            <ac:spMk id="4" creationId="{A526B97D-09D2-1726-2D94-4E98E082BF2B}"/>
+          </ac:spMkLst>
+        </pc:spChg>
+        <pc:spChg chg="add del mod">
+          <ac:chgData name="Raúl San Miguel" userId="be37e365dce55da6" providerId="LiveId" clId="{99567A64-BB00-4F53-BEC4-FFFB4D2A8AC9}" dt="2023-02-12T23:55:40.055" v="7" actId="931"/>
+          <ac:spMkLst>
+            <pc:docMk/>
+            <pc:sldMk cId="3665651457" sldId="395"/>
+            <ac:spMk id="7" creationId="{D8915F80-3D48-99B3-97DC-128D0D7F06EE}"/>
+          </ac:spMkLst>
+        </pc:spChg>
+        <pc:spChg chg="add mod">
+          <ac:chgData name="Raúl San Miguel" userId="be37e365dce55da6" providerId="LiveId" clId="{99567A64-BB00-4F53-BEC4-FFFB4D2A8AC9}" dt="2023-02-12T23:59:38.986" v="73" actId="1036"/>
+          <ac:spMkLst>
+            <pc:docMk/>
+            <pc:sldMk cId="3665651457" sldId="395"/>
+            <ac:spMk id="15" creationId="{45BAE374-11F5-A38B-E6DF-8C14CB406F0B}"/>
+          </ac:spMkLst>
+        </pc:spChg>
+        <pc:spChg chg="add mod">
+          <ac:chgData name="Raúl San Miguel" userId="be37e365dce55da6" providerId="LiveId" clId="{99567A64-BB00-4F53-BEC4-FFFB4D2A8AC9}" dt="2023-02-12T23:59:38.986" v="73" actId="1036"/>
+          <ac:spMkLst>
+            <pc:docMk/>
+            <pc:sldMk cId="3665651457" sldId="395"/>
+            <ac:spMk id="16" creationId="{0176957F-FCB9-DCAD-02D8-3F76B52FA38D}"/>
+          </ac:spMkLst>
+        </pc:spChg>
+        <pc:spChg chg="add mod">
+          <ac:chgData name="Raúl San Miguel" userId="be37e365dce55da6" providerId="LiveId" clId="{99567A64-BB00-4F53-BEC4-FFFB4D2A8AC9}" dt="2023-02-12T23:59:38.986" v="73" actId="1036"/>
+          <ac:spMkLst>
+            <pc:docMk/>
+            <pc:sldMk cId="3665651457" sldId="395"/>
+            <ac:spMk id="17" creationId="{BCA9CA4E-686C-759A-A0D9-AAB2DA5DC8B0}"/>
+          </ac:spMkLst>
+        </pc:spChg>
+        <pc:spChg chg="add mod">
+          <ac:chgData name="Raúl San Miguel" userId="be37e365dce55da6" providerId="LiveId" clId="{99567A64-BB00-4F53-BEC4-FFFB4D2A8AC9}" dt="2023-02-12T23:59:38.986" v="73" actId="1036"/>
+          <ac:spMkLst>
+            <pc:docMk/>
+            <pc:sldMk cId="3665651457" sldId="395"/>
+            <ac:spMk id="18" creationId="{21260361-5E33-6D68-7883-F8E3CF2D9A6D}"/>
+          </ac:spMkLst>
+        </pc:spChg>
+        <pc:spChg chg="add mod">
+          <ac:chgData name="Raúl San Miguel" userId="be37e365dce55da6" providerId="LiveId" clId="{99567A64-BB00-4F53-BEC4-FFFB4D2A8AC9}" dt="2023-02-12T23:59:38.986" v="73" actId="1036"/>
+          <ac:spMkLst>
+            <pc:docMk/>
+            <pc:sldMk cId="3665651457" sldId="395"/>
+            <ac:spMk id="19" creationId="{C8001E00-54B8-E73A-703D-021FF56B45E2}"/>
+          </ac:spMkLst>
+        </pc:spChg>
+        <pc:picChg chg="del">
+          <ac:chgData name="Raúl San Miguel" userId="be37e365dce55da6" providerId="LiveId" clId="{99567A64-BB00-4F53-BEC4-FFFB4D2A8AC9}" dt="2023-02-12T23:54:17.075" v="2" actId="478"/>
+          <ac:picMkLst>
+            <pc:docMk/>
+            <pc:sldMk cId="3665651457" sldId="395"/>
+            <ac:picMk id="8" creationId="{239E5CBD-24A9-F468-6CE1-78C2C8D5C1B2}"/>
+          </ac:picMkLst>
+        </pc:picChg>
+        <pc:picChg chg="add del mod">
+          <ac:chgData name="Raúl San Miguel" userId="be37e365dce55da6" providerId="LiveId" clId="{99567A64-BB00-4F53-BEC4-FFFB4D2A8AC9}" dt="2023-02-12T23:54:29.250" v="5"/>
+          <ac:picMkLst>
+            <pc:docMk/>
+            <pc:sldMk cId="3665651457" sldId="395"/>
+            <ac:picMk id="10" creationId="{ED69ACE5-2287-84C0-4945-3B8AE5D589B5}"/>
+          </ac:picMkLst>
+        </pc:picChg>
+        <pc:picChg chg="add mod">
+          <ac:chgData name="Raúl San Miguel" userId="be37e365dce55da6" providerId="LiveId" clId="{99567A64-BB00-4F53-BEC4-FFFB4D2A8AC9}" dt="2023-02-13T00:47:29.184" v="1009" actId="1038"/>
+          <ac:picMkLst>
+            <pc:docMk/>
+            <pc:sldMk cId="3665651457" sldId="395"/>
+            <ac:picMk id="14" creationId="{66DE647B-0510-13EB-5F71-C6F8CB396618}"/>
+          </ac:picMkLst>
+        </pc:picChg>
+      </pc:sldChg>
+      <pc:sldChg chg="modSp mod">
+        <pc:chgData name="Raúl San Miguel" userId="be37e365dce55da6" providerId="LiveId" clId="{99567A64-BB00-4F53-BEC4-FFFB4D2A8AC9}" dt="2023-02-13T00:20:30.315" v="553" actId="113"/>
+        <pc:sldMkLst>
+          <pc:docMk/>
+          <pc:sldMk cId="2815632397" sldId="396"/>
+        </pc:sldMkLst>
+        <pc:spChg chg="mod">
+          <ac:chgData name="Raúl San Miguel" userId="be37e365dce55da6" providerId="LiveId" clId="{99567A64-BB00-4F53-BEC4-FFFB4D2A8AC9}" dt="2023-02-13T00:20:30.315" v="553" actId="113"/>
+          <ac:spMkLst>
+            <pc:docMk/>
+            <pc:sldMk cId="2815632397" sldId="396"/>
+            <ac:spMk id="2" creationId="{432F1164-AD79-6F94-A595-3CFBA329D136}"/>
+          </ac:spMkLst>
+        </pc:spChg>
+      </pc:sldChg>
+      <pc:sldChg chg="modSp mod">
+        <pc:chgData name="Raúl San Miguel" userId="be37e365dce55da6" providerId="LiveId" clId="{99567A64-BB00-4F53-BEC4-FFFB4D2A8AC9}" dt="2023-02-13T00:45:38.490" v="984" actId="1035"/>
+        <pc:sldMkLst>
+          <pc:docMk/>
+          <pc:sldMk cId="2142444052" sldId="397"/>
+        </pc:sldMkLst>
+        <pc:spChg chg="mod">
+          <ac:chgData name="Raúl San Miguel" userId="be37e365dce55da6" providerId="LiveId" clId="{99567A64-BB00-4F53-BEC4-FFFB4D2A8AC9}" dt="2023-02-13T00:30:52.926" v="576" actId="113"/>
+          <ac:spMkLst>
+            <pc:docMk/>
+            <pc:sldMk cId="2142444052" sldId="397"/>
+            <ac:spMk id="2" creationId="{BF459169-0FDA-D40B-A624-86DA45D74114}"/>
+          </ac:spMkLst>
+        </pc:spChg>
+        <pc:spChg chg="mod">
+          <ac:chgData name="Raúl San Miguel" userId="be37e365dce55da6" providerId="LiveId" clId="{99567A64-BB00-4F53-BEC4-FFFB4D2A8AC9}" dt="2023-02-13T00:31:00.445" v="577" actId="113"/>
+          <ac:spMkLst>
+            <pc:docMk/>
+            <pc:sldMk cId="2142444052" sldId="397"/>
+            <ac:spMk id="4" creationId="{C6CBE9F3-D208-DDB3-1F96-6D43BA86BBD8}"/>
+          </ac:spMkLst>
+        </pc:spChg>
+        <pc:picChg chg="mod">
+          <ac:chgData name="Raúl San Miguel" userId="be37e365dce55da6" providerId="LiveId" clId="{99567A64-BB00-4F53-BEC4-FFFB4D2A8AC9}" dt="2023-02-13T00:45:38.490" v="984" actId="1035"/>
+          <ac:picMkLst>
+            <pc:docMk/>
+            <pc:sldMk cId="2142444052" sldId="397"/>
+            <ac:picMk id="8" creationId="{5409E13B-7A89-7665-A892-4423416D8BEF}"/>
+          </ac:picMkLst>
+        </pc:picChg>
+      </pc:sldChg>
+      <pc:sldChg chg="modSp mod">
+        <pc:chgData name="Raúl San Miguel" userId="be37e365dce55da6" providerId="LiveId" clId="{99567A64-BB00-4F53-BEC4-FFFB4D2A8AC9}" dt="2023-02-13T00:45:52.193" v="996" actId="1035"/>
+        <pc:sldMkLst>
+          <pc:docMk/>
+          <pc:sldMk cId="1842684417" sldId="398"/>
+        </pc:sldMkLst>
+        <pc:spChg chg="mod">
+          <ac:chgData name="Raúl San Miguel" userId="be37e365dce55da6" providerId="LiveId" clId="{99567A64-BB00-4F53-BEC4-FFFB4D2A8AC9}" dt="2023-02-13T00:42:13.320" v="935" actId="14100"/>
+          <ac:spMkLst>
+            <pc:docMk/>
+            <pc:sldMk cId="1842684417" sldId="398"/>
+            <ac:spMk id="2" creationId="{9D936A71-0CB2-7B7D-C618-F280F8E97F8A}"/>
+          </ac:spMkLst>
+        </pc:spChg>
+        <pc:spChg chg="mod">
+          <ac:chgData name="Raúl San Miguel" userId="be37e365dce55da6" providerId="LiveId" clId="{99567A64-BB00-4F53-BEC4-FFFB4D2A8AC9}" dt="2023-02-13T00:31:04.291" v="578" actId="113"/>
+          <ac:spMkLst>
+            <pc:docMk/>
+            <pc:sldMk cId="1842684417" sldId="398"/>
+            <ac:spMk id="4" creationId="{3556B506-9F3C-8014-8789-C17B98FDDC64}"/>
+          </ac:spMkLst>
+        </pc:spChg>
+        <pc:picChg chg="mod">
+          <ac:chgData name="Raúl San Miguel" userId="be37e365dce55da6" providerId="LiveId" clId="{99567A64-BB00-4F53-BEC4-FFFB4D2A8AC9}" dt="2023-02-13T00:45:52.193" v="996" actId="1035"/>
+          <ac:picMkLst>
+            <pc:docMk/>
+            <pc:sldMk cId="1842684417" sldId="398"/>
+            <ac:picMk id="8" creationId="{B9A6B963-6DA6-850A-68EE-E771416E37CB}"/>
+          </ac:picMkLst>
+        </pc:picChg>
+      </pc:sldChg>
+      <pc:sldChg chg="modSp mod">
+        <pc:chgData name="Raúl San Miguel" userId="be37e365dce55da6" providerId="LiveId" clId="{99567A64-BB00-4F53-BEC4-FFFB4D2A8AC9}" dt="2023-02-13T00:09:06.651" v="360" actId="14100"/>
+        <pc:sldMkLst>
+          <pc:docMk/>
+          <pc:sldMk cId="354787109" sldId="399"/>
+        </pc:sldMkLst>
+        <pc:picChg chg="mod">
+          <ac:chgData name="Raúl San Miguel" userId="be37e365dce55da6" providerId="LiveId" clId="{99567A64-BB00-4F53-BEC4-FFFB4D2A8AC9}" dt="2023-02-13T00:09:06.651" v="360" actId="14100"/>
+          <ac:picMkLst>
+            <pc:docMk/>
+            <pc:sldMk cId="354787109" sldId="399"/>
+            <ac:picMk id="11" creationId="{12E677B0-9512-4E59-251C-D9A9565E70D8}"/>
+          </ac:picMkLst>
+        </pc:picChg>
+      </pc:sldChg>
+      <pc:sldChg chg="modSp mod">
+        <pc:chgData name="Raúl San Miguel" userId="be37e365dce55da6" providerId="LiveId" clId="{99567A64-BB00-4F53-BEC4-FFFB4D2A8AC9}" dt="2023-02-13T00:45:10.494" v="966" actId="1037"/>
+        <pc:sldMkLst>
+          <pc:docMk/>
+          <pc:sldMk cId="1164860395" sldId="400"/>
+        </pc:sldMkLst>
+        <pc:spChg chg="mod">
+          <ac:chgData name="Raúl San Miguel" userId="be37e365dce55da6" providerId="LiveId" clId="{99567A64-BB00-4F53-BEC4-FFFB4D2A8AC9}" dt="2023-02-13T00:26:33.518" v="575" actId="113"/>
+          <ac:spMkLst>
+            <pc:docMk/>
+            <pc:sldMk cId="1164860395" sldId="400"/>
+            <ac:spMk id="2" creationId="{05370306-4C02-52DD-D709-2A00744B08E4}"/>
+          </ac:spMkLst>
+        </pc:spChg>
+        <pc:picChg chg="mod">
+          <ac:chgData name="Raúl San Miguel" userId="be37e365dce55da6" providerId="LiveId" clId="{99567A64-BB00-4F53-BEC4-FFFB4D2A8AC9}" dt="2023-02-13T00:45:10.494" v="966" actId="1037"/>
+          <ac:picMkLst>
+            <pc:docMk/>
+            <pc:sldMk cId="1164860395" sldId="400"/>
+            <ac:picMk id="12" creationId="{24213E29-031F-E6F7-ADBC-26CCA1B4AD7C}"/>
+          </ac:picMkLst>
+        </pc:picChg>
+      </pc:sldChg>
+      <pc:sldChg chg="modSp mod">
+        <pc:chgData name="Raúl San Miguel" userId="be37e365dce55da6" providerId="LiveId" clId="{99567A64-BB00-4F53-BEC4-FFFB4D2A8AC9}" dt="2023-02-13T00:48:13.819" v="1093" actId="113"/>
+        <pc:sldMkLst>
+          <pc:docMk/>
+          <pc:sldMk cId="1927263693" sldId="401"/>
+        </pc:sldMkLst>
+        <pc:spChg chg="mod">
+          <ac:chgData name="Raúl San Miguel" userId="be37e365dce55da6" providerId="LiveId" clId="{99567A64-BB00-4F53-BEC4-FFFB4D2A8AC9}" dt="2023-02-13T00:48:13.819" v="1093" actId="113"/>
+          <ac:spMkLst>
+            <pc:docMk/>
+            <pc:sldMk cId="1927263693" sldId="401"/>
+            <ac:spMk id="2" creationId="{B4F83304-9FCC-FC5C-2576-791300558BA8}"/>
+          </ac:spMkLst>
+        </pc:spChg>
+      </pc:sldChg>
+      <pc:sldChg chg="modSp add mod">
+        <pc:chgData name="Raúl San Miguel" userId="be37e365dce55da6" providerId="LiveId" clId="{99567A64-BB00-4F53-BEC4-FFFB4D2A8AC9}" dt="2023-02-13T00:08:39.184" v="354" actId="20577"/>
+        <pc:sldMkLst>
+          <pc:docMk/>
+          <pc:sldMk cId="2513868981" sldId="402"/>
+        </pc:sldMkLst>
+        <pc:spChg chg="mod">
+          <ac:chgData name="Raúl San Miguel" userId="be37e365dce55da6" providerId="LiveId" clId="{99567A64-BB00-4F53-BEC4-FFFB4D2A8AC9}" dt="2023-02-13T00:08:39.184" v="354" actId="20577"/>
+          <ac:spMkLst>
+            <pc:docMk/>
+            <pc:sldMk cId="2513868981" sldId="402"/>
+            <ac:spMk id="2" creationId="{00000000-0000-0000-0000-000000000000}"/>
+          </ac:spMkLst>
+        </pc:spChg>
+      </pc:sldChg>
+      <pc:sldChg chg="add del">
+        <pc:chgData name="Raúl San Miguel" userId="be37e365dce55da6" providerId="LiveId" clId="{99567A64-BB00-4F53-BEC4-FFFB4D2A8AC9}" dt="2023-02-13T00:20:40.009" v="554" actId="47"/>
+        <pc:sldMkLst>
+          <pc:docMk/>
+          <pc:sldMk cId="2239419212" sldId="403"/>
+        </pc:sldMkLst>
+      </pc:sldChg>
+    </pc:docChg>
+  </pc:docChgLst>
+</pc:chgInfo>
 </file>
 
 <file path=ppt/handoutMasters/handoutMaster1.xml><?xml version="1.0" encoding="utf-8"?>
@@ -307,7 +711,7 @@
               <a:pPr>
                 <a:defRPr/>
               </a:pPr>
-              <a:t>12/02/2023</a:t>
+              <a:t>13/02/2023</a:t>
             </a:fld>
             <a:endParaRPr lang="en-GB" dirty="0"/>
           </a:p>
@@ -7541,6 +7945,275 @@
       </p:grpSpPr>
       <p:sp>
         <p:nvSpPr>
+          <p:cNvPr id="2" name="Inhaltsplatzhalter 1"/>
+          <p:cNvSpPr>
+            <a:spLocks noGrp="1"/>
+          </p:cNvSpPr>
+          <p:nvPr>
+            <p:ph idx="14"/>
+          </p:nvPr>
+        </p:nvSpPr>
+        <p:spPr>
+          <a:xfrm>
+            <a:off x="319091" y="1602000"/>
+            <a:ext cx="4180910" cy="3095626"/>
+          </a:xfrm>
+        </p:spPr>
+        <p:txBody>
+          <a:bodyPr wrap="square" anchor="t">
+            <a:normAutofit/>
+          </a:bodyPr>
+          <a:lstStyle/>
+          <a:p>
+            <a:pPr marL="285750" indent="-285750">
+              <a:spcAft>
+                <a:spcPts val="600"/>
+              </a:spcAft>
+              <a:buFont typeface="Arial" panose="020B0604020202020204" pitchFamily="34" charset="0"/>
+              <a:buChar char="•"/>
+            </a:pPr>
+            <a:r>
+              <a:rPr lang="en-US" dirty="0"/>
+              <a:t>Parameter – </a:t>
+            </a:r>
+            <a:r>
+              <a:rPr lang="en-US" b="1" dirty="0"/>
+              <a:t>Beam length</a:t>
+            </a:r>
+          </a:p>
+          <a:p>
+            <a:pPr marL="285750" indent="-285750">
+              <a:spcAft>
+                <a:spcPts val="600"/>
+              </a:spcAft>
+              <a:buFont typeface="Arial" panose="020B0604020202020204" pitchFamily="34" charset="0"/>
+              <a:buChar char="•"/>
+            </a:pPr>
+            <a:r>
+              <a:rPr lang="en-IN" b="0" i="0" dirty="0">
+                <a:effectLst/>
+              </a:rPr>
+              <a:t>Parameter range, P = [0.214 0.3 0.4 0.5 0.6 0.75 0.9 1.25]</a:t>
+            </a:r>
+          </a:p>
+          <a:p>
+            <a:pPr marL="285750" indent="-285750">
+              <a:spcAft>
+                <a:spcPts val="600"/>
+              </a:spcAft>
+              <a:buFont typeface="Arial" panose="020B0604020202020204" pitchFamily="34" charset="0"/>
+              <a:buChar char="•"/>
+            </a:pPr>
+            <a:r>
+              <a:rPr lang="en-IN" dirty="0"/>
+              <a:t>Models evaluated at </a:t>
+            </a:r>
+            <a:r>
+              <a:rPr lang="en-IN" b="1" dirty="0"/>
+              <a:t>L = 1m </a:t>
+            </a:r>
+            <a:r>
+              <a:rPr lang="en-IN" dirty="0"/>
+              <a:t>and </a:t>
+            </a:r>
+            <a:r>
+              <a:rPr lang="en-IN" b="1" dirty="0"/>
+              <a:t>100 elements</a:t>
+            </a:r>
+            <a:endParaRPr lang="en-US" b="1" dirty="0"/>
+          </a:p>
+          <a:p>
+            <a:pPr marL="285750" indent="-285750">
+              <a:spcAft>
+                <a:spcPts val="600"/>
+              </a:spcAft>
+              <a:buFont typeface="Arial" panose="020B0604020202020204" pitchFamily="34" charset="0"/>
+              <a:buChar char="•"/>
+            </a:pPr>
+            <a:r>
+              <a:rPr lang="en-US" dirty="0"/>
+              <a:t>All models give approximately the same results </a:t>
+            </a:r>
+          </a:p>
+          <a:p>
+            <a:pPr marL="285750" indent="-285750">
+              <a:spcAft>
+                <a:spcPts val="600"/>
+              </a:spcAft>
+              <a:buFont typeface="Arial" panose="020B0604020202020204" pitchFamily="34" charset="0"/>
+              <a:buChar char="•"/>
+            </a:pPr>
+            <a:r>
+              <a:rPr lang="en-US" dirty="0"/>
+              <a:t>Accuracy of reduced-order models decreases at high frequencies</a:t>
+            </a:r>
+          </a:p>
+        </p:txBody>
+      </p:sp>
+      <p:sp>
+        <p:nvSpPr>
+          <p:cNvPr id="3" name="Titel 2"/>
+          <p:cNvSpPr>
+            <a:spLocks noGrp="1"/>
+          </p:cNvSpPr>
+          <p:nvPr>
+            <p:ph type="title"/>
+          </p:nvPr>
+        </p:nvSpPr>
+        <p:spPr>
+          <a:xfrm>
+            <a:off x="319090" y="972000"/>
+            <a:ext cx="8508999" cy="410369"/>
+          </a:xfrm>
+        </p:spPr>
+        <p:txBody>
+          <a:bodyPr wrap="square" anchor="t">
+            <a:normAutofit/>
+          </a:bodyPr>
+          <a:lstStyle/>
+          <a:p>
+            <a:r>
+              <a:rPr lang="de-DE" dirty="0"/>
+              <a:t>Results</a:t>
+            </a:r>
+          </a:p>
+        </p:txBody>
+      </p:sp>
+      <p:sp>
+        <p:nvSpPr>
+          <p:cNvPr id="4" name="Foliennummernplatzhalter 3"/>
+          <p:cNvSpPr>
+            <a:spLocks noGrp="1"/>
+          </p:cNvSpPr>
+          <p:nvPr>
+            <p:ph type="sldNum" sz="quarter" idx="16"/>
+          </p:nvPr>
+        </p:nvSpPr>
+        <p:spPr>
+          <a:xfrm>
+            <a:off x="6774934" y="4854985"/>
+            <a:ext cx="2052074" cy="273844"/>
+          </a:xfrm>
+        </p:spPr>
+        <p:txBody>
+          <a:bodyPr anchor="ctr">
+            <a:normAutofit/>
+          </a:bodyPr>
+          <a:lstStyle/>
+          <a:p>
+            <a:pPr>
+              <a:spcAft>
+                <a:spcPts val="600"/>
+              </a:spcAft>
+            </a:pPr>
+            <a:fld id="{CE58CB1E-F828-4F11-99E0-327109AF9DA4}" type="slidenum">
+              <a:rPr lang="de-DE" smtClean="0"/>
+              <a:pPr>
+                <a:spcAft>
+                  <a:spcPts val="600"/>
+                </a:spcAft>
+              </a:pPr>
+              <a:t>10</a:t>
+            </a:fld>
+            <a:endParaRPr lang="de-DE"/>
+          </a:p>
+        </p:txBody>
+      </p:sp>
+      <p:sp>
+        <p:nvSpPr>
+          <p:cNvPr id="6" name="Fußzeilenplatzhalter 4"/>
+          <p:cNvSpPr>
+            <a:spLocks noGrp="1"/>
+          </p:cNvSpPr>
+          <p:nvPr>
+            <p:ph type="ftr" sz="quarter" idx="17"/>
+          </p:nvPr>
+        </p:nvSpPr>
+        <p:spPr>
+          <a:xfrm>
+            <a:off x="311162" y="4854985"/>
+            <a:ext cx="6464280" cy="273844"/>
+          </a:xfrm>
+        </p:spPr>
+        <p:txBody>
+          <a:bodyPr anchor="ctr">
+            <a:normAutofit/>
+          </a:bodyPr>
+          <a:lstStyle/>
+          <a:p>
+            <a:pPr>
+              <a:spcAft>
+                <a:spcPts val="600"/>
+              </a:spcAft>
+            </a:pPr>
+            <a:r>
+              <a:rPr lang="de-DE" dirty="0"/>
+              <a:t>Hritik Singh</a:t>
+            </a:r>
+            <a:endParaRPr lang="en-US" dirty="0"/>
+          </a:p>
+        </p:txBody>
+      </p:sp>
+      <p:pic>
+        <p:nvPicPr>
+          <p:cNvPr id="10" name="Picture 9">
+            <a:extLst>
+              <a:ext uri="{FF2B5EF4-FFF2-40B4-BE49-F238E27FC236}">
+                <a16:creationId xmlns:a16="http://schemas.microsoft.com/office/drawing/2014/main" id="{4674FF50-EA7E-3BCF-0704-E23DD1368C20}"/>
+              </a:ext>
+            </a:extLst>
+          </p:cNvPr>
+          <p:cNvPicPr>
+            <a:picLocks noChangeAspect="1"/>
+          </p:cNvPicPr>
+          <p:nvPr/>
+        </p:nvPicPr>
+        <p:blipFill>
+          <a:blip r:embed="rId2"/>
+          <a:stretch>
+            <a:fillRect/>
+          </a:stretch>
+        </p:blipFill>
+        <p:spPr>
+          <a:xfrm>
+            <a:off x="4587180" y="1095376"/>
+            <a:ext cx="4311073" cy="3233304"/>
+          </a:xfrm>
+          <a:prstGeom prst="rect">
+            <a:avLst/>
+          </a:prstGeom>
+        </p:spPr>
+      </p:pic>
+    </p:spTree>
+  </p:cSld>
+  <p:clrMapOvr>
+    <a:masterClrMapping/>
+  </p:clrMapOvr>
+  <p:transition spd="slow">
+    <p:push dir="u"/>
+  </p:transition>
+</p:sld>
+</file>
+
+<file path=ppt/slides/slide11.xml><?xml version="1.0" encoding="utf-8"?>
+<p:sld xmlns:a="http://schemas.openxmlformats.org/drawingml/2006/main" xmlns:r="http://schemas.openxmlformats.org/officeDocument/2006/relationships" xmlns:p="http://schemas.openxmlformats.org/presentationml/2006/main">
+  <p:cSld>
+    <p:spTree>
+      <p:nvGrpSpPr>
+        <p:cNvPr id="1" name=""/>
+        <p:cNvGrpSpPr/>
+        <p:nvPr/>
+      </p:nvGrpSpPr>
+      <p:grpSpPr>
+        <a:xfrm>
+          <a:off x="0" y="0"/>
+          <a:ext cx="0" cy="0"/>
+          <a:chOff x="0" y="0"/>
+          <a:chExt cx="0" cy="0"/>
+        </a:xfrm>
+      </p:grpSpPr>
+      <p:sp>
+        <p:nvSpPr>
           <p:cNvPr id="2" name="Content Placeholder 1">
             <a:extLst>
               <a:ext uri="{FF2B5EF4-FFF2-40B4-BE49-F238E27FC236}">
@@ -7569,9 +8242,21 @@
             </a:pPr>
             <a:r>
               <a:rPr lang="en-IN" dirty="0"/>
-              <a:t>Models evaluated at L = 1.5m and 100 elements</a:t>
-            </a:r>
-            <a:endParaRPr lang="en-US" dirty="0"/>
+              <a:t>Models evaluated at </a:t>
+            </a:r>
+            <a:r>
+              <a:rPr lang="en-IN" b="1" dirty="0"/>
+              <a:t>L = 1.5m </a:t>
+            </a:r>
+            <a:r>
+              <a:rPr lang="en-IN" dirty="0"/>
+              <a:t>and </a:t>
+            </a:r>
+            <a:r>
+              <a:rPr lang="en-IN" b="1" dirty="0"/>
+              <a:t>100 elements</a:t>
+            </a:r>
+            <a:endParaRPr lang="en-US" b="1" dirty="0"/>
           </a:p>
           <a:p>
             <a:pPr marL="285750" indent="-285750">
@@ -7609,15 +8294,23 @@
             </a:pPr>
             <a:r>
               <a:rPr lang="en-US" dirty="0"/>
-              <a:t>Accuracy of local </a:t>
-            </a:r>
-            <a:r>
-              <a:rPr lang="en-US" dirty="0" err="1"/>
+              <a:t>Accuracy of </a:t>
+            </a:r>
+            <a:r>
+              <a:rPr lang="en-US" b="1" dirty="0"/>
+              <a:t>local </a:t>
+            </a:r>
+            <a:r>
+              <a:rPr lang="en-US" b="1" dirty="0" err="1"/>
               <a:t>pMOR</a:t>
             </a:r>
             <a:r>
+              <a:rPr lang="en-US" b="1" dirty="0"/>
+              <a:t> is the worst </a:t>
+            </a:r>
+            <a:r>
               <a:rPr lang="en-US" dirty="0"/>
-              <a:t> is the worst since it is based on interpolation and thus, is unable to extrapolate the results</a:t>
+              <a:t>since it is based on interpolation and thus, is unable to extrapolate the results</a:t>
             </a:r>
           </a:p>
           <a:p>
@@ -7682,7 +8375,7 @@
             <a:fld id="{CE58CB1E-F828-4F11-99E0-327109AF9DA4}" type="slidenum">
               <a:rPr lang="de-DE" smtClean="0"/>
               <a:pPr/>
-              <a:t>10</a:t>
+              <a:t>11</a:t>
             </a:fld>
             <a:endParaRPr lang="de-DE" dirty="0"/>
           </a:p>
@@ -7741,8 +8434,8 @@
         </p:blipFill>
         <p:spPr>
           <a:xfrm>
-            <a:off x="4820523" y="1352810"/>
-            <a:ext cx="4004387" cy="3003290"/>
+            <a:off x="4582068" y="1102302"/>
+            <a:ext cx="4302607" cy="3226955"/>
           </a:xfrm>
         </p:spPr>
       </p:pic>
@@ -7762,7 +8455,7 @@
 </p:sld>
 </file>
 
-<file path=ppt/slides/slide11.xml><?xml version="1.0" encoding="utf-8"?>
+<file path=ppt/slides/slide12.xml><?xml version="1.0" encoding="utf-8"?>
 <p:sld xmlns:a="http://schemas.openxmlformats.org/drawingml/2006/main" xmlns:r="http://schemas.openxmlformats.org/officeDocument/2006/relationships" xmlns:p="http://schemas.openxmlformats.org/presentationml/2006/main">
   <p:cSld>
     <p:spTree>
@@ -7813,16 +8506,20 @@
                   <a:buChar char="•"/>
                 </a:pPr>
                 <a:r>
-                  <a:rPr lang="en-IN" dirty="0"/>
+                  <a:rPr lang="en-IN" b="1" dirty="0"/>
                   <a:t>Higher for local </a:t>
                 </a:r>
                 <a:r>
-                  <a:rPr lang="en-IN" dirty="0" err="1"/>
+                  <a:rPr lang="en-IN" b="1" dirty="0" err="1"/>
                   <a:t>pMOR</a:t>
                 </a:r>
                 <a:r>
+                  <a:rPr lang="en-IN" b="1" dirty="0"/>
+                  <a:t> </a:t>
+                </a:r>
+                <a:r>
                   <a:rPr lang="en-IN" dirty="0"/>
-                  <a:t> since it requires further steps like transformation and interpolation as compared to global </a:t>
+                  <a:t>since it requires further steps like transformation and interpolation as compared to global </a:t>
                 </a:r>
                 <a:r>
                   <a:rPr lang="en-IN" dirty="0" err="1"/>
@@ -7849,6 +8546,7 @@
                 </a:r>
               </a:p>
               <a:p>
+                <a:pPr/>
                 <a14:m>
                   <m:oMathPara xmlns:m="http://schemas.openxmlformats.org/officeDocument/2006/math">
                     <m:oMathParaPr>
@@ -7892,6 +8590,7 @@
                 <a:endParaRPr lang="en-IN" b="0" dirty="0"/>
               </a:p>
               <a:p>
+                <a:pPr/>
                 <a14:m>
                   <m:oMathPara xmlns:m="http://schemas.openxmlformats.org/officeDocument/2006/math">
                     <m:oMathParaPr>
@@ -7967,7 +8666,7 @@
               <a:lstStyle/>
               <a:p>
                 <a:r>
-                  <a:rPr lang="en-IN">
+                  <a:rPr lang="es-ES">
                     <a:noFill/>
                   </a:rPr>
                   <a:t> </a:t>
@@ -8001,8 +8700,8 @@
         </p:blipFill>
         <p:spPr>
           <a:xfrm>
-            <a:off x="4646613" y="1845338"/>
-            <a:ext cx="4181475" cy="2608524"/>
+            <a:off x="4409864" y="1546584"/>
+            <a:ext cx="4483311" cy="2796818"/>
           </a:xfrm>
         </p:spPr>
       </p:pic>
@@ -8034,7 +8733,15 @@
           <a:p>
             <a:r>
               <a:rPr lang="en-IN" dirty="0"/>
-              <a:t>Performance Study – Offline Computation Time</a:t>
+              <a:t>Performance Study – </a:t>
+            </a:r>
+            <a:r>
+              <a:rPr lang="en-IN" b="1" dirty="0"/>
+              <a:t>Offline</a:t>
+            </a:r>
+            <a:r>
+              <a:rPr lang="en-IN" dirty="0"/>
+              <a:t> Computation Time</a:t>
             </a:r>
           </a:p>
         </p:txBody>
@@ -8063,7 +8770,7 @@
             <a:fld id="{CE58CB1E-F828-4F11-99E0-327109AF9DA4}" type="slidenum">
               <a:rPr lang="de-DE" smtClean="0"/>
               <a:pPr/>
-              <a:t>11</a:t>
+              <a:t>12</a:t>
             </a:fld>
             <a:endParaRPr lang="de-DE" dirty="0"/>
           </a:p>
@@ -8114,7 +8821,7 @@
 </p:sld>
 </file>
 
-<file path=ppt/slides/slide12.xml><?xml version="1.0" encoding="utf-8"?>
+<file path=ppt/slides/slide13.xml><?xml version="1.0" encoding="utf-8"?>
 <p:sld xmlns:a="http://schemas.openxmlformats.org/drawingml/2006/main" xmlns:r="http://schemas.openxmlformats.org/officeDocument/2006/relationships" xmlns:p="http://schemas.openxmlformats.org/presentationml/2006/main">
   <p:cSld>
     <p:spTree>
@@ -8147,7 +8854,12 @@
             <p:ph idx="14"/>
           </p:nvPr>
         </p:nvSpPr>
-        <p:spPr/>
+        <p:spPr>
+          <a:xfrm>
+            <a:off x="319091" y="1602000"/>
+            <a:ext cx="4178297" cy="3095626"/>
+          </a:xfrm>
+        </p:spPr>
         <p:txBody>
           <a:bodyPr/>
           <a:lstStyle/>
@@ -8163,16 +8875,20 @@
               <a:buChar char="•"/>
             </a:pPr>
             <a:r>
+              <a:rPr lang="en-IN" b="1" dirty="0"/>
+              <a:t>Higher for global </a:t>
+            </a:r>
+            <a:r>
+              <a:rPr lang="en-IN" b="1" dirty="0" err="1"/>
+              <a:t>pMOR</a:t>
+            </a:r>
+            <a:r>
+              <a:rPr lang="en-IN" b="1" dirty="0"/>
+              <a:t> </a:t>
+            </a:r>
+            <a:r>
               <a:rPr lang="en-IN" dirty="0"/>
-              <a:t>Higher for global </a:t>
-            </a:r>
-            <a:r>
-              <a:rPr lang="en-IN" dirty="0" err="1"/>
-              <a:t>pMOR</a:t>
-            </a:r>
-            <a:r>
-              <a:rPr lang="en-IN" dirty="0"/>
-              <a:t> since the size of reduced system is more as compared to local </a:t>
+              <a:t>since the size of reduced system is more as compared to local </a:t>
             </a:r>
             <a:r>
               <a:rPr lang="en-IN" dirty="0" err="1"/>
@@ -8196,16 +8912,20 @@
               <a:buChar char="•"/>
             </a:pPr>
             <a:r>
+              <a:rPr lang="en-IN" b="1" dirty="0"/>
+              <a:t>Variations in global </a:t>
+            </a:r>
+            <a:r>
+              <a:rPr lang="en-IN" b="1" dirty="0" err="1"/>
+              <a:t>pMOR</a:t>
+            </a:r>
+            <a:r>
+              <a:rPr lang="en-IN" b="1" dirty="0"/>
+              <a:t> </a:t>
+            </a:r>
+            <a:r>
               <a:rPr lang="en-IN" dirty="0"/>
-              <a:t>Variations in global </a:t>
-            </a:r>
-            <a:r>
-              <a:rPr lang="en-IN" dirty="0" err="1"/>
-              <a:t>pMOR</a:t>
-            </a:r>
-            <a:r>
-              <a:rPr lang="en-IN" dirty="0"/>
-              <a:t> online time are probably due to processor usage by other processes</a:t>
+              <a:t>online time are probably due to processor usage by other processes</a:t>
             </a:r>
           </a:p>
         </p:txBody>
@@ -8234,8 +8954,8 @@
         </p:blipFill>
         <p:spPr>
           <a:xfrm>
-            <a:off x="4646613" y="1845459"/>
-            <a:ext cx="4181475" cy="2608283"/>
+            <a:off x="4478173" y="1586347"/>
+            <a:ext cx="4419186" cy="2756560"/>
           </a:xfrm>
         </p:spPr>
       </p:pic>
@@ -8267,7 +8987,15 @@
           <a:p>
             <a:r>
               <a:rPr lang="en-IN" dirty="0"/>
-              <a:t>Performance Study – Online Computation Time</a:t>
+              <a:t>Performance Study – </a:t>
+            </a:r>
+            <a:r>
+              <a:rPr lang="en-IN" b="1" dirty="0"/>
+              <a:t>Online</a:t>
+            </a:r>
+            <a:r>
+              <a:rPr lang="en-IN" dirty="0"/>
+              <a:t> Computation Time</a:t>
             </a:r>
           </a:p>
         </p:txBody>
@@ -8296,7 +9024,7 @@
             <a:fld id="{CE58CB1E-F828-4F11-99E0-327109AF9DA4}" type="slidenum">
               <a:rPr lang="de-DE" smtClean="0"/>
               <a:pPr/>
-              <a:t>12</a:t>
+              <a:t>13</a:t>
             </a:fld>
             <a:endParaRPr lang="de-DE" dirty="0"/>
           </a:p>
@@ -8347,7 +9075,7 @@
 </p:sld>
 </file>
 
-<file path=ppt/slides/slide13.xml><?xml version="1.0" encoding="utf-8"?>
+<file path=ppt/slides/slide14.xml><?xml version="1.0" encoding="utf-8"?>
 <p:sld xmlns:a="http://schemas.openxmlformats.org/drawingml/2006/main" xmlns:r="http://schemas.openxmlformats.org/officeDocument/2006/relationships" xmlns:p="http://schemas.openxmlformats.org/presentationml/2006/main">
   <p:cSld>
     <p:spTree>
@@ -8391,7 +9119,15 @@
             </a:pPr>
             <a:r>
               <a:rPr lang="en-IN" sz="1300" dirty="0"/>
-              <a:t>For small-sized systems, solving the full order system takes less time compared to </a:t>
+              <a:t>For </a:t>
+            </a:r>
+            <a:r>
+              <a:rPr lang="en-IN" sz="1300" b="1" dirty="0"/>
+              <a:t>small-sized systems</a:t>
+            </a:r>
+            <a:r>
+              <a:rPr lang="en-IN" sz="1300" dirty="0"/>
+              <a:t>, solving the full order system takes less time compared to </a:t>
             </a:r>
             <a:r>
               <a:rPr lang="en-IN" sz="1300" dirty="0" err="1"/>
@@ -8399,7 +9135,15 @@
             </a:r>
             <a:r>
               <a:rPr lang="en-IN" sz="1300" dirty="0"/>
-              <a:t> techniques due to overhead involved in setting up the MOR </a:t>
+              <a:t> techniques due to </a:t>
+            </a:r>
+            <a:r>
+              <a:rPr lang="en-IN" sz="1300" b="1" dirty="0"/>
+              <a:t>overhead</a:t>
+            </a:r>
+            <a:r>
+              <a:rPr lang="en-IN" sz="1300" dirty="0"/>
+              <a:t> involved in setting up the MOR</a:t>
             </a:r>
           </a:p>
           <a:p>
@@ -8409,15 +9153,27 @@
             </a:pPr>
             <a:r>
               <a:rPr lang="en-IN" sz="1300" dirty="0"/>
-              <a:t>But as the number of elements increase, both local and global </a:t>
-            </a:r>
-            <a:r>
-              <a:rPr lang="en-IN" sz="1300" dirty="0" err="1"/>
+              <a:t>But as the number of elements increase, both </a:t>
+            </a:r>
+            <a:r>
+              <a:rPr lang="en-IN" sz="1300" b="1" dirty="0"/>
+              <a:t>local and global </a:t>
+            </a:r>
+            <a:r>
+              <a:rPr lang="en-IN" sz="1300" b="1" dirty="0" err="1"/>
               <a:t>pMOR</a:t>
             </a:r>
             <a:r>
               <a:rPr lang="en-IN" sz="1300" dirty="0"/>
-              <a:t> take considerable less time compared to the full order system</a:t>
+              <a:t> take considerable </a:t>
+            </a:r>
+            <a:r>
+              <a:rPr lang="en-IN" sz="1300" b="1" dirty="0"/>
+              <a:t>less time </a:t>
+            </a:r>
+            <a:r>
+              <a:rPr lang="en-IN" sz="1300" dirty="0"/>
+              <a:t>compared to the full order system</a:t>
             </a:r>
           </a:p>
           <a:p>
@@ -8443,23 +9199,15 @@
             </a:r>
             <a:r>
               <a:rPr lang="en-IN" sz="1300" dirty="0"/>
-              <a:t> since online computation is done only once in our case but with repeated online phase, global </a:t>
-            </a:r>
-            <a:r>
-              <a:rPr lang="en-IN" sz="1300" dirty="0" err="1"/>
-              <a:t>pMOR</a:t>
+              <a:t> because only </a:t>
+            </a:r>
+            <a:r>
+              <a:rPr lang="en-IN" sz="1300" b="1" dirty="0"/>
+              <a:t>one online computation </a:t>
             </a:r>
             <a:r>
               <a:rPr lang="en-IN" sz="1300" dirty="0"/>
-              <a:t> will take considerably longer than local </a:t>
-            </a:r>
-            <a:r>
-              <a:rPr lang="en-IN" sz="1300" dirty="0" err="1"/>
-              <a:t>pMOR</a:t>
-            </a:r>
-            <a:r>
-              <a:rPr lang="en-IN" sz="1300" dirty="0"/>
-              <a:t> </a:t>
+              <a:t>performed.</a:t>
             </a:r>
           </a:p>
           <a:p>
@@ -8469,7 +9217,15 @@
             </a:pPr>
             <a:r>
               <a:rPr lang="en-IN" sz="1300" dirty="0"/>
-              <a:t>SO-IRKA takes least because it is performing MOR for just a single parameter </a:t>
+              <a:t>SO-IRKA takes least because it is performing MOR for just a single parameter (</a:t>
+            </a:r>
+            <a:r>
+              <a:rPr lang="en-IN" sz="1300" b="1" dirty="0"/>
+              <a:t>not easily scalable</a:t>
+            </a:r>
+            <a:r>
+              <a:rPr lang="en-IN" sz="1300" dirty="0"/>
+              <a:t>)</a:t>
             </a:r>
           </a:p>
         </p:txBody>
@@ -8498,8 +9254,8 @@
         </p:blipFill>
         <p:spPr>
           <a:xfrm>
-            <a:off x="4643434" y="1742223"/>
-            <a:ext cx="4181475" cy="2611554"/>
+            <a:off x="4467407" y="1595073"/>
+            <a:ext cx="4405992" cy="2751777"/>
           </a:xfrm>
         </p:spPr>
       </p:pic>
@@ -8531,7 +9287,15 @@
           <a:p>
             <a:r>
               <a:rPr lang="en-IN" dirty="0"/>
-              <a:t>Performance Study – Total Computation Times</a:t>
+              <a:t>Performance Study – </a:t>
+            </a:r>
+            <a:r>
+              <a:rPr lang="en-IN" b="1" dirty="0"/>
+              <a:t>Total</a:t>
+            </a:r>
+            <a:r>
+              <a:rPr lang="en-IN" dirty="0"/>
+              <a:t> Computation Time</a:t>
             </a:r>
           </a:p>
         </p:txBody>
@@ -8560,7 +9324,7 @@
             <a:fld id="{CE58CB1E-F828-4F11-99E0-327109AF9DA4}" type="slidenum">
               <a:rPr lang="de-DE" smtClean="0"/>
               <a:pPr/>
-              <a:t>13</a:t>
+              <a:t>14</a:t>
             </a:fld>
             <a:endParaRPr lang="de-DE" dirty="0"/>
           </a:p>
@@ -8611,7 +9375,7 @@
 </p:sld>
 </file>
 
-<file path=ppt/slides/slide14.xml><?xml version="1.0" encoding="utf-8"?>
+<file path=ppt/slides/slide15.xml><?xml version="1.0" encoding="utf-8"?>
 <p:sld xmlns:a="http://schemas.openxmlformats.org/drawingml/2006/main" xmlns:r="http://schemas.openxmlformats.org/officeDocument/2006/relationships" xmlns:p="http://schemas.openxmlformats.org/presentationml/2006/main">
   <p:cSld>
     <p:spTree>
@@ -8644,47 +9408,77 @@
             <p:ph idx="14"/>
           </p:nvPr>
         </p:nvSpPr>
-        <p:spPr/>
+        <p:spPr>
+          <a:xfrm>
+            <a:off x="319091" y="1893216"/>
+            <a:ext cx="3317727" cy="2804409"/>
+          </a:xfrm>
+        </p:spPr>
         <p:txBody>
           <a:bodyPr/>
           <a:lstStyle/>
           <a:p>
+            <a:pPr marL="285750" indent="-285750">
+              <a:buFont typeface="Arial" panose="020B0604020202020204" pitchFamily="34" charset="0"/>
+              <a:buChar char="•"/>
+            </a:pPr>
             <a:r>
               <a:rPr lang="en-IN" dirty="0"/>
-              <a:t>Parameter – Thickness of the beam</a:t>
+              <a:t>H = 0.01 m to reduce stiffness</a:t>
+            </a:r>
+          </a:p>
+          <a:p>
+            <a:pPr marL="285750" indent="-285750">
+              <a:buFont typeface="Arial" panose="020B0604020202020204" pitchFamily="34" charset="0"/>
+              <a:buChar char="•"/>
+            </a:pPr>
+            <a:r>
+              <a:rPr lang="en-IN" dirty="0"/>
+              <a:t>Many modes (peaks) represented</a:t>
+            </a:r>
+          </a:p>
+          <a:p>
+            <a:pPr marL="285750" indent="-285750">
+              <a:buFont typeface="Arial" panose="020B0604020202020204" pitchFamily="34" charset="0"/>
+              <a:buChar char="•"/>
+            </a:pPr>
+            <a:r>
+              <a:rPr lang="en-IN" dirty="0"/>
+              <a:t>Global </a:t>
+            </a:r>
+            <a:r>
+              <a:rPr lang="en-IN" dirty="0" err="1"/>
+              <a:t>pMOR</a:t>
+            </a:r>
+            <a:r>
+              <a:rPr lang="en-IN" dirty="0"/>
+              <a:t> accurate because r based on SVD</a:t>
+            </a:r>
+          </a:p>
+          <a:p>
+            <a:pPr marL="285750" indent="-285750">
+              <a:buFont typeface="Arial" panose="020B0604020202020204" pitchFamily="34" charset="0"/>
+              <a:buChar char="•"/>
+            </a:pPr>
+            <a:r>
+              <a:rPr lang="en-IN" dirty="0"/>
+              <a:t>Local </a:t>
+            </a:r>
+            <a:r>
+              <a:rPr lang="en-IN" dirty="0" err="1"/>
+              <a:t>pMOR</a:t>
+            </a:r>
+            <a:r>
+              <a:rPr lang="en-IN" dirty="0"/>
+              <a:t> with r = 5 can only </a:t>
+            </a:r>
+            <a:r>
+              <a:rPr lang="en-IN" b="1" dirty="0"/>
+              <a:t>represent 5 modes</a:t>
             </a:r>
           </a:p>
         </p:txBody>
       </p:sp>
-      <p:pic>
-        <p:nvPicPr>
-          <p:cNvPr id="8" name="Content Placeholder 7" descr="Chart, line chart&#10;&#10;Description automatically generated">
-            <a:extLst>
-              <a:ext uri="{FF2B5EF4-FFF2-40B4-BE49-F238E27FC236}">
-                <a16:creationId xmlns:a16="http://schemas.microsoft.com/office/drawing/2014/main" id="{239E5CBD-24A9-F468-6CE1-78C2C8D5C1B2}"/>
-              </a:ext>
-            </a:extLst>
-          </p:cNvPr>
-          <p:cNvPicPr>
-            <a:picLocks noGrp="1" noChangeAspect="1"/>
-          </p:cNvPicPr>
-          <p:nvPr>
-            <p:ph idx="15"/>
-          </p:nvPr>
-        </p:nvPicPr>
-        <p:blipFill>
-          <a:blip r:embed="rId2"/>
-          <a:stretch>
-            <a:fillRect/>
-          </a:stretch>
-        </p:blipFill>
-        <p:spPr>
-          <a:xfrm>
-            <a:off x="4673600" y="1601788"/>
-            <a:ext cx="4127500" cy="3095625"/>
-          </a:xfrm>
-        </p:spPr>
-      </p:pic>
       <p:sp>
         <p:nvSpPr>
           <p:cNvPr id="4" name="Title 3">
@@ -8704,7 +9498,7 @@
         <p:spPr>
           <a:xfrm>
             <a:off x="319090" y="972000"/>
-            <a:ext cx="8508999" cy="380810"/>
+            <a:ext cx="8508999" cy="791179"/>
           </a:xfrm>
         </p:spPr>
         <p:txBody>
@@ -8713,7 +9507,14 @@
           <a:p>
             <a:r>
               <a:rPr lang="en-IN" dirty="0"/>
-              <a:t>Parametric Study</a:t>
+              <a:t>Reduced base </a:t>
+            </a:r>
+            <a:br>
+              <a:rPr lang="en-IN" dirty="0"/>
+            </a:br>
+            <a:r>
+              <a:rPr lang="en-IN" dirty="0"/>
+              <a:t>and stiffness</a:t>
             </a:r>
           </a:p>
         </p:txBody>
@@ -8742,7 +9543,7 @@
             <a:fld id="{CE58CB1E-F828-4F11-99E0-327109AF9DA4}" type="slidenum">
               <a:rPr lang="de-DE" smtClean="0"/>
               <a:pPr/>
-              <a:t>14</a:t>
+              <a:t>15</a:t>
             </a:fld>
             <a:endParaRPr lang="de-DE" dirty="0"/>
           </a:p>
@@ -8777,6 +9578,340 @@
           </a:p>
         </p:txBody>
       </p:sp>
+      <p:pic>
+        <p:nvPicPr>
+          <p:cNvPr id="14" name="Content Placeholder 13">
+            <a:extLst>
+              <a:ext uri="{FF2B5EF4-FFF2-40B4-BE49-F238E27FC236}">
+                <a16:creationId xmlns:a16="http://schemas.microsoft.com/office/drawing/2014/main" id="{66DE647B-0510-13EB-5F71-C6F8CB396618}"/>
+              </a:ext>
+            </a:extLst>
+          </p:cNvPr>
+          <p:cNvPicPr>
+            <a:picLocks noGrp="1" noChangeAspect="1"/>
+          </p:cNvPicPr>
+          <p:nvPr>
+            <p:ph idx="15"/>
+          </p:nvPr>
+        </p:nvPicPr>
+        <p:blipFill>
+          <a:blip r:embed="rId2"/>
+          <a:stretch>
+            <a:fillRect/>
+          </a:stretch>
+        </p:blipFill>
+        <p:spPr>
+          <a:xfrm>
+            <a:off x="3679012" y="879764"/>
+            <a:ext cx="5201313" cy="3900985"/>
+          </a:xfrm>
+        </p:spPr>
+      </p:pic>
+      <p:sp>
+        <p:nvSpPr>
+          <p:cNvPr id="15" name="Flowchart: Connector 14">
+            <a:extLst>
+              <a:ext uri="{FF2B5EF4-FFF2-40B4-BE49-F238E27FC236}">
+                <a16:creationId xmlns:a16="http://schemas.microsoft.com/office/drawing/2014/main" id="{45BAE374-11F5-A38B-E6DF-8C14CB406F0B}"/>
+              </a:ext>
+            </a:extLst>
+          </p:cNvPr>
+          <p:cNvSpPr/>
+          <p:nvPr/>
+        </p:nvSpPr>
+        <p:spPr>
+          <a:xfrm>
+            <a:off x="4495794" y="2076139"/>
+            <a:ext cx="176213" cy="171450"/>
+          </a:xfrm>
+          <a:prstGeom prst="flowChartConnector">
+            <a:avLst/>
+          </a:prstGeom>
+          <a:noFill/>
+          <a:ln>
+            <a:solidFill>
+              <a:srgbClr val="FF0000"/>
+            </a:solidFill>
+          </a:ln>
+        </p:spPr>
+        <p:style>
+          <a:lnRef idx="2">
+            <a:schemeClr val="accent1">
+              <a:shade val="50000"/>
+            </a:schemeClr>
+          </a:lnRef>
+          <a:fillRef idx="1">
+            <a:schemeClr val="accent1"/>
+          </a:fillRef>
+          <a:effectRef idx="0">
+            <a:schemeClr val="accent1"/>
+          </a:effectRef>
+          <a:fontRef idx="minor">
+            <a:schemeClr val="lt1"/>
+          </a:fontRef>
+        </p:style>
+        <p:txBody>
+          <a:bodyPr rot="0" spcFirstLastPara="0" vertOverflow="overflow" horzOverflow="overflow" vert="horz" wrap="square" lIns="91440" tIns="45720" rIns="91440" bIns="45720" numCol="1" spcCol="0" rtlCol="0" fromWordArt="0" anchor="t" anchorCtr="0" forceAA="0" compatLnSpc="1">
+            <a:prstTxWarp prst="textNoShape">
+              <a:avLst/>
+            </a:prstTxWarp>
+            <a:noAutofit/>
+          </a:bodyPr>
+          <a:lstStyle/>
+          <a:p>
+            <a:pPr algn="ctr">
+              <a:lnSpc>
+                <a:spcPct val="114000"/>
+              </a:lnSpc>
+            </a:pPr>
+            <a:endParaRPr lang="es-ES" dirty="0"/>
+          </a:p>
+        </p:txBody>
+      </p:sp>
+      <p:sp>
+        <p:nvSpPr>
+          <p:cNvPr id="16" name="Flowchart: Connector 15">
+            <a:extLst>
+              <a:ext uri="{FF2B5EF4-FFF2-40B4-BE49-F238E27FC236}">
+                <a16:creationId xmlns:a16="http://schemas.microsoft.com/office/drawing/2014/main" id="{0176957F-FCB9-DCAD-02D8-3F76B52FA38D}"/>
+              </a:ext>
+            </a:extLst>
+          </p:cNvPr>
+          <p:cNvSpPr/>
+          <p:nvPr/>
+        </p:nvSpPr>
+        <p:spPr>
+          <a:xfrm>
+            <a:off x="4371972" y="3633477"/>
+            <a:ext cx="176213" cy="171450"/>
+          </a:xfrm>
+          <a:prstGeom prst="flowChartConnector">
+            <a:avLst/>
+          </a:prstGeom>
+          <a:noFill/>
+          <a:ln>
+            <a:solidFill>
+              <a:srgbClr val="FF0000"/>
+            </a:solidFill>
+          </a:ln>
+        </p:spPr>
+        <p:style>
+          <a:lnRef idx="2">
+            <a:schemeClr val="accent1">
+              <a:shade val="50000"/>
+            </a:schemeClr>
+          </a:lnRef>
+          <a:fillRef idx="1">
+            <a:schemeClr val="accent1"/>
+          </a:fillRef>
+          <a:effectRef idx="0">
+            <a:schemeClr val="accent1"/>
+          </a:effectRef>
+          <a:fontRef idx="minor">
+            <a:schemeClr val="lt1"/>
+          </a:fontRef>
+        </p:style>
+        <p:txBody>
+          <a:bodyPr rot="0" spcFirstLastPara="0" vertOverflow="overflow" horzOverflow="overflow" vert="horz" wrap="square" lIns="91440" tIns="45720" rIns="91440" bIns="45720" numCol="1" spcCol="0" rtlCol="0" fromWordArt="0" anchor="t" anchorCtr="0" forceAA="0" compatLnSpc="1">
+            <a:prstTxWarp prst="textNoShape">
+              <a:avLst/>
+            </a:prstTxWarp>
+            <a:noAutofit/>
+          </a:bodyPr>
+          <a:lstStyle/>
+          <a:p>
+            <a:pPr algn="ctr">
+              <a:lnSpc>
+                <a:spcPct val="114000"/>
+              </a:lnSpc>
+            </a:pPr>
+            <a:endParaRPr lang="es-ES" dirty="0"/>
+          </a:p>
+        </p:txBody>
+      </p:sp>
+      <p:sp>
+        <p:nvSpPr>
+          <p:cNvPr id="17" name="Flowchart: Connector 16">
+            <a:extLst>
+              <a:ext uri="{FF2B5EF4-FFF2-40B4-BE49-F238E27FC236}">
+                <a16:creationId xmlns:a16="http://schemas.microsoft.com/office/drawing/2014/main" id="{BCA9CA4E-686C-759A-A0D9-AAB2DA5DC8B0}"/>
+              </a:ext>
+            </a:extLst>
+          </p:cNvPr>
+          <p:cNvSpPr/>
+          <p:nvPr/>
+        </p:nvSpPr>
+        <p:spPr>
+          <a:xfrm>
+            <a:off x="4237271" y="3101296"/>
+            <a:ext cx="176213" cy="171450"/>
+          </a:xfrm>
+          <a:prstGeom prst="flowChartConnector">
+            <a:avLst/>
+          </a:prstGeom>
+          <a:noFill/>
+          <a:ln>
+            <a:solidFill>
+              <a:srgbClr val="FF0000"/>
+            </a:solidFill>
+          </a:ln>
+        </p:spPr>
+        <p:style>
+          <a:lnRef idx="2">
+            <a:schemeClr val="accent1">
+              <a:shade val="50000"/>
+            </a:schemeClr>
+          </a:lnRef>
+          <a:fillRef idx="1">
+            <a:schemeClr val="accent1"/>
+          </a:fillRef>
+          <a:effectRef idx="0">
+            <a:schemeClr val="accent1"/>
+          </a:effectRef>
+          <a:fontRef idx="minor">
+            <a:schemeClr val="lt1"/>
+          </a:fontRef>
+        </p:style>
+        <p:txBody>
+          <a:bodyPr rot="0" spcFirstLastPara="0" vertOverflow="overflow" horzOverflow="overflow" vert="horz" wrap="square" lIns="91440" tIns="45720" rIns="91440" bIns="45720" numCol="1" spcCol="0" rtlCol="0" fromWordArt="0" anchor="t" anchorCtr="0" forceAA="0" compatLnSpc="1">
+            <a:prstTxWarp prst="textNoShape">
+              <a:avLst/>
+            </a:prstTxWarp>
+            <a:noAutofit/>
+          </a:bodyPr>
+          <a:lstStyle/>
+          <a:p>
+            <a:pPr algn="ctr">
+              <a:lnSpc>
+                <a:spcPct val="114000"/>
+              </a:lnSpc>
+            </a:pPr>
+            <a:endParaRPr lang="es-ES" dirty="0"/>
+          </a:p>
+        </p:txBody>
+      </p:sp>
+      <p:sp>
+        <p:nvSpPr>
+          <p:cNvPr id="18" name="Flowchart: Connector 17">
+            <a:extLst>
+              <a:ext uri="{FF2B5EF4-FFF2-40B4-BE49-F238E27FC236}">
+                <a16:creationId xmlns:a16="http://schemas.microsoft.com/office/drawing/2014/main" id="{21260361-5E33-6D68-7883-F8E3CF2D9A6D}"/>
+              </a:ext>
+            </a:extLst>
+          </p:cNvPr>
+          <p:cNvSpPr/>
+          <p:nvPr/>
+        </p:nvSpPr>
+        <p:spPr>
+          <a:xfrm>
+            <a:off x="4274339" y="2046629"/>
+            <a:ext cx="176213" cy="171450"/>
+          </a:xfrm>
+          <a:prstGeom prst="flowChartConnector">
+            <a:avLst/>
+          </a:prstGeom>
+          <a:noFill/>
+          <a:ln>
+            <a:solidFill>
+              <a:srgbClr val="FF0000"/>
+            </a:solidFill>
+          </a:ln>
+        </p:spPr>
+        <p:style>
+          <a:lnRef idx="2">
+            <a:schemeClr val="accent1">
+              <a:shade val="50000"/>
+            </a:schemeClr>
+          </a:lnRef>
+          <a:fillRef idx="1">
+            <a:schemeClr val="accent1"/>
+          </a:fillRef>
+          <a:effectRef idx="0">
+            <a:schemeClr val="accent1"/>
+          </a:effectRef>
+          <a:fontRef idx="minor">
+            <a:schemeClr val="lt1"/>
+          </a:fontRef>
+        </p:style>
+        <p:txBody>
+          <a:bodyPr rot="0" spcFirstLastPara="0" vertOverflow="overflow" horzOverflow="overflow" vert="horz" wrap="square" lIns="91440" tIns="45720" rIns="91440" bIns="45720" numCol="1" spcCol="0" rtlCol="0" fromWordArt="0" anchor="t" anchorCtr="0" forceAA="0" compatLnSpc="1">
+            <a:prstTxWarp prst="textNoShape">
+              <a:avLst/>
+            </a:prstTxWarp>
+            <a:noAutofit/>
+          </a:bodyPr>
+          <a:lstStyle/>
+          <a:p>
+            <a:pPr algn="ctr">
+              <a:lnSpc>
+                <a:spcPct val="114000"/>
+              </a:lnSpc>
+            </a:pPr>
+            <a:endParaRPr lang="es-ES" dirty="0"/>
+          </a:p>
+        </p:txBody>
+      </p:sp>
+      <p:sp>
+        <p:nvSpPr>
+          <p:cNvPr id="19" name="Flowchart: Connector 18">
+            <a:extLst>
+              <a:ext uri="{FF2B5EF4-FFF2-40B4-BE49-F238E27FC236}">
+                <a16:creationId xmlns:a16="http://schemas.microsoft.com/office/drawing/2014/main" id="{C8001E00-54B8-E73A-703D-021FF56B45E2}"/>
+              </a:ext>
+            </a:extLst>
+          </p:cNvPr>
+          <p:cNvSpPr/>
+          <p:nvPr/>
+        </p:nvSpPr>
+        <p:spPr>
+          <a:xfrm>
+            <a:off x="4195759" y="1563371"/>
+            <a:ext cx="176213" cy="171450"/>
+          </a:xfrm>
+          <a:prstGeom prst="flowChartConnector">
+            <a:avLst/>
+          </a:prstGeom>
+          <a:noFill/>
+          <a:ln>
+            <a:solidFill>
+              <a:srgbClr val="FF0000"/>
+            </a:solidFill>
+          </a:ln>
+        </p:spPr>
+        <p:style>
+          <a:lnRef idx="2">
+            <a:schemeClr val="accent1">
+              <a:shade val="50000"/>
+            </a:schemeClr>
+          </a:lnRef>
+          <a:fillRef idx="1">
+            <a:schemeClr val="accent1"/>
+          </a:fillRef>
+          <a:effectRef idx="0">
+            <a:schemeClr val="accent1"/>
+          </a:effectRef>
+          <a:fontRef idx="minor">
+            <a:schemeClr val="lt1"/>
+          </a:fontRef>
+        </p:style>
+        <p:txBody>
+          <a:bodyPr rot="0" spcFirstLastPara="0" vertOverflow="overflow" horzOverflow="overflow" vert="horz" wrap="square" lIns="91440" tIns="45720" rIns="91440" bIns="45720" numCol="1" spcCol="0" rtlCol="0" fromWordArt="0" anchor="t" anchorCtr="0" forceAA="0" compatLnSpc="1">
+            <a:prstTxWarp prst="textNoShape">
+              <a:avLst/>
+            </a:prstTxWarp>
+            <a:noAutofit/>
+          </a:bodyPr>
+          <a:lstStyle/>
+          <a:p>
+            <a:pPr algn="ctr">
+              <a:lnSpc>
+                <a:spcPct val="114000"/>
+              </a:lnSpc>
+            </a:pPr>
+            <a:endParaRPr lang="es-ES" dirty="0"/>
+          </a:p>
+        </p:txBody>
+      </p:sp>
     </p:spTree>
     <p:extLst>
       <p:ext uri="{BB962C8B-B14F-4D97-AF65-F5344CB8AC3E}">
@@ -8793,7 +9928,7 @@
 </p:sld>
 </file>
 
-<file path=ppt/slides/slide15.xml><?xml version="1.0" encoding="utf-8"?>
+<file path=ppt/slides/slide16.xml><?xml version="1.0" encoding="utf-8"?>
 <p:sld xmlns:a="http://schemas.openxmlformats.org/drawingml/2006/main" xmlns:r="http://schemas.openxmlformats.org/officeDocument/2006/relationships" xmlns:p="http://schemas.openxmlformats.org/presentationml/2006/main">
   <p:cSld>
     <p:spTree>
@@ -8845,7 +9980,11 @@
             </a:r>
             <a:r>
               <a:rPr lang="en-IN" dirty="0"/>
-              <a:t> techniques have been successfully implemented</a:t>
+              <a:t> techniques have been </a:t>
+            </a:r>
+            <a:r>
+              <a:rPr lang="en-IN" b="1" dirty="0"/>
+              <a:t>successfully implemented</a:t>
             </a:r>
           </a:p>
           <a:p>
@@ -8853,18 +9992,7 @@
               <a:buFont typeface="Arial" panose="020B0604020202020204" pitchFamily="34" charset="0"/>
               <a:buChar char="•"/>
             </a:pPr>
-            <a:r>
-              <a:rPr lang="en-IN" dirty="0"/>
-              <a:t>Furthermore, we observe that </a:t>
-            </a:r>
-            <a:r>
-              <a:rPr lang="en-IN" dirty="0" err="1"/>
-              <a:t>pMOR</a:t>
-            </a:r>
-            <a:r>
-              <a:rPr lang="en-IN" dirty="0"/>
-              <a:t> techniques are quite effective and result in considerable resource-saving specially if the parameter range is chosen appropriately </a:t>
-            </a:r>
+            <a:endParaRPr lang="en-IN" b="1" dirty="0"/>
           </a:p>
           <a:p>
             <a:pPr marL="285750" indent="-285750">
@@ -8872,20 +10000,28 @@
               <a:buChar char="•"/>
             </a:pPr>
             <a:r>
-              <a:rPr lang="en-IN" dirty="0"/>
-              <a:t>Local </a:t>
-            </a:r>
-            <a:r>
               <a:rPr lang="en-IN" dirty="0" err="1"/>
               <a:t>pMOR</a:t>
             </a:r>
             <a:r>
               <a:rPr lang="en-IN" dirty="0"/>
-              <a:t> is the best MOR technique for </a:t>
-            </a:r>
-            <a:r>
-              <a:rPr lang="en-US" dirty="0"/>
-              <a:t>applications like optimization, navigation, etc. that require repeated model evaluations in online phase</a:t>
+              <a:t> techniques are quite effective and result in considerable </a:t>
+            </a:r>
+            <a:r>
+              <a:rPr lang="en-IN" b="1" dirty="0"/>
+              <a:t>resource-saving</a:t>
+            </a:r>
+            <a:r>
+              <a:rPr lang="en-IN" dirty="0"/>
+              <a:t> specially if the </a:t>
+            </a:r>
+            <a:r>
+              <a:rPr lang="en-IN" b="1" dirty="0"/>
+              <a:t>parameter range</a:t>
+            </a:r>
+            <a:r>
+              <a:rPr lang="en-IN" dirty="0"/>
+              <a:t> is chosen appropriately </a:t>
             </a:r>
           </a:p>
           <a:p>
@@ -8893,18 +10029,7 @@
               <a:buFont typeface="Arial" panose="020B0604020202020204" pitchFamily="34" charset="0"/>
               <a:buChar char="•"/>
             </a:pPr>
-            <a:r>
-              <a:rPr lang="en-IN" dirty="0"/>
-              <a:t>Since online computation time is less compared to global </a:t>
-            </a:r>
-            <a:r>
-              <a:rPr lang="en-IN" dirty="0" err="1"/>
-              <a:t>pMOR</a:t>
-            </a:r>
-            <a:r>
-              <a:rPr lang="en-IN" dirty="0"/>
-              <a:t> and the offline phase can be carried out beforehand</a:t>
-            </a:r>
+            <a:endParaRPr lang="en-IN" dirty="0"/>
           </a:p>
           <a:p>
             <a:pPr marL="285750" indent="-285750">
@@ -8912,9 +10037,93 @@
               <a:buChar char="•"/>
             </a:pPr>
             <a:r>
+              <a:rPr lang="en-IN" b="1" dirty="0"/>
+              <a:t>Local </a:t>
+            </a:r>
+            <a:r>
+              <a:rPr lang="en-IN" b="1" dirty="0" err="1"/>
+              <a:t>pMOR</a:t>
+            </a:r>
+            <a:r>
+              <a:rPr lang="en-IN" b="1" dirty="0"/>
+              <a:t> </a:t>
+            </a:r>
+            <a:r>
               <a:rPr lang="en-IN" dirty="0"/>
-              <a:t>This is true specially if extrapolation isn’t involved</a:t>
-            </a:r>
+              <a:t>is the best MOR technique for </a:t>
+            </a:r>
+            <a:r>
+              <a:rPr lang="en-US" dirty="0"/>
+              <a:t>applications like optimization, navigation, etc. that require </a:t>
+            </a:r>
+            <a:r>
+              <a:rPr lang="en-US" b="1" dirty="0"/>
+              <a:t>repeated model evaluations </a:t>
+            </a:r>
+            <a:r>
+              <a:rPr lang="en-US" dirty="0"/>
+              <a:t>in online phase</a:t>
+            </a:r>
+            <a:endParaRPr lang="en-IN" dirty="0"/>
+          </a:p>
+          <a:p>
+            <a:pPr marL="285750" indent="-285750">
+              <a:buFont typeface="Arial" panose="020B0604020202020204" pitchFamily="34" charset="0"/>
+              <a:buChar char="•"/>
+            </a:pPr>
+            <a:endParaRPr lang="en-IN" dirty="0"/>
+          </a:p>
+          <a:p>
+            <a:pPr marL="285750" indent="-285750">
+              <a:buFont typeface="Arial" panose="020B0604020202020204" pitchFamily="34" charset="0"/>
+              <a:buChar char="•"/>
+            </a:pPr>
+            <a:r>
+              <a:rPr lang="en-IN" dirty="0"/>
+              <a:t>This is true specially </a:t>
+            </a:r>
+            <a:r>
+              <a:rPr lang="en-IN" b="1" dirty="0"/>
+              <a:t>if extrapolation isn’t involved</a:t>
+            </a:r>
+          </a:p>
+          <a:p>
+            <a:pPr marL="285750" indent="-285750">
+              <a:buFont typeface="Arial" panose="020B0604020202020204" pitchFamily="34" charset="0"/>
+              <a:buChar char="•"/>
+            </a:pPr>
+            <a:endParaRPr lang="en-IN" b="1" dirty="0"/>
+          </a:p>
+          <a:p>
+            <a:pPr marL="285750" indent="-285750">
+              <a:buFont typeface="Arial" panose="020B0604020202020204" pitchFamily="34" charset="0"/>
+              <a:buChar char="•"/>
+            </a:pPr>
+            <a:r>
+              <a:rPr lang="en-IN" b="1" dirty="0"/>
+              <a:t>FUTURE WORK: </a:t>
+            </a:r>
+            <a:r>
+              <a:rPr lang="en-IN" dirty="0"/>
+              <a:t>Different </a:t>
+            </a:r>
+            <a:r>
+              <a:rPr lang="en-IN" b="1" dirty="0"/>
+              <a:t>interpolation</a:t>
+            </a:r>
+            <a:r>
+              <a:rPr lang="en-IN" dirty="0"/>
+              <a:t> methods, </a:t>
+            </a:r>
+            <a:r>
+              <a:rPr lang="en-IN" b="1" dirty="0"/>
+              <a:t>sampling</a:t>
+            </a:r>
+            <a:r>
+              <a:rPr lang="en-IN" dirty="0"/>
+              <a:t> of parameter space.</a:t>
+            </a:r>
+            <a:endParaRPr lang="en-IN" b="1" dirty="0"/>
           </a:p>
         </p:txBody>
       </p:sp>
@@ -8975,7 +10184,7 @@
             <a:fld id="{CE58CB1E-F828-4F11-99E0-327109AF9DA4}" type="slidenum">
               <a:rPr lang="de-DE" smtClean="0"/>
               <a:pPr/>
-              <a:t>15</a:t>
+              <a:t>16</a:t>
             </a:fld>
             <a:endParaRPr lang="de-DE" dirty="0"/>
           </a:p>
@@ -9026,7 +10235,7 @@
 </p:sld>
 </file>
 
-<file path=ppt/slides/slide16.xml><?xml version="1.0" encoding="utf-8"?>
+<file path=ppt/slides/slide17.xml><?xml version="1.0" encoding="utf-8"?>
 <p:sld xmlns:a="http://schemas.openxmlformats.org/drawingml/2006/main" xmlns:r="http://schemas.openxmlformats.org/officeDocument/2006/relationships" xmlns:p="http://schemas.openxmlformats.org/presentationml/2006/main">
   <p:cSld>
     <p:spTree>
@@ -9100,7 +10309,7 @@
             <a:fld id="{CE58CB1E-F828-4F11-99E0-327109AF9DA4}" type="slidenum">
               <a:rPr lang="de-DE" smtClean="0"/>
               <a:pPr/>
-              <a:t>16</a:t>
+              <a:t>17</a:t>
             </a:fld>
             <a:endParaRPr lang="de-DE" dirty="0"/>
           </a:p>
@@ -9177,6 +10386,9 @@
             </a:r>
           </a:p>
           <a:p>
+            <a:endParaRPr lang="en-US" dirty="0"/>
+          </a:p>
+          <a:p>
             <a:pPr marL="285750" indent="-285750">
               <a:buFont typeface="Arial" panose="020B0604020202020204" pitchFamily="34" charset="0"/>
               <a:buChar char="•"/>
@@ -9191,6 +10403,9 @@
             </a:r>
           </a:p>
           <a:p>
+            <a:endParaRPr lang="en-US" dirty="0"/>
+          </a:p>
+          <a:p>
             <a:pPr marL="285750" indent="-285750">
               <a:buFont typeface="Arial" panose="020B0604020202020204" pitchFamily="34" charset="0"/>
               <a:buChar char="•"/>
@@ -9211,6 +10426,9 @@
               <a:rPr lang="en-US" b="1" dirty="0"/>
               <a:t>material properties, the geometry or boundary conditions are changed</a:t>
             </a:r>
+          </a:p>
+          <a:p>
+            <a:endParaRPr lang="en-US" b="1" dirty="0"/>
           </a:p>
           <a:p>
             <a:pPr marL="285750" indent="-285750">
@@ -9379,14 +10597,7 @@
               <a:buFont typeface="Arial" panose="020B0604020202020204" pitchFamily="34" charset="0"/>
               <a:buChar char="•"/>
             </a:pPr>
-            <a:r>
-              <a:rPr lang="en-US" dirty="0"/>
-              <a:t>However, this is a costly task requiring large computations with full order system, thus generally </a:t>
-            </a:r>
-            <a:r>
-              <a:rPr lang="en-US" b="1" dirty="0"/>
-              <a:t>unfeasible</a:t>
-            </a:r>
+            <a:endParaRPr lang="en-US" dirty="0"/>
           </a:p>
           <a:p>
             <a:pPr marL="285750" indent="-285750">
@@ -9394,20 +10605,12 @@
               <a:buChar char="•"/>
             </a:pPr>
             <a:r>
+              <a:rPr lang="en-US" dirty="0"/>
+              <a:t>However, this is a costly task requiring large computations with full order system, thus generally </a:t>
+            </a:r>
+            <a:r>
               <a:rPr lang="en-US" b="1" dirty="0"/>
-              <a:t>Parametric Model Order Reduction (</a:t>
-            </a:r>
-            <a:r>
-              <a:rPr lang="en-US" b="1" dirty="0" err="1"/>
-              <a:t>pMOR</a:t>
-            </a:r>
-            <a:r>
-              <a:rPr lang="en-US" b="1" dirty="0"/>
-              <a:t>)</a:t>
-            </a:r>
-            <a:r>
-              <a:rPr lang="en-US" dirty="0"/>
-              <a:t> helps in overcoming these problems</a:t>
+              <a:t>unfeasible</a:t>
             </a:r>
           </a:p>
           <a:p>
@@ -9415,6 +10618,42 @@
               <a:buFont typeface="Arial" panose="020B0604020202020204" pitchFamily="34" charset="0"/>
               <a:buChar char="•"/>
             </a:pPr>
+            <a:endParaRPr lang="en-US" b="1" dirty="0"/>
+          </a:p>
+          <a:p>
+            <a:pPr marL="285750" indent="-285750">
+              <a:buFont typeface="Arial" panose="020B0604020202020204" pitchFamily="34" charset="0"/>
+              <a:buChar char="•"/>
+            </a:pPr>
+            <a:r>
+              <a:rPr lang="en-US" b="1" dirty="0"/>
+              <a:t>Parametric Model Order Reduction (</a:t>
+            </a:r>
+            <a:r>
+              <a:rPr lang="en-US" b="1" dirty="0" err="1"/>
+              <a:t>pMOR</a:t>
+            </a:r>
+            <a:r>
+              <a:rPr lang="en-US" b="1" dirty="0"/>
+              <a:t>)</a:t>
+            </a:r>
+            <a:r>
+              <a:rPr lang="en-US" dirty="0"/>
+              <a:t> helps in overcoming these problems</a:t>
+            </a:r>
+          </a:p>
+          <a:p>
+            <a:pPr marL="285750" indent="-285750">
+              <a:buFont typeface="Arial" panose="020B0604020202020204" pitchFamily="34" charset="0"/>
+              <a:buChar char="•"/>
+            </a:pPr>
+            <a:endParaRPr lang="en-US" dirty="0"/>
+          </a:p>
+          <a:p>
+            <a:pPr marL="285750" indent="-285750">
+              <a:buFont typeface="Arial" panose="020B0604020202020204" pitchFamily="34" charset="0"/>
+              <a:buChar char="•"/>
+            </a:pPr>
             <a:r>
               <a:rPr lang="de-DE" dirty="0"/>
               <a:t>In pMOR, instead of generating ROMs at each point, a </a:t>
@@ -9425,8 +10664,24 @@
             </a:r>
             <a:r>
               <a:rPr lang="de-DE" dirty="0"/>
-              <a:t>is done to generate a database of reduced quantities</a:t>
-            </a:r>
+              <a:t>is done to generate a database of </a:t>
+            </a:r>
+            <a:r>
+              <a:rPr lang="de-DE" dirty="0" err="1"/>
+              <a:t>reduced</a:t>
+            </a:r>
+            <a:r>
+              <a:rPr lang="de-DE" dirty="0"/>
+              <a:t> </a:t>
+            </a:r>
+            <a:r>
+              <a:rPr lang="de-DE" dirty="0" err="1"/>
+              <a:t>quantities</a:t>
+            </a:r>
+            <a:endParaRPr lang="de-DE" dirty="0"/>
+          </a:p>
+          <a:p>
+            <a:endParaRPr lang="de-DE" dirty="0"/>
           </a:p>
           <a:p>
             <a:pPr marL="285750" indent="-285750">
@@ -9709,6 +10964,13 @@
                   <a:buFont typeface="Arial" panose="020B0604020202020204" pitchFamily="34" charset="0"/>
                   <a:buChar char="•"/>
                 </a:pPr>
+                <a:endParaRPr lang="en-IN" b="1" dirty="0"/>
+              </a:p>
+              <a:p>
+                <a:pPr marL="285750" indent="-285750">
+                  <a:buFont typeface="Arial" panose="020B0604020202020204" pitchFamily="34" charset="0"/>
+                  <a:buChar char="•"/>
+                </a:pPr>
                 <a:r>
                   <a:rPr lang="en-US" dirty="0"/>
                   <a:t>The global basis matrix can then be reduced further using SVD to </a:t>
@@ -9763,6 +11025,9 @@
                 </a:r>
               </a:p>
               <a:p>
+                <a:endParaRPr lang="en-US" dirty="0"/>
+              </a:p>
+              <a:p>
                 <a:pPr marL="285750" indent="-285750">
                   <a:buFont typeface="Arial" panose="020B0604020202020204" pitchFamily="34" charset="0"/>
                   <a:buChar char="•"/>
@@ -10154,6 +11419,9 @@
                     </m:r>
                   </m:oMath>
                 </a14:m>
+                <a:endParaRPr lang="en-US" dirty="0"/>
+              </a:p>
+              <a:p>
                 <a:endParaRPr lang="en-US" dirty="0"/>
               </a:p>
               <a:p>
@@ -10173,6 +11441,9 @@
                   <a:rPr lang="en-US" b="1" dirty="0"/>
                   <a:t>grows with the number of samples</a:t>
                 </a:r>
+              </a:p>
+              <a:p>
+                <a:endParaRPr lang="en-US" b="1" dirty="0"/>
               </a:p>
               <a:p>
                 <a:pPr marL="285750" indent="-285750">
@@ -10224,7 +11495,7 @@
               <a:lstStyle/>
               <a:p>
                 <a:r>
-                  <a:rPr lang="en-IN">
+                  <a:rPr lang="es-ES">
                     <a:noFill/>
                   </a:rPr>
                   <a:t> </a:t>
@@ -10383,6 +11654,13 @@
                   <a:buFont typeface="Arial" panose="020B0604020202020204" pitchFamily="34" charset="0"/>
                   <a:buChar char="•"/>
                 </a:pPr>
+                <a:endParaRPr lang="en-US" dirty="0"/>
+              </a:p>
+              <a:p>
+                <a:pPr marL="285750" indent="-285750">
+                  <a:buFont typeface="Arial" panose="020B0604020202020204" pitchFamily="34" charset="0"/>
+                  <a:buChar char="•"/>
+                </a:pPr>
                 <a:r>
                   <a:rPr lang="en-US" dirty="0"/>
                   <a:t>However, a straightforward interpolation of the reduced matrices is </a:t>
@@ -10440,6 +11718,13 @@
                     </m:r>
                   </m:oMath>
                 </a14:m>
+                <a:endParaRPr lang="en-US" b="1" dirty="0"/>
+              </a:p>
+              <a:p>
+                <a:pPr marL="285750" indent="-285750">
+                  <a:buFont typeface="Arial" panose="020B0604020202020204" pitchFamily="34" charset="0"/>
+                  <a:buChar char="•"/>
+                </a:pPr>
                 <a:endParaRPr lang="en-US" b="1" dirty="0"/>
               </a:p>
               <a:p>
@@ -10482,6 +11767,161 @@
                   <a:t> is computed first, followed by the transformation of reduced matrices to this system</a:t>
                 </a:r>
               </a:p>
+            </p:txBody>
+          </p:sp>
+        </mc:Choice>
+        <mc:Fallback>
+          <p:sp>
+            <p:nvSpPr>
+              <p:cNvPr id="2" name="Inhaltsplatzhalter 1"/>
+              <p:cNvSpPr>
+                <a:spLocks noGrp="1" noRot="1" noChangeAspect="1" noMove="1" noResize="1" noEditPoints="1" noAdjustHandles="1" noChangeArrowheads="1" noChangeShapeType="1" noTextEdit="1"/>
+              </p:cNvSpPr>
+              <p:nvPr>
+                <p:ph idx="1"/>
+              </p:nvPr>
+            </p:nvSpPr>
+            <p:spPr>
+              <a:blipFill>
+                <a:blip r:embed="rId2"/>
+                <a:stretch>
+                  <a:fillRect l="-1146" t="-1578"/>
+                </a:stretch>
+              </a:blipFill>
+            </p:spPr>
+            <p:txBody>
+              <a:bodyPr/>
+              <a:lstStyle/>
+              <a:p>
+                <a:r>
+                  <a:rPr lang="es-ES">
+                    <a:noFill/>
+                  </a:rPr>
+                  <a:t> </a:t>
+                </a:r>
+              </a:p>
+            </p:txBody>
+          </p:sp>
+        </mc:Fallback>
+      </mc:AlternateContent>
+      <p:sp>
+        <p:nvSpPr>
+          <p:cNvPr id="3" name="Titel 2"/>
+          <p:cNvSpPr>
+            <a:spLocks noGrp="1"/>
+          </p:cNvSpPr>
+          <p:nvPr>
+            <p:ph type="title"/>
+          </p:nvPr>
+        </p:nvSpPr>
+        <p:spPr>
+          <a:xfrm>
+            <a:off x="319090" y="972000"/>
+            <a:ext cx="8508999" cy="380810"/>
+          </a:xfrm>
+        </p:spPr>
+        <p:txBody>
+          <a:bodyPr/>
+          <a:lstStyle/>
+          <a:p>
+            <a:r>
+              <a:rPr lang="de-DE" dirty="0"/>
+              <a:t>Local pMOR</a:t>
+            </a:r>
+          </a:p>
+        </p:txBody>
+      </p:sp>
+      <p:sp>
+        <p:nvSpPr>
+          <p:cNvPr id="4" name="Foliennummernplatzhalter 3"/>
+          <p:cNvSpPr>
+            <a:spLocks noGrp="1"/>
+          </p:cNvSpPr>
+          <p:nvPr>
+            <p:ph type="sldNum" sz="quarter" idx="11"/>
+          </p:nvPr>
+        </p:nvSpPr>
+        <p:spPr/>
+        <p:txBody>
+          <a:bodyPr/>
+          <a:lstStyle/>
+          <a:p>
+            <a:fld id="{CE58CB1E-F828-4F11-99E0-327109AF9DA4}" type="slidenum">
+              <a:rPr lang="de-DE" smtClean="0"/>
+              <a:pPr/>
+              <a:t>5</a:t>
+            </a:fld>
+            <a:endParaRPr lang="de-DE" dirty="0"/>
+          </a:p>
+        </p:txBody>
+      </p:sp>
+      <p:sp>
+        <p:nvSpPr>
+          <p:cNvPr id="6" name="Fußzeilenplatzhalter 4"/>
+          <p:cNvSpPr>
+            <a:spLocks noGrp="1"/>
+          </p:cNvSpPr>
+          <p:nvPr>
+            <p:ph type="ftr" sz="quarter" idx="12"/>
+          </p:nvPr>
+        </p:nvSpPr>
+        <p:spPr/>
+        <p:txBody>
+          <a:bodyPr/>
+          <a:lstStyle/>
+          <a:p>
+            <a:r>
+              <a:rPr lang="de-DE" dirty="0"/>
+              <a:t>Raúl San Miguel</a:t>
+            </a:r>
+            <a:endParaRPr lang="en-US" dirty="0"/>
+          </a:p>
+        </p:txBody>
+      </p:sp>
+    </p:spTree>
+  </p:cSld>
+  <p:clrMapOvr>
+    <a:masterClrMapping/>
+  </p:clrMapOvr>
+  <p:transition spd="slow">
+    <p:push dir="u"/>
+  </p:transition>
+</p:sld>
+</file>
+
+<file path=ppt/slides/slide6.xml><?xml version="1.0" encoding="utf-8"?>
+<p:sld xmlns:a="http://schemas.openxmlformats.org/drawingml/2006/main" xmlns:r="http://schemas.openxmlformats.org/officeDocument/2006/relationships" xmlns:p="http://schemas.openxmlformats.org/presentationml/2006/main">
+  <p:cSld>
+    <p:spTree>
+      <p:nvGrpSpPr>
+        <p:cNvPr id="1" name=""/>
+        <p:cNvGrpSpPr/>
+        <p:nvPr/>
+      </p:nvGrpSpPr>
+      <p:grpSpPr>
+        <a:xfrm>
+          <a:off x="0" y="0"/>
+          <a:ext cx="0" cy="0"/>
+          <a:chOff x="0" y="0"/>
+          <a:chExt cx="0" cy="0"/>
+        </a:xfrm>
+      </p:grpSpPr>
+      <mc:AlternateContent xmlns:mc="http://schemas.openxmlformats.org/markup-compatibility/2006">
+        <mc:Choice xmlns:a14="http://schemas.microsoft.com/office/drawing/2010/main" Requires="a14">
+          <p:sp>
+            <p:nvSpPr>
+              <p:cNvPr id="2" name="Inhaltsplatzhalter 1"/>
+              <p:cNvSpPr>
+                <a:spLocks noGrp="1"/>
+              </p:cNvSpPr>
+              <p:nvPr>
+                <p:ph idx="1"/>
+              </p:nvPr>
+            </p:nvSpPr>
+            <p:spPr/>
+            <p:txBody>
+              <a:bodyPr/>
+              <a:lstStyle/>
               <a:p>
                 <a:pPr marL="285750" indent="-285750">
                   <a:buFont typeface="Arial" panose="020B0604020202020204" pitchFamily="34" charset="0"/>
@@ -10594,6 +12034,13 @@
                   <a:buFont typeface="Arial" panose="020B0604020202020204" pitchFamily="34" charset="0"/>
                   <a:buChar char="•"/>
                 </a:pPr>
+                <a:endParaRPr lang="en-US" dirty="0"/>
+              </a:p>
+              <a:p>
+                <a:pPr marL="285750" indent="-285750">
+                  <a:buFont typeface="Arial" panose="020B0604020202020204" pitchFamily="34" charset="0"/>
+                  <a:buChar char="•"/>
+                </a:pPr>
                 <a:r>
                   <a:rPr lang="en-US" dirty="0"/>
                   <a:t>Transformation matrix: </a:t>
@@ -10721,13 +12168,20 @@
                   <a:buFont typeface="Arial" panose="020B0604020202020204" pitchFamily="34" charset="0"/>
                   <a:buChar char="•"/>
                 </a:pPr>
+                <a:endParaRPr lang="en-US" dirty="0"/>
+              </a:p>
+              <a:p>
+                <a:pPr marL="285750" indent="-285750">
+                  <a:buFont typeface="Arial" panose="020B0604020202020204" pitchFamily="34" charset="0"/>
+                  <a:buChar char="•"/>
+                </a:pPr>
                 <a14:m>
                   <m:oMath xmlns:m="http://schemas.openxmlformats.org/officeDocument/2006/math">
                     <m:acc>
                       <m:accPr>
                         <m:chr m:val="̃"/>
                         <m:ctrlPr>
-                          <a:rPr lang="en-IN" b="0" i="1" smtClean="0">
+                          <a:rPr lang="en-IN" i="1">
                             <a:latin typeface="Cambria Math" panose="02040503050406030204" pitchFamily="18" charset="0"/>
                           </a:rPr>
                         </m:ctrlPr>
@@ -10773,7 +12227,7 @@
                       </m:e>
                     </m:acc>
                     <m:r>
-                      <a:rPr lang="en-IN" b="0" i="1" smtClean="0">
+                      <a:rPr lang="en-IN" i="1">
                         <a:latin typeface="Cambria Math" panose="02040503050406030204" pitchFamily="18" charset="0"/>
                       </a:rPr>
                       <m:t>=</m:t>
@@ -10788,7 +12242,7 @@
                       </m:sSubSupPr>
                       <m:e>
                         <m:r>
-                          <a:rPr lang="en-IN" b="0" i="1" smtClean="0">
+                          <a:rPr lang="en-IN" i="1">
                             <a:latin typeface="Cambria Math" panose="02040503050406030204" pitchFamily="18" charset="0"/>
                           </a:rPr>
                           <m:t>𝑇</m:t>
@@ -10796,7 +12250,7 @@
                       </m:e>
                       <m:sub>
                         <m:r>
-                          <a:rPr lang="en-IN" b="0" i="1" smtClean="0">
+                          <a:rPr lang="en-IN" i="1">
                             <a:latin typeface="Cambria Math" panose="02040503050406030204" pitchFamily="18" charset="0"/>
                           </a:rPr>
                           <m:t>𝑘</m:t>
@@ -10804,7 +12258,7 @@
                       </m:sub>
                       <m:sup>
                         <m:r>
-                          <a:rPr lang="en-IN" b="0" i="1" smtClean="0">
+                          <a:rPr lang="en-IN" i="1">
                             <a:latin typeface="Cambria Math" panose="02040503050406030204" pitchFamily="18" charset="0"/>
                           </a:rPr>
                           <m:t>′</m:t>
@@ -10858,7 +12312,7 @@
                       </m:sSubPr>
                       <m:e>
                         <m:r>
-                          <a:rPr lang="en-IN" b="0" i="1" smtClean="0">
+                          <a:rPr lang="en-IN" i="1">
                             <a:latin typeface="Cambria Math" panose="02040503050406030204" pitchFamily="18" charset="0"/>
                           </a:rPr>
                           <m:t>𝑇</m:t>
@@ -10866,7 +12320,7 @@
                       </m:e>
                       <m:sub>
                         <m:r>
-                          <a:rPr lang="en-IN" b="0" i="1" smtClean="0">
+                          <a:rPr lang="en-IN" i="1">
                             <a:latin typeface="Cambria Math" panose="02040503050406030204" pitchFamily="18" charset="0"/>
                           </a:rPr>
                           <m:t>𝑘</m:t>
@@ -10901,7 +12355,7 @@
                           </m:sSubPr>
                           <m:e>
                             <m:r>
-                              <a:rPr lang="en-IN" b="0" i="1" smtClean="0">
+                              <a:rPr lang="en-IN" i="1">
                                 <a:latin typeface="Cambria Math" panose="02040503050406030204" pitchFamily="18" charset="0"/>
                               </a:rPr>
                               <m:t>𝐷</m:t>
@@ -10979,7 +12433,7 @@
                       </m:sSubPr>
                       <m:e>
                         <m:r>
-                          <a:rPr lang="en-IN" b="0" i="1" smtClean="0">
+                          <a:rPr lang="en-IN" i="1">
                             <a:latin typeface="Cambria Math" panose="02040503050406030204" pitchFamily="18" charset="0"/>
                           </a:rPr>
                           <m:t>𝐷</m:t>
@@ -11059,7 +12513,7 @@
                           </m:sSubPr>
                           <m:e>
                             <m:r>
-                              <a:rPr lang="en-IN" b="0" i="1" smtClean="0">
+                              <a:rPr lang="en-IN" i="1">
                                 <a:latin typeface="Cambria Math" panose="02040503050406030204" pitchFamily="18" charset="0"/>
                               </a:rPr>
                               <m:t>𝐾</m:t>
@@ -11137,7 +12591,7 @@
                       </m:sSubPr>
                       <m:e>
                         <m:r>
-                          <a:rPr lang="en-IN" b="0" i="1" smtClean="0">
+                          <a:rPr lang="en-IN" i="1">
                             <a:latin typeface="Cambria Math" panose="02040503050406030204" pitchFamily="18" charset="0"/>
                           </a:rPr>
                           <m:t>𝐾</m:t>
@@ -11217,7 +12671,7 @@
                           </m:sSubPr>
                           <m:e>
                             <m:r>
-                              <a:rPr lang="en-IN" b="0" i="1" smtClean="0">
+                              <a:rPr lang="en-IN" i="1">
                                 <a:latin typeface="Cambria Math" panose="02040503050406030204" pitchFamily="18" charset="0"/>
                               </a:rPr>
                               <m:t>𝑓</m:t>
@@ -11295,7 +12749,7 @@
                       </m:sSubPr>
                       <m:e>
                         <m:r>
-                          <a:rPr lang="en-IN" b="0" i="1" smtClean="0">
+                          <a:rPr lang="en-IN" i="1">
                             <a:latin typeface="Cambria Math" panose="02040503050406030204" pitchFamily="18" charset="0"/>
                           </a:rPr>
                           <m:t>𝑓</m:t>
@@ -11324,6 +12778,13 @@
                     </m:sSub>
                   </m:oMath>
                 </a14:m>
+                <a:endParaRPr lang="en-US" dirty="0"/>
+              </a:p>
+              <a:p>
+                <a:pPr marL="285750" indent="-285750">
+                  <a:buFont typeface="Arial" panose="020B0604020202020204" pitchFamily="34" charset="0"/>
+                  <a:buChar char="•"/>
+                </a:pPr>
                 <a:endParaRPr lang="en-US" dirty="0"/>
               </a:p>
               <a:p>
@@ -11351,6 +12812,13 @@
                   <a:rPr lang="en-US" dirty="0"/>
                   <a:t>parametric reduced model doesn’t grow with the number of samples</a:t>
                 </a:r>
+              </a:p>
+              <a:p>
+                <a:pPr marL="285750" indent="-285750">
+                  <a:buFont typeface="Arial" panose="020B0604020202020204" pitchFamily="34" charset="0"/>
+                  <a:buChar char="•"/>
+                </a:pPr>
+                <a:endParaRPr lang="en-US" dirty="0"/>
               </a:p>
               <a:p>
                 <a:pPr marL="285750" indent="-285750">
@@ -11404,7 +12872,7 @@
               <a:lstStyle/>
               <a:p>
                 <a:r>
-                  <a:rPr lang="en-IN">
+                  <a:rPr lang="es-ES">
                     <a:noFill/>
                   </a:rPr>
                   <a:t> </a:t>
@@ -11459,7 +12927,7 @@
             <a:fld id="{CE58CB1E-F828-4F11-99E0-327109AF9DA4}" type="slidenum">
               <a:rPr lang="de-DE" smtClean="0"/>
               <a:pPr/>
-              <a:t>5</a:t>
+              <a:t>6</a:t>
             </a:fld>
             <a:endParaRPr lang="de-DE" dirty="0"/>
           </a:p>
@@ -11489,6 +12957,11 @@
         </p:txBody>
       </p:sp>
     </p:spTree>
+    <p:extLst>
+      <p:ext uri="{BB962C8B-B14F-4D97-AF65-F5344CB8AC3E}">
+        <p14:creationId xmlns:p14="http://schemas.microsoft.com/office/powerpoint/2010/main" val="2513868981"/>
+      </p:ext>
+    </p:extLst>
   </p:cSld>
   <p:clrMapOvr>
     <a:masterClrMapping/>
@@ -11499,7 +12972,7 @@
 </p:sld>
 </file>
 
-<file path=ppt/slides/slide6.xml><?xml version="1.0" encoding="utf-8"?>
+<file path=ppt/slides/slide7.xml><?xml version="1.0" encoding="utf-8"?>
 <p:sld xmlns:a="http://schemas.openxmlformats.org/drawingml/2006/main" xmlns:r="http://schemas.openxmlformats.org/officeDocument/2006/relationships" xmlns:p="http://schemas.openxmlformats.org/presentationml/2006/main">
   <p:cSld>
     <p:spTree>
@@ -11581,7 +13054,7 @@
             <a:fld id="{CE58CB1E-F828-4F11-99E0-327109AF9DA4}" type="slidenum">
               <a:rPr lang="de-DE" smtClean="0"/>
               <a:pPr/>
-              <a:t>6</a:t>
+              <a:t>7</a:t>
             </a:fld>
             <a:endParaRPr lang="de-DE" dirty="0"/>
           </a:p>
@@ -11640,8 +13113,8 @@
         </p:blipFill>
         <p:spPr>
           <a:xfrm>
-            <a:off x="1441615" y="1600200"/>
-            <a:ext cx="6263945" cy="3095625"/>
+            <a:off x="1025237" y="1352810"/>
+            <a:ext cx="6764536" cy="3343016"/>
           </a:xfrm>
         </p:spPr>
       </p:pic>
@@ -11661,7 +13134,7 @@
 </p:sld>
 </file>
 
-<file path=ppt/slides/slide7.xml><?xml version="1.0" encoding="utf-8"?>
+<file path=ppt/slides/slide8.xml><?xml version="1.0" encoding="utf-8"?>
 <p:sld xmlns:a="http://schemas.openxmlformats.org/drawingml/2006/main" xmlns:r="http://schemas.openxmlformats.org/officeDocument/2006/relationships" xmlns:p="http://schemas.openxmlformats.org/presentationml/2006/main">
   <p:cSld>
     <p:spTree>
@@ -11697,7 +13170,7 @@
         <p:spPr>
           <a:xfrm>
             <a:off x="319091" y="1600200"/>
-            <a:ext cx="4926010" cy="3095625"/>
+            <a:ext cx="5091109" cy="3095625"/>
           </a:xfrm>
         </p:spPr>
         <p:txBody>
@@ -11710,7 +13183,15 @@
             </a:pPr>
             <a:r>
               <a:rPr lang="en-IN" sz="1300" dirty="0"/>
-              <a:t>Generate a FEM model of the Timoshenko cantilever beam at different parameter samples (e.g. different beam lengths and thicknesses)</a:t>
+              <a:t>Generate a </a:t>
+            </a:r>
+            <a:r>
+              <a:rPr lang="en-IN" sz="1300" b="1" dirty="0"/>
+              <a:t>FEM model </a:t>
+            </a:r>
+            <a:r>
+              <a:rPr lang="en-IN" sz="1300" dirty="0"/>
+              <a:t>of the Timoshenko cantilever beam at different parameter samples (e.g. different beam lengths and thicknesses)</a:t>
             </a:r>
           </a:p>
           <a:p>
@@ -11720,7 +13201,15 @@
             </a:pPr>
             <a:r>
               <a:rPr lang="en-IN" sz="1300" dirty="0"/>
-              <a:t>Perform MOR at each parameter sample using SO-IRKA</a:t>
+              <a:t>Perform </a:t>
+            </a:r>
+            <a:r>
+              <a:rPr lang="en-IN" sz="1300" b="1" dirty="0"/>
+              <a:t>MOR</a:t>
+            </a:r>
+            <a:r>
+              <a:rPr lang="en-IN" sz="1300" dirty="0"/>
+              <a:t> at each parameter sample using SO-IRKA</a:t>
             </a:r>
           </a:p>
           <a:p>
@@ -11730,7 +13219,15 @@
             </a:pPr>
             <a:r>
               <a:rPr lang="en-IN" sz="1300" dirty="0"/>
-              <a:t>Collect reduced model bases together to obtain a parametric model</a:t>
+              <a:t>Collect </a:t>
+            </a:r>
+            <a:r>
+              <a:rPr lang="en-IN" sz="1300" b="1" dirty="0"/>
+              <a:t>reduced model bases </a:t>
+            </a:r>
+            <a:r>
+              <a:rPr lang="en-IN" sz="1300" dirty="0"/>
+              <a:t>together to obtain a parametric model</a:t>
             </a:r>
           </a:p>
           <a:p>
@@ -11740,7 +13237,11 @@
             </a:pPr>
             <a:r>
               <a:rPr lang="en-IN" sz="1300" dirty="0"/>
-              <a:t>Reduce the parametric model using either global or local </a:t>
+              <a:t>Reduce the parametric model using either </a:t>
+            </a:r>
+            <a:r>
+              <a:rPr lang="en-IN" sz="1300" b="1" dirty="0"/>
+              <a:t>global or local </a:t>
             </a:r>
             <a:r>
               <a:rPr lang="en-IN" sz="1300" dirty="0" err="1"/>
@@ -11758,7 +13259,7 @@
             </a:pPr>
             <a:r>
               <a:rPr lang="en-IN" sz="1300" dirty="0"/>
-              <a:t>Interpolation in the case of local </a:t>
+              <a:t>Local </a:t>
             </a:r>
             <a:r>
               <a:rPr lang="en-IN" sz="1300" dirty="0" err="1"/>
@@ -11766,7 +13267,11 @@
             </a:r>
             <a:r>
               <a:rPr lang="en-IN" sz="1300" dirty="0"/>
-              <a:t> has been done using cubic splines</a:t>
+              <a:t> interpolation done using </a:t>
+            </a:r>
+            <a:r>
+              <a:rPr lang="en-IN" sz="1300" b="1" dirty="0"/>
+              <a:t>cubic splines</a:t>
             </a:r>
           </a:p>
           <a:p>
@@ -11776,7 +13281,11 @@
             </a:pPr>
             <a:r>
               <a:rPr lang="en-IN" sz="1300" dirty="0"/>
-              <a:t>Solve the reduced system model at required parameter value</a:t>
+              <a:t>Solve the reduced system model at </a:t>
+            </a:r>
+            <a:r>
+              <a:rPr lang="en-IN" sz="1300" b="1" dirty="0"/>
+              <a:t>required parameter value</a:t>
             </a:r>
           </a:p>
           <a:p>
@@ -11786,7 +13295,15 @@
             </a:pPr>
             <a:r>
               <a:rPr lang="en-IN" sz="1300" dirty="0"/>
-              <a:t>Obtain the frequency response for a sweep of frequencies   </a:t>
+              <a:t>Obtain the </a:t>
+            </a:r>
+            <a:r>
+              <a:rPr lang="en-IN" sz="1300" b="1" dirty="0"/>
+              <a:t>frequency response </a:t>
+            </a:r>
+            <a:r>
+              <a:rPr lang="en-IN" sz="1300" dirty="0"/>
+              <a:t>for a sweep of frequencies   </a:t>
             </a:r>
           </a:p>
         </p:txBody>
@@ -11848,7 +13365,7 @@
             <a:fld id="{CE58CB1E-F828-4F11-99E0-327109AF9DA4}" type="slidenum">
               <a:rPr lang="de-DE" smtClean="0"/>
               <a:pPr/>
-              <a:t>7</a:t>
+              <a:t>8</a:t>
             </a:fld>
             <a:endParaRPr lang="de-DE" dirty="0"/>
           </a:p>
@@ -11929,7 +13446,7 @@
 </p:sld>
 </file>
 
-<file path=ppt/slides/slide8.xml><?xml version="1.0" encoding="utf-8"?>
+<file path=ppt/slides/slide9.xml><?xml version="1.0" encoding="utf-8"?>
 <p:sld xmlns:a="http://schemas.openxmlformats.org/drawingml/2006/main" xmlns:r="http://schemas.openxmlformats.org/officeDocument/2006/relationships" xmlns:p="http://schemas.openxmlformats.org/presentationml/2006/main">
   <p:cSld>
     <p:spTree>
@@ -11969,27 +13486,59 @@
                 </a:pPr>
                 <a:r>
                   <a:rPr lang="de-DE" dirty="0"/>
-                  <a:t>Useful for MOR of single-input single-output (SISO) second order systems</a:t>
+                  <a:t>Useful for MOR of single-input single-output (SISO) second </a:t>
                 </a:r>
+                <a:r>
+                  <a:rPr lang="de-DE" dirty="0" err="1"/>
+                  <a:t>order</a:t>
+                </a:r>
+                <a:r>
+                  <a:rPr lang="de-DE" dirty="0"/>
+                  <a:t> </a:t>
+                </a:r>
+                <a:r>
+                  <a:rPr lang="de-DE" dirty="0" err="1"/>
+                  <a:t>systems</a:t>
+                </a:r>
+                <a:endParaRPr lang="de-DE" dirty="0"/>
               </a:p>
               <a:p>
                 <a:pPr marL="285750" indent="-285750">
                   <a:buFont typeface="Arial" panose="020B0604020202020204" pitchFamily="34" charset="0"/>
                   <a:buChar char="•"/>
                 </a:pPr>
+                <a:endParaRPr lang="de-DE" dirty="0"/>
+              </a:p>
+              <a:p>
+                <a:pPr marL="342900" indent="-342900">
+                  <a:buFont typeface="+mj-lt"/>
+                  <a:buAutoNum type="arabicPeriod"/>
+                </a:pPr>
                 <a:r>
                   <a:rPr lang="de-DE" dirty="0"/>
-                  <a:t>Starts with an initial set of expansion points (assumed to be complex)</a:t>
+                  <a:t>Starts with an </a:t>
+                </a:r>
+                <a:r>
+                  <a:rPr lang="de-DE" b="1" dirty="0"/>
+                  <a:t>initial set </a:t>
+                </a:r>
+                <a:r>
+                  <a:rPr lang="de-DE" dirty="0"/>
+                  <a:t>of expansion points (assumed to be complex)</a:t>
                 </a:r>
               </a:p>
               <a:p>
-                <a:pPr marL="285750" indent="-285750">
-                  <a:buFont typeface="Arial" panose="020B0604020202020204" pitchFamily="34" charset="0"/>
-                  <a:buChar char="•"/>
+                <a:pPr marL="342900" indent="-342900">
+                  <a:buFont typeface="+mj-lt"/>
+                  <a:buAutoNum type="arabicPeriod"/>
                 </a:pPr>
                 <a:r>
                   <a:rPr lang="en-IN" dirty="0"/>
-                  <a:t>Compute initial projection matrices </a:t>
+                  <a:t>Compute </a:t>
+                </a:r>
+                <a:r>
+                  <a:rPr lang="en-IN" b="1" dirty="0"/>
+                  <a:t>initial projection matrices </a:t>
                 </a:r>
                 <a14:m>
                   <m:oMath xmlns:m="http://schemas.openxmlformats.org/officeDocument/2006/math">
@@ -12051,23 +13600,32 @@
                         </m:r>
                       </m:sub>
                     </m:sSub>
-                    <m:r>
-                      <a:rPr lang="en-IN" b="0" i="1" smtClean="0">
-                        <a:latin typeface="Cambria Math" panose="02040503050406030204" pitchFamily="18" charset="0"/>
-                      </a:rPr>
-                      <m:t> </m:t>
-                    </m:r>
                   </m:oMath>
                 </a14:m>
-                <a:endParaRPr lang="en-IN" b="0" i="1" dirty="0">
-                  <a:latin typeface="Cambria Math" panose="02040503050406030204" pitchFamily="18" charset="0"/>
-                </a:endParaRPr>
+                <a:r>
+                  <a:rPr lang="en-IN" b="0" i="1" dirty="0">
+                    <a:latin typeface="Cambria Math" panose="02040503050406030204" pitchFamily="18" charset="0"/>
+                  </a:rPr>
+                  <a:t> </a:t>
+                </a:r>
+                <a:r>
+                  <a:rPr lang="en-IN" b="0" dirty="0"/>
+                  <a:t>(two sided case)</a:t>
+                </a:r>
               </a:p>
               <a:p>
-                <a:pPr marL="285750" indent="-285750">
-                  <a:buFont typeface="Arial" panose="020B0604020202020204" pitchFamily="34" charset="0"/>
-                  <a:buChar char="•"/>
+                <a:pPr marL="342900" indent="-342900">
+                  <a:buFont typeface="+mj-lt"/>
+                  <a:buAutoNum type="arabicPeriod"/>
                 </a:pPr>
+                <a:r>
+                  <a:rPr lang="en-IN" b="1" dirty="0"/>
+                  <a:t>Reduce</a:t>
+                </a:r>
+                <a:r>
+                  <a:rPr lang="en-IN" dirty="0"/>
+                  <a:t> matrices: </a:t>
+                </a:r>
                 <a14:m>
                   <m:oMath xmlns:m="http://schemas.openxmlformats.org/officeDocument/2006/math">
                     <m:sSub>
@@ -12376,13 +13934,21 @@
                 <a:endParaRPr lang="en-IN" dirty="0"/>
               </a:p>
               <a:p>
-                <a:pPr marL="285750" indent="-285750">
-                  <a:buFont typeface="Arial" panose="020B0604020202020204" pitchFamily="34" charset="0"/>
-                  <a:buChar char="•"/>
+                <a:pPr marL="342900" indent="-342900">
+                  <a:buFont typeface="+mj-lt"/>
+                  <a:buAutoNum type="arabicPeriod"/>
                 </a:pPr>
                 <a:r>
                   <a:rPr lang="en-IN" dirty="0"/>
-                  <a:t>Solve the quadratic eigenvalue problem:	 </a:t>
+                  <a:t>Solve the quadratic </a:t>
+                </a:r>
+                <a:r>
+                  <a:rPr lang="en-IN" b="1" dirty="0"/>
+                  <a:t>eigenvalue</a:t>
+                </a:r>
+                <a:r>
+                  <a:rPr lang="en-IN" dirty="0"/>
+                  <a:t> problem:	 </a:t>
                 </a:r>
                 <a14:m>
                   <m:oMath xmlns:m="http://schemas.openxmlformats.org/officeDocument/2006/math">
@@ -12523,16 +14089,16 @@
                 <a:endParaRPr lang="en-IN" dirty="0"/>
               </a:p>
               <a:p>
-                <a:pPr marL="285750" indent="-285750">
-                  <a:buFont typeface="Arial" panose="020B0604020202020204" pitchFamily="34" charset="0"/>
-                  <a:buChar char="•"/>
+                <a:pPr marL="342900" indent="-342900">
+                  <a:buFont typeface="+mj-lt"/>
+                  <a:buAutoNum type="arabicPeriod"/>
                 </a:pPr>
                 <a:r>
                   <a:rPr lang="en-IN" dirty="0"/>
                   <a:t>Choose </a:t>
                 </a:r>
                 <a:r>
-                  <a:rPr lang="en-IN" i="1" dirty="0">
+                  <a:rPr lang="en-IN" b="1" i="1" dirty="0">
                     <a:latin typeface="Cambria" panose="02040503050406030204" pitchFamily="18" charset="0"/>
                     <a:ea typeface="Cambria" panose="02040503050406030204" pitchFamily="18" charset="0"/>
                   </a:rPr>
@@ -12540,7 +14106,15 @@
                 </a:r>
                 <a:r>
                   <a:rPr lang="en-IN" dirty="0"/>
-                  <a:t> eigenvalues and update expansion points </a:t>
+                  <a:t> eigenvalues and </a:t>
+                </a:r>
+                <a:r>
+                  <a:rPr lang="en-IN" b="1" dirty="0"/>
+                  <a:t>update</a:t>
+                </a:r>
+                <a:r>
+                  <a:rPr lang="en-IN" dirty="0"/>
+                  <a:t> expansion points </a:t>
                 </a:r>
                 <a14:m>
                   <m:oMath xmlns:m="http://schemas.openxmlformats.org/officeDocument/2006/math">
@@ -12612,13 +14186,21 @@
                 <a:endParaRPr lang="en-IN" dirty="0"/>
               </a:p>
               <a:p>
-                <a:pPr marL="285750" indent="-285750">
-                  <a:buFont typeface="Arial" panose="020B0604020202020204" pitchFamily="34" charset="0"/>
-                  <a:buChar char="•"/>
+                <a:pPr marL="342900" indent="-342900">
+                  <a:buFont typeface="+mj-lt"/>
+                  <a:buAutoNum type="arabicPeriod"/>
                 </a:pPr>
                 <a:r>
                   <a:rPr lang="en-IN" dirty="0"/>
-                  <a:t>Repeat above steps while  </a:t>
+                  <a:t>Repeat </a:t>
+                </a:r>
+                <a:r>
+                  <a:rPr lang="en-IN" b="1" dirty="0"/>
+                  <a:t>steps 2-5 </a:t>
+                </a:r>
+                <a:r>
+                  <a:rPr lang="en-IN" dirty="0"/>
+                  <a:t>while  </a:t>
                 </a:r>
                 <a14:m>
                   <m:oMath xmlns:m="http://schemas.openxmlformats.org/officeDocument/2006/math">
@@ -12811,12 +14393,15 @@
                     </m:r>
                   </m:oMath>
                 </a14:m>
-                <a:endParaRPr lang="en-IN" dirty="0"/>
+                <a:r>
+                  <a:rPr lang="en-IN" dirty="0"/>
+                  <a:t> or limit of iterations</a:t>
+                </a:r>
               </a:p>
               <a:p>
-                <a:pPr marL="285750" indent="-285750">
-                  <a:buFont typeface="Arial" panose="020B0604020202020204" pitchFamily="34" charset="0"/>
-                  <a:buChar char="•"/>
+                <a:pPr marL="342900" indent="-342900">
+                  <a:buFont typeface="+mj-lt"/>
+                  <a:buAutoNum type="arabicPeriod"/>
                 </a:pPr>
                 <a:r>
                   <a:rPr lang="en-IN" dirty="0"/>
@@ -12827,32 +14412,32 @@
                     <m:sSub>
                       <m:sSubPr>
                         <m:ctrlPr>
-                          <a:rPr lang="en-IN" i="1" smtClean="0">
+                          <a:rPr lang="en-IN" b="1" i="1" smtClean="0">
                             <a:latin typeface="Cambria Math" panose="02040503050406030204" pitchFamily="18" charset="0"/>
                           </a:rPr>
                         </m:ctrlPr>
                       </m:sSubPr>
                       <m:e>
                         <m:r>
-                          <a:rPr lang="en-IN" b="0" i="1" smtClean="0">
-                            <a:latin typeface="Cambria Math" panose="02040503050406030204" pitchFamily="18" charset="0"/>
-                          </a:rPr>
-                          <m:t>𝑉</m:t>
+                          <a:rPr lang="en-IN" b="1" i="1" smtClean="0">
+                            <a:latin typeface="Cambria Math" panose="02040503050406030204" pitchFamily="18" charset="0"/>
+                          </a:rPr>
+                          <m:t>𝑽</m:t>
                         </m:r>
                       </m:e>
                       <m:sub>
                         <m:r>
-                          <a:rPr lang="en-IN" b="0" i="1" smtClean="0">
-                            <a:latin typeface="Cambria Math" panose="02040503050406030204" pitchFamily="18" charset="0"/>
-                          </a:rPr>
-                          <m:t>𝑟</m:t>
+                          <a:rPr lang="en-IN" b="1" i="1" smtClean="0">
+                            <a:latin typeface="Cambria Math" panose="02040503050406030204" pitchFamily="18" charset="0"/>
+                          </a:rPr>
+                          <m:t>𝒓</m:t>
                         </m:r>
                       </m:sub>
                     </m:sSub>
                   </m:oMath>
                 </a14:m>
                 <a:r>
-                  <a:rPr lang="en-IN" dirty="0"/>
+                  <a:rPr lang="en-IN" b="1" dirty="0"/>
                   <a:t> and </a:t>
                 </a:r>
                 <a14:m>
@@ -12860,33 +14445,37 @@
                     <m:sSub>
                       <m:sSubPr>
                         <m:ctrlPr>
-                          <a:rPr lang="en-IN" i="1" smtClean="0">
+                          <a:rPr lang="en-IN" b="1" i="1" smtClean="0">
                             <a:latin typeface="Cambria Math" panose="02040503050406030204" pitchFamily="18" charset="0"/>
                           </a:rPr>
                         </m:ctrlPr>
                       </m:sSubPr>
                       <m:e>
                         <m:r>
-                          <a:rPr lang="en-IN" b="0" i="1" smtClean="0">
-                            <a:latin typeface="Cambria Math" panose="02040503050406030204" pitchFamily="18" charset="0"/>
-                          </a:rPr>
-                          <m:t>𝑊</m:t>
+                          <a:rPr lang="en-IN" b="1" i="1" smtClean="0">
+                            <a:latin typeface="Cambria Math" panose="02040503050406030204" pitchFamily="18" charset="0"/>
+                          </a:rPr>
+                          <m:t>𝑾</m:t>
                         </m:r>
                       </m:e>
                       <m:sub>
                         <m:r>
-                          <a:rPr lang="en-IN" b="0" i="1" smtClean="0">
-                            <a:latin typeface="Cambria Math" panose="02040503050406030204" pitchFamily="18" charset="0"/>
-                          </a:rPr>
-                          <m:t>𝑟</m:t>
+                          <a:rPr lang="en-IN" b="1" i="1" smtClean="0">
+                            <a:latin typeface="Cambria Math" panose="02040503050406030204" pitchFamily="18" charset="0"/>
+                          </a:rPr>
+                          <m:t>𝒓</m:t>
                         </m:r>
                       </m:sub>
                     </m:sSub>
                   </m:oMath>
                 </a14:m>
                 <a:r>
+                  <a:rPr lang="en-IN" b="1" dirty="0"/>
+                  <a:t> </a:t>
+                </a:r>
+                <a:r>
                   <a:rPr lang="en-IN" dirty="0"/>
-                  <a:t> on convergence</a:t>
+                  <a:t>on convergence</a:t>
                 </a:r>
                 <a:endParaRPr lang="de-DE" dirty="0"/>
               </a:p>
@@ -12917,7 +14506,7 @@
               <a:lstStyle/>
               <a:p>
                 <a:r>
-                  <a:rPr lang="en-IN">
+                  <a:rPr lang="es-ES">
                     <a:noFill/>
                   </a:rPr>
                   <a:t> </a:t>
@@ -12972,7 +14561,7 @@
             <a:fld id="{CE58CB1E-F828-4F11-99E0-327109AF9DA4}" type="slidenum">
               <a:rPr lang="de-DE" smtClean="0"/>
               <a:pPr/>
-              <a:t>8</a:t>
+              <a:t>9</a:t>
             </a:fld>
             <a:endParaRPr lang="de-DE" dirty="0"/>
           </a:p>
@@ -13001,259 +14590,6 @@
           </a:p>
         </p:txBody>
       </p:sp>
-    </p:spTree>
-  </p:cSld>
-  <p:clrMapOvr>
-    <a:masterClrMapping/>
-  </p:clrMapOvr>
-  <p:transition spd="slow">
-    <p:push dir="u"/>
-  </p:transition>
-</p:sld>
-</file>
-
-<file path=ppt/slides/slide9.xml><?xml version="1.0" encoding="utf-8"?>
-<p:sld xmlns:a="http://schemas.openxmlformats.org/drawingml/2006/main" xmlns:r="http://schemas.openxmlformats.org/officeDocument/2006/relationships" xmlns:p="http://schemas.openxmlformats.org/presentationml/2006/main">
-  <p:cSld>
-    <p:spTree>
-      <p:nvGrpSpPr>
-        <p:cNvPr id="1" name=""/>
-        <p:cNvGrpSpPr/>
-        <p:nvPr/>
-      </p:nvGrpSpPr>
-      <p:grpSpPr>
-        <a:xfrm>
-          <a:off x="0" y="0"/>
-          <a:ext cx="0" cy="0"/>
-          <a:chOff x="0" y="0"/>
-          <a:chExt cx="0" cy="0"/>
-        </a:xfrm>
-      </p:grpSpPr>
-      <p:sp>
-        <p:nvSpPr>
-          <p:cNvPr id="2" name="Inhaltsplatzhalter 1"/>
-          <p:cNvSpPr>
-            <a:spLocks noGrp="1"/>
-          </p:cNvSpPr>
-          <p:nvPr>
-            <p:ph idx="14"/>
-          </p:nvPr>
-        </p:nvSpPr>
-        <p:spPr>
-          <a:xfrm>
-            <a:off x="319091" y="1602000"/>
-            <a:ext cx="4180910" cy="3095626"/>
-          </a:xfrm>
-        </p:spPr>
-        <p:txBody>
-          <a:bodyPr wrap="square" anchor="t">
-            <a:normAutofit/>
-          </a:bodyPr>
-          <a:lstStyle/>
-          <a:p>
-            <a:pPr marL="285750" indent="-285750">
-              <a:spcAft>
-                <a:spcPts val="600"/>
-              </a:spcAft>
-              <a:buFont typeface="Arial" panose="020B0604020202020204" pitchFamily="34" charset="0"/>
-              <a:buChar char="•"/>
-            </a:pPr>
-            <a:r>
-              <a:rPr lang="en-US" dirty="0"/>
-              <a:t>Parameter – Beam length</a:t>
-            </a:r>
-          </a:p>
-          <a:p>
-            <a:pPr marL="285750" indent="-285750">
-              <a:spcAft>
-                <a:spcPts val="600"/>
-              </a:spcAft>
-              <a:buFont typeface="Arial" panose="020B0604020202020204" pitchFamily="34" charset="0"/>
-              <a:buChar char="•"/>
-            </a:pPr>
-            <a:r>
-              <a:rPr lang="en-IN" b="0" i="0" dirty="0">
-                <a:effectLst/>
-              </a:rPr>
-              <a:t>Parameter range, P = [0.214 0.3 0.4 0.5 0.6 0.75 0.9 1.25]</a:t>
-            </a:r>
-          </a:p>
-          <a:p>
-            <a:pPr marL="285750" indent="-285750">
-              <a:spcAft>
-                <a:spcPts val="600"/>
-              </a:spcAft>
-              <a:buFont typeface="Arial" panose="020B0604020202020204" pitchFamily="34" charset="0"/>
-              <a:buChar char="•"/>
-            </a:pPr>
-            <a:r>
-              <a:rPr lang="en-IN" dirty="0"/>
-              <a:t>Models evaluated at L = 1m and 100 elements</a:t>
-            </a:r>
-            <a:endParaRPr lang="en-US" dirty="0"/>
-          </a:p>
-          <a:p>
-            <a:pPr marL="285750" indent="-285750">
-              <a:spcAft>
-                <a:spcPts val="600"/>
-              </a:spcAft>
-              <a:buFont typeface="Arial" panose="020B0604020202020204" pitchFamily="34" charset="0"/>
-              <a:buChar char="•"/>
-            </a:pPr>
-            <a:r>
-              <a:rPr lang="en-US" dirty="0"/>
-              <a:t>All models give approximately the same results </a:t>
-            </a:r>
-          </a:p>
-          <a:p>
-            <a:pPr marL="285750" indent="-285750">
-              <a:spcAft>
-                <a:spcPts val="600"/>
-              </a:spcAft>
-              <a:buFont typeface="Arial" panose="020B0604020202020204" pitchFamily="34" charset="0"/>
-              <a:buChar char="•"/>
-            </a:pPr>
-            <a:r>
-              <a:rPr lang="en-US" dirty="0"/>
-              <a:t>Accuracy of reduced-order models decreases at high frequencies</a:t>
-            </a:r>
-          </a:p>
-        </p:txBody>
-      </p:sp>
-      <p:sp>
-        <p:nvSpPr>
-          <p:cNvPr id="3" name="Titel 2"/>
-          <p:cNvSpPr>
-            <a:spLocks noGrp="1"/>
-          </p:cNvSpPr>
-          <p:nvPr>
-            <p:ph type="title"/>
-          </p:nvPr>
-        </p:nvSpPr>
-        <p:spPr>
-          <a:xfrm>
-            <a:off x="319090" y="972000"/>
-            <a:ext cx="8508999" cy="410369"/>
-          </a:xfrm>
-        </p:spPr>
-        <p:txBody>
-          <a:bodyPr wrap="square" anchor="t">
-            <a:normAutofit/>
-          </a:bodyPr>
-          <a:lstStyle/>
-          <a:p>
-            <a:r>
-              <a:rPr lang="de-DE" dirty="0"/>
-              <a:t>Results</a:t>
-            </a:r>
-          </a:p>
-        </p:txBody>
-      </p:sp>
-      <p:sp>
-        <p:nvSpPr>
-          <p:cNvPr id="4" name="Foliennummernplatzhalter 3"/>
-          <p:cNvSpPr>
-            <a:spLocks noGrp="1"/>
-          </p:cNvSpPr>
-          <p:nvPr>
-            <p:ph type="sldNum" sz="quarter" idx="16"/>
-          </p:nvPr>
-        </p:nvSpPr>
-        <p:spPr>
-          <a:xfrm>
-            <a:off x="6774934" y="4854985"/>
-            <a:ext cx="2052074" cy="273844"/>
-          </a:xfrm>
-        </p:spPr>
-        <p:txBody>
-          <a:bodyPr anchor="ctr">
-            <a:normAutofit/>
-          </a:bodyPr>
-          <a:lstStyle/>
-          <a:p>
-            <a:pPr>
-              <a:spcAft>
-                <a:spcPts val="600"/>
-              </a:spcAft>
-            </a:pPr>
-            <a:fld id="{CE58CB1E-F828-4F11-99E0-327109AF9DA4}" type="slidenum">
-              <a:rPr lang="de-DE" smtClean="0"/>
-              <a:pPr>
-                <a:spcAft>
-                  <a:spcPts val="600"/>
-                </a:spcAft>
-              </a:pPr>
-              <a:t>9</a:t>
-            </a:fld>
-            <a:endParaRPr lang="de-DE"/>
-          </a:p>
-        </p:txBody>
-      </p:sp>
-      <p:sp>
-        <p:nvSpPr>
-          <p:cNvPr id="6" name="Fußzeilenplatzhalter 4"/>
-          <p:cNvSpPr>
-            <a:spLocks noGrp="1"/>
-          </p:cNvSpPr>
-          <p:nvPr>
-            <p:ph type="ftr" sz="quarter" idx="17"/>
-          </p:nvPr>
-        </p:nvSpPr>
-        <p:spPr>
-          <a:xfrm>
-            <a:off x="311162" y="4854985"/>
-            <a:ext cx="6464280" cy="273844"/>
-          </a:xfrm>
-        </p:spPr>
-        <p:txBody>
-          <a:bodyPr anchor="ctr">
-            <a:normAutofit/>
-          </a:bodyPr>
-          <a:lstStyle/>
-          <a:p>
-            <a:pPr>
-              <a:spcAft>
-                <a:spcPts val="600"/>
-              </a:spcAft>
-            </a:pPr>
-            <a:r>
-              <a:rPr lang="de-DE" dirty="0"/>
-              <a:t>Hritik Singh</a:t>
-            </a:r>
-            <a:endParaRPr lang="en-US" dirty="0"/>
-          </a:p>
-        </p:txBody>
-      </p:sp>
-      <p:pic>
-        <p:nvPicPr>
-          <p:cNvPr id="10" name="Picture 9">
-            <a:extLst>
-              <a:ext uri="{FF2B5EF4-FFF2-40B4-BE49-F238E27FC236}">
-                <a16:creationId xmlns:a16="http://schemas.microsoft.com/office/drawing/2014/main" id="{4674FF50-EA7E-3BCF-0704-E23DD1368C20}"/>
-              </a:ext>
-            </a:extLst>
-          </p:cNvPr>
-          <p:cNvPicPr>
-            <a:picLocks noChangeAspect="1"/>
-          </p:cNvPicPr>
-          <p:nvPr/>
-        </p:nvPicPr>
-        <p:blipFill>
-          <a:blip r:embed="rId2"/>
-          <a:stretch>
-            <a:fillRect/>
-          </a:stretch>
-        </p:blipFill>
-        <p:spPr>
-          <a:xfrm>
-            <a:off x="4835442" y="1382368"/>
-            <a:ext cx="3939575" cy="2954681"/>
-          </a:xfrm>
-          <a:prstGeom prst="rect">
-            <a:avLst/>
-          </a:prstGeom>
-        </p:spPr>
-      </p:pic>
     </p:spTree>
   </p:cSld>
   <p:clrMapOvr>

--- a/pMOR.pptx
+++ b/pMOR.pptx
@@ -930,7 +930,7 @@
               <a:pPr>
                 <a:defRPr/>
               </a:pPr>
-              <a:t>12/02/2023</a:t>
+              <a:t>13/02/2023</a:t>
             </a:fld>
             <a:endParaRPr lang="en-GB"/>
           </a:p>
@@ -8472,8 +8472,8 @@
           <a:chExt cx="0" cy="0"/>
         </a:xfrm>
       </p:grpSpPr>
-      <mc:AlternateContent xmlns:mc="http://schemas.openxmlformats.org/markup-compatibility/2006">
-        <mc:Choice xmlns:a14="http://schemas.microsoft.com/office/drawing/2010/main" Requires="a14">
+      <mc:AlternateContent xmlns:mc="http://schemas.openxmlformats.org/markup-compatibility/2006" xmlns:a14="http://schemas.microsoft.com/office/drawing/2010/main">
+        <mc:Choice Requires="a14">
           <p:sp>
             <p:nvSpPr>
               <p:cNvPr id="2" name="Content Placeholder 1">
@@ -8566,6 +8566,52 @@
                             <a:rPr lang="en-IN" b="0" i="1" smtClean="0">
                               <a:latin typeface="Cambria Math" panose="02040503050406030204" pitchFamily="18" charset="0"/>
                             </a:rPr>
+                            <m:t>𝑛</m:t>
+                          </m:r>
+                        </m:e>
+                        <m:sub>
+                          <m:r>
+                            <a:rPr lang="en-IN" b="0" i="1" smtClean="0">
+                              <a:latin typeface="Cambria Math" panose="02040503050406030204" pitchFamily="18" charset="0"/>
+                            </a:rPr>
+                            <m:t>𝐼𝑛𝑖𝑡𝑖𝑎𝑙</m:t>
+                          </m:r>
+                        </m:sub>
+                      </m:sSub>
+                      <m:r>
+                        <a:rPr lang="en-IN" b="0" i="1" smtClean="0">
+                          <a:latin typeface="Cambria Math" panose="02040503050406030204" pitchFamily="18" charset="0"/>
+                        </a:rPr>
+                        <m:t>=60</m:t>
+                      </m:r>
+                    </m:oMath>
+                  </m:oMathPara>
+                </a14:m>
+                <a:endParaRPr lang="en-IN" i="1" dirty="0">
+                  <a:latin typeface="Cambria Math" panose="02040503050406030204" pitchFamily="18" charset="0"/>
+                </a:endParaRPr>
+              </a:p>
+              <a:p>
+                <a:pPr/>
+                <a14:m>
+                  <m:oMathPara xmlns:m="http://schemas.openxmlformats.org/officeDocument/2006/math">
+                    <m:oMathParaPr>
+                      <m:jc m:val="centerGroup"/>
+                    </m:oMathParaPr>
+                    <m:oMath xmlns:m="http://schemas.openxmlformats.org/officeDocument/2006/math">
+                      <m:sSub>
+                        <m:sSubPr>
+                          <m:ctrlPr>
+                            <a:rPr lang="en-IN" i="1" smtClean="0">
+                              <a:latin typeface="Cambria Math" panose="02040503050406030204" pitchFamily="18" charset="0"/>
+                            </a:rPr>
+                          </m:ctrlPr>
+                        </m:sSubPr>
+                        <m:e>
+                          <m:r>
+                            <a:rPr lang="en-IN" b="0" i="1" smtClean="0">
+                              <a:latin typeface="Cambria Math" panose="02040503050406030204" pitchFamily="18" charset="0"/>
+                            </a:rPr>
                             <m:t>𝑟</m:t>
                           </m:r>
                         </m:e>
@@ -8636,7 +8682,7 @@
             </p:txBody>
           </p:sp>
         </mc:Choice>
-        <mc:Fallback>
+        <mc:Fallback xmlns="">
           <p:sp>
             <p:nvSpPr>
               <p:cNvPr id="2" name="Content Placeholder 1">
@@ -8666,7 +8712,7 @@
               <a:lstStyle/>
               <a:p>
                 <a:r>
-                  <a:rPr lang="es-ES">
+                  <a:rPr lang="en-IN">
                     <a:noFill/>
                   </a:rPr>
                   <a:t> </a:t>
@@ -9127,7 +9173,7 @@
             </a:r>
             <a:r>
               <a:rPr lang="en-IN" sz="1300" dirty="0"/>
-              <a:t>, solving the full order system takes less time compared to </a:t>
+              <a:t>, solving the full order system takes less time as compared to </a:t>
             </a:r>
             <a:r>
               <a:rPr lang="en-IN" sz="1300" dirty="0" err="1"/>
@@ -9169,11 +9215,19 @@
             </a:r>
             <a:r>
               <a:rPr lang="en-IN" sz="1300" b="1" dirty="0"/>
-              <a:t>less time </a:t>
+              <a:t>less </a:t>
+            </a:r>
+            <a:r>
+              <a:rPr lang="en-IN" sz="1300" b="1"/>
+              <a:t>time as </a:t>
+            </a:r>
+            <a:r>
+              <a:rPr lang="en-IN" sz="1300"/>
+              <a:t>compared </a:t>
             </a:r>
             <a:r>
               <a:rPr lang="en-IN" sz="1300" dirty="0"/>
-              <a:t>compared to the full order system</a:t>
+              <a:t>to the full order system</a:t>
             </a:r>
           </a:p>
           <a:p>
@@ -10808,8 +10862,8 @@
           <a:chExt cx="0" cy="0"/>
         </a:xfrm>
       </p:grpSpPr>
-      <mc:AlternateContent xmlns:mc="http://schemas.openxmlformats.org/markup-compatibility/2006">
-        <mc:Choice xmlns:a14="http://schemas.microsoft.com/office/drawing/2010/main" Requires="a14">
+      <mc:AlternateContent xmlns:mc="http://schemas.openxmlformats.org/markup-compatibility/2006" xmlns:a14="http://schemas.microsoft.com/office/drawing/2010/main">
+        <mc:Choice Requires="a14">
           <p:sp>
             <p:nvSpPr>
               <p:cNvPr id="2" name="Inhaltsplatzhalter 1"/>
@@ -11467,7 +11521,7 @@
             </p:txBody>
           </p:sp>
         </mc:Choice>
-        <mc:Fallback>
+        <mc:Fallback xmlns="">
           <p:sp>
             <p:nvSpPr>
               <p:cNvPr id="2" name="Inhaltsplatzhalter 1"/>
@@ -11607,8 +11661,8 @@
           <a:chExt cx="0" cy="0"/>
         </a:xfrm>
       </p:grpSpPr>
-      <mc:AlternateContent xmlns:mc="http://schemas.openxmlformats.org/markup-compatibility/2006">
-        <mc:Choice xmlns:a14="http://schemas.microsoft.com/office/drawing/2010/main" Requires="a14">
+      <mc:AlternateContent xmlns:mc="http://schemas.openxmlformats.org/markup-compatibility/2006" xmlns:a14="http://schemas.microsoft.com/office/drawing/2010/main">
+        <mc:Choice Requires="a14">
           <p:sp>
             <p:nvSpPr>
               <p:cNvPr id="2" name="Inhaltsplatzhalter 1"/>
@@ -11770,7 +11824,7 @@
             </p:txBody>
           </p:sp>
         </mc:Choice>
-        <mc:Fallback>
+        <mc:Fallback xmlns="">
           <p:sp>
             <p:nvSpPr>
               <p:cNvPr id="2" name="Inhaltsplatzhalter 1"/>
@@ -11906,8 +11960,8 @@
           <a:chExt cx="0" cy="0"/>
         </a:xfrm>
       </p:grpSpPr>
-      <mc:AlternateContent xmlns:mc="http://schemas.openxmlformats.org/markup-compatibility/2006">
-        <mc:Choice xmlns:a14="http://schemas.microsoft.com/office/drawing/2010/main" Requires="a14">
+      <mc:AlternateContent xmlns:mc="http://schemas.openxmlformats.org/markup-compatibility/2006" xmlns:a14="http://schemas.microsoft.com/office/drawing/2010/main">
+        <mc:Choice Requires="a14">
           <p:sp>
             <p:nvSpPr>
               <p:cNvPr id="2" name="Inhaltsplatzhalter 1"/>
@@ -12848,7 +12902,7 @@
             </p:txBody>
           </p:sp>
         </mc:Choice>
-        <mc:Fallback>
+        <mc:Fallback xmlns="">
           <p:sp>
             <p:nvSpPr>
               <p:cNvPr id="2" name="Inhaltsplatzhalter 1"/>
@@ -13463,8 +13517,8 @@
           <a:chExt cx="0" cy="0"/>
         </a:xfrm>
       </p:grpSpPr>
-      <mc:AlternateContent xmlns:mc="http://schemas.openxmlformats.org/markup-compatibility/2006">
-        <mc:Choice xmlns:a14="http://schemas.microsoft.com/office/drawing/2010/main" Requires="a14">
+      <mc:AlternateContent xmlns:mc="http://schemas.openxmlformats.org/markup-compatibility/2006" xmlns:a14="http://schemas.microsoft.com/office/drawing/2010/main">
+        <mc:Choice Requires="a14">
           <p:sp>
             <p:nvSpPr>
               <p:cNvPr id="2" name="Inhaltsplatzhalter 1"/>
@@ -14482,7 +14536,7 @@
             </p:txBody>
           </p:sp>
         </mc:Choice>
-        <mc:Fallback>
+        <mc:Fallback xmlns="">
           <p:sp>
             <p:nvSpPr>
               <p:cNvPr id="2" name="Inhaltsplatzhalter 1"/>

--- a/pMOR.pptx
+++ b/pMOR.pptx
@@ -8472,8 +8472,8 @@
           <a:chExt cx="0" cy="0"/>
         </a:xfrm>
       </p:grpSpPr>
-      <mc:AlternateContent xmlns:mc="http://schemas.openxmlformats.org/markup-compatibility/2006" xmlns:a14="http://schemas.microsoft.com/office/drawing/2010/main">
-        <mc:Choice Requires="a14">
+      <mc:AlternateContent xmlns:mc="http://schemas.openxmlformats.org/markup-compatibility/2006">
+        <mc:Choice xmlns:a14="http://schemas.microsoft.com/office/drawing/2010/main" Requires="a14">
           <p:sp>
             <p:nvSpPr>
               <p:cNvPr id="2" name="Content Placeholder 1">
@@ -8582,7 +8582,19 @@
                         <a:rPr lang="en-IN" b="0" i="1" smtClean="0">
                           <a:latin typeface="Cambria Math" panose="02040503050406030204" pitchFamily="18" charset="0"/>
                         </a:rPr>
-                        <m:t>=60</m:t>
+                        <m:t>=</m:t>
+                      </m:r>
+                      <m:r>
+                        <a:rPr lang="en-IN" b="0" i="1" smtClean="0">
+                          <a:latin typeface="Cambria Math" panose="02040503050406030204" pitchFamily="18" charset="0"/>
+                        </a:rPr>
+                        <m:t>30</m:t>
+                      </m:r>
+                      <m:r>
+                        <a:rPr lang="en-IN" b="0" i="1" smtClean="0">
+                          <a:latin typeface="Cambria Math" panose="02040503050406030204" pitchFamily="18" charset="0"/>
+                        </a:rPr>
+                        <m:t>0</m:t>
                       </m:r>
                     </m:oMath>
                   </m:oMathPara>
@@ -8682,7 +8694,7 @@
             </p:txBody>
           </p:sp>
         </mc:Choice>
-        <mc:Fallback xmlns="">
+        <mc:Fallback>
           <p:sp>
             <p:nvSpPr>
               <p:cNvPr id="2" name="Content Placeholder 1">

--- a/pMOR.pptx
+++ b/pMOR.pptx
@@ -207,7 +207,7 @@
 <file path=ppt/revisionInfo.xml><?xml version="1.0" encoding="utf-8"?>
 <p1510:revInfo xmlns:a="http://schemas.openxmlformats.org/drawingml/2006/main" xmlns:r="http://schemas.openxmlformats.org/officeDocument/2006/relationships" xmlns:p1510="http://schemas.microsoft.com/office/powerpoint/2015/10/main">
   <p1510:revLst>
-    <p1510:client id="{99567A64-BB00-4F53-BEC4-FFFB4D2A8AC9}" v="148" dt="2023-02-13T00:23:21.502"/>
+    <p1510:client id="{99567A64-BB00-4F53-BEC4-FFFB4D2A8AC9}" v="162" dt="2023-02-13T10:38:09.790"/>
   </p1510:revLst>
 </p1510:revInfo>
 </file>
@@ -217,7 +217,7 @@
   <pc:docChgLst>
     <pc:chgData name="Raúl San Miguel" userId="be37e365dce55da6" providerId="LiveId" clId="{99567A64-BB00-4F53-BEC4-FFFB4D2A8AC9}"/>
     <pc:docChg chg="undo redo custSel addSld delSld modSld">
-      <pc:chgData name="Raúl San Miguel" userId="be37e365dce55da6" providerId="LiveId" clId="{99567A64-BB00-4F53-BEC4-FFFB4D2A8AC9}" dt="2023-02-13T00:48:13.819" v="1093" actId="113"/>
+      <pc:chgData name="Raúl San Miguel" userId="be37e365dce55da6" providerId="LiveId" clId="{99567A64-BB00-4F53-BEC4-FFFB4D2A8AC9}" dt="2023-02-13T10:38:09.790" v="1107" actId="20577"/>
       <pc:docMkLst>
         <pc:docMk/>
       </pc:docMkLst>
@@ -267,13 +267,13 @@
         </pc:spChg>
       </pc:sldChg>
       <pc:sldChg chg="modSp mod">
-        <pc:chgData name="Raúl San Miguel" userId="be37e365dce55da6" providerId="LiveId" clId="{99567A64-BB00-4F53-BEC4-FFFB4D2A8AC9}" dt="2023-02-13T00:23:21.501" v="569" actId="113"/>
+        <pc:chgData name="Raúl San Miguel" userId="be37e365dce55da6" providerId="LiveId" clId="{99567A64-BB00-4F53-BEC4-FFFB4D2A8AC9}" dt="2023-02-13T10:38:09.790" v="1107" actId="20577"/>
         <pc:sldMkLst>
           <pc:docMk/>
           <pc:sldMk cId="0" sldId="372"/>
         </pc:sldMkLst>
         <pc:spChg chg="mod">
-          <ac:chgData name="Raúl San Miguel" userId="be37e365dce55da6" providerId="LiveId" clId="{99567A64-BB00-4F53-BEC4-FFFB4D2A8AC9}" dt="2023-02-13T00:23:21.501" v="569" actId="113"/>
+          <ac:chgData name="Raúl San Miguel" userId="be37e365dce55da6" providerId="LiveId" clId="{99567A64-BB00-4F53-BEC4-FFFB4D2A8AC9}" dt="2023-02-13T10:38:09.790" v="1107" actId="20577"/>
           <ac:spMkLst>
             <pc:docMk/>
             <pc:sldMk cId="0" sldId="372"/>
@@ -8472,8 +8472,8 @@
           <a:chExt cx="0" cy="0"/>
         </a:xfrm>
       </p:grpSpPr>
-      <mc:AlternateContent xmlns:mc="http://schemas.openxmlformats.org/markup-compatibility/2006">
-        <mc:Choice xmlns:a14="http://schemas.microsoft.com/office/drawing/2010/main" Requires="a14">
+      <mc:AlternateContent xmlns:mc="http://schemas.openxmlformats.org/markup-compatibility/2006" xmlns:a14="http://schemas.microsoft.com/office/drawing/2010/main">
+        <mc:Choice Requires="a14">
           <p:sp>
             <p:nvSpPr>
               <p:cNvPr id="2" name="Content Placeholder 1">
@@ -8582,19 +8582,7 @@
                         <a:rPr lang="en-IN" b="0" i="1" smtClean="0">
                           <a:latin typeface="Cambria Math" panose="02040503050406030204" pitchFamily="18" charset="0"/>
                         </a:rPr>
-                        <m:t>=</m:t>
-                      </m:r>
-                      <m:r>
-                        <a:rPr lang="en-IN" b="0" i="1" smtClean="0">
-                          <a:latin typeface="Cambria Math" panose="02040503050406030204" pitchFamily="18" charset="0"/>
-                        </a:rPr>
-                        <m:t>30</m:t>
-                      </m:r>
-                      <m:r>
-                        <a:rPr lang="en-IN" b="0" i="1" smtClean="0">
-                          <a:latin typeface="Cambria Math" panose="02040503050406030204" pitchFamily="18" charset="0"/>
-                        </a:rPr>
-                        <m:t>0</m:t>
+                        <m:t>=300</m:t>
                       </m:r>
                     </m:oMath>
                   </m:oMathPara>
@@ -8694,7 +8682,7 @@
             </p:txBody>
           </p:sp>
         </mc:Choice>
-        <mc:Fallback>
+        <mc:Fallback xmlns="">
           <p:sp>
             <p:nvSpPr>
               <p:cNvPr id="2" name="Content Placeholder 1">
@@ -13529,8 +13517,8 @@
           <a:chExt cx="0" cy="0"/>
         </a:xfrm>
       </p:grpSpPr>
-      <mc:AlternateContent xmlns:mc="http://schemas.openxmlformats.org/markup-compatibility/2006" xmlns:a14="http://schemas.microsoft.com/office/drawing/2010/main">
-        <mc:Choice Requires="a14">
+      <mc:AlternateContent xmlns:mc="http://schemas.openxmlformats.org/markup-compatibility/2006">
+        <mc:Choice xmlns:a14="http://schemas.microsoft.com/office/drawing/2010/main" Requires="a14">
           <p:sp>
             <p:nvSpPr>
               <p:cNvPr id="2" name="Inhaltsplatzhalter 1"/>
@@ -14145,7 +14133,7 @@
                       <m:t>=</m:t>
                     </m:r>
                     <m:r>
-                      <a:rPr lang="en-IN" b="0" i="1" smtClean="0">
+                      <a:rPr lang="es-ES" b="0" i="1" smtClean="0">
                         <a:latin typeface="Cambria Math" panose="02040503050406030204" pitchFamily="18" charset="0"/>
                       </a:rPr>
                       <m:t>0</m:t>
@@ -14548,7 +14536,7 @@
             </p:txBody>
           </p:sp>
         </mc:Choice>
-        <mc:Fallback xmlns="">
+        <mc:Fallback>
           <p:sp>
             <p:nvSpPr>
               <p:cNvPr id="2" name="Inhaltsplatzhalter 1"/>
